--- a/Presentation.pptx
+++ b/Presentation.pptx
@@ -6,6 +6,24 @@
   </p:sldMasterIdLst>
   <p:sldIdLst>
     <p:sldId id="256" r:id="rId2"/>
+    <p:sldId id="257" r:id="rId3"/>
+    <p:sldId id="276" r:id="rId4"/>
+    <p:sldId id="258" r:id="rId5"/>
+    <p:sldId id="260" r:id="rId6"/>
+    <p:sldId id="261" r:id="rId7"/>
+    <p:sldId id="262" r:id="rId8"/>
+    <p:sldId id="263" r:id="rId9"/>
+    <p:sldId id="264" r:id="rId10"/>
+    <p:sldId id="259" r:id="rId11"/>
+    <p:sldId id="265" r:id="rId12"/>
+    <p:sldId id="267" r:id="rId13"/>
+    <p:sldId id="270" r:id="rId14"/>
+    <p:sldId id="273" r:id="rId15"/>
+    <p:sldId id="274" r:id="rId16"/>
+    <p:sldId id="275" r:id="rId17"/>
+    <p:sldId id="271" r:id="rId18"/>
+    <p:sldId id="266" r:id="rId19"/>
+    <p:sldId id="272" r:id="rId20"/>
   </p:sldIdLst>
   <p:sldSz cx="12192000" cy="6858000"/>
   <p:notesSz cx="6858000" cy="9144000"/>
@@ -104,7 +122,2825 @@
       </a:defRPr>
     </a:lvl9pPr>
   </p:defaultTextStyle>
+  <p:extLst>
+    <p:ext uri="{EFAFB233-063F-42B5-8137-9DF3F51BA10A}">
+      <p15:sldGuideLst xmlns:p15="http://schemas.microsoft.com/office/powerpoint/2012/main"/>
+    </p:ext>
+  </p:extLst>
 </p:presentation>
+</file>
+
+<file path=ppt/diagrams/colors1.xml><?xml version="1.0" encoding="utf-8"?>
+<dgm:colorsDef xmlns:dgm="http://schemas.openxmlformats.org/drawingml/2006/diagram" xmlns:a="http://schemas.openxmlformats.org/drawingml/2006/main" uniqueId="urn:microsoft.com/office/officeart/2005/8/colors/colorful4">
+  <dgm:title val=""/>
+  <dgm:desc val=""/>
+  <dgm:catLst>
+    <dgm:cat type="colorful" pri="10400"/>
+  </dgm:catLst>
+  <dgm:styleLbl name="node0">
+    <dgm:fillClrLst meth="repeat">
+      <a:schemeClr val="accent3"/>
+    </dgm:fillClrLst>
+    <dgm:linClrLst meth="repeat">
+      <a:schemeClr val="lt1"/>
+    </dgm:linClrLst>
+    <dgm:effectClrLst/>
+    <dgm:txLinClrLst/>
+    <dgm:txFillClrLst/>
+    <dgm:txEffectClrLst/>
+  </dgm:styleLbl>
+  <dgm:styleLbl name="node1">
+    <dgm:fillClrLst>
+      <a:schemeClr val="accent4"/>
+      <a:schemeClr val="accent5"/>
+    </dgm:fillClrLst>
+    <dgm:linClrLst meth="repeat">
+      <a:schemeClr val="lt1"/>
+    </dgm:linClrLst>
+    <dgm:effectClrLst/>
+    <dgm:txLinClrLst/>
+    <dgm:txFillClrLst/>
+    <dgm:txEffectClrLst/>
+  </dgm:styleLbl>
+  <dgm:styleLbl name="alignNode1">
+    <dgm:fillClrLst>
+      <a:schemeClr val="accent4"/>
+      <a:schemeClr val="accent5"/>
+    </dgm:fillClrLst>
+    <dgm:linClrLst>
+      <a:schemeClr val="accent4"/>
+      <a:schemeClr val="accent5"/>
+    </dgm:linClrLst>
+    <dgm:effectClrLst/>
+    <dgm:txLinClrLst/>
+    <dgm:txFillClrLst/>
+    <dgm:txEffectClrLst/>
+  </dgm:styleLbl>
+  <dgm:styleLbl name="lnNode1">
+    <dgm:fillClrLst>
+      <a:schemeClr val="accent4"/>
+      <a:schemeClr val="accent5"/>
+    </dgm:fillClrLst>
+    <dgm:linClrLst meth="repeat">
+      <a:schemeClr val="lt1"/>
+    </dgm:linClrLst>
+    <dgm:effectClrLst/>
+    <dgm:txLinClrLst/>
+    <dgm:txFillClrLst/>
+    <dgm:txEffectClrLst/>
+  </dgm:styleLbl>
+  <dgm:styleLbl name="vennNode1">
+    <dgm:fillClrLst>
+      <a:schemeClr val="accent4">
+        <a:alpha val="50000"/>
+      </a:schemeClr>
+      <a:schemeClr val="accent5">
+        <a:alpha val="50000"/>
+      </a:schemeClr>
+    </dgm:fillClrLst>
+    <dgm:linClrLst meth="repeat">
+      <a:schemeClr val="lt1"/>
+    </dgm:linClrLst>
+    <dgm:effectClrLst/>
+    <dgm:txLinClrLst/>
+    <dgm:txFillClrLst/>
+    <dgm:txEffectClrLst/>
+  </dgm:styleLbl>
+  <dgm:styleLbl name="node2">
+    <dgm:fillClrLst>
+      <a:schemeClr val="accent5"/>
+    </dgm:fillClrLst>
+    <dgm:linClrLst meth="repeat">
+      <a:schemeClr val="lt1"/>
+    </dgm:linClrLst>
+    <dgm:effectClrLst/>
+    <dgm:txLinClrLst/>
+    <dgm:txFillClrLst/>
+    <dgm:txEffectClrLst/>
+  </dgm:styleLbl>
+  <dgm:styleLbl name="node3">
+    <dgm:fillClrLst>
+      <a:schemeClr val="accent6"/>
+    </dgm:fillClrLst>
+    <dgm:linClrLst meth="repeat">
+      <a:schemeClr val="lt1"/>
+    </dgm:linClrLst>
+    <dgm:effectClrLst/>
+    <dgm:txLinClrLst/>
+    <dgm:txFillClrLst/>
+    <dgm:txEffectClrLst/>
+  </dgm:styleLbl>
+  <dgm:styleLbl name="node4">
+    <dgm:fillClrLst>
+      <a:schemeClr val="accent1"/>
+    </dgm:fillClrLst>
+    <dgm:linClrLst meth="repeat">
+      <a:schemeClr val="lt1"/>
+    </dgm:linClrLst>
+    <dgm:effectClrLst/>
+    <dgm:txLinClrLst/>
+    <dgm:txFillClrLst/>
+    <dgm:txEffectClrLst/>
+  </dgm:styleLbl>
+  <dgm:styleLbl name="fgImgPlace1">
+    <dgm:fillClrLst>
+      <a:schemeClr val="accent4">
+        <a:tint val="50000"/>
+      </a:schemeClr>
+      <a:schemeClr val="accent5">
+        <a:tint val="50000"/>
+      </a:schemeClr>
+    </dgm:fillClrLst>
+    <dgm:linClrLst meth="repeat">
+      <a:schemeClr val="lt1"/>
+    </dgm:linClrLst>
+    <dgm:effectClrLst/>
+    <dgm:txLinClrLst/>
+    <dgm:txFillClrLst meth="repeat">
+      <a:schemeClr val="lt1"/>
+    </dgm:txFillClrLst>
+    <dgm:txEffectClrLst/>
+  </dgm:styleLbl>
+  <dgm:styleLbl name="alignImgPlace1">
+    <dgm:fillClrLst>
+      <a:schemeClr val="accent4">
+        <a:tint val="50000"/>
+      </a:schemeClr>
+      <a:schemeClr val="accent5">
+        <a:tint val="20000"/>
+      </a:schemeClr>
+    </dgm:fillClrLst>
+    <dgm:linClrLst meth="repeat">
+      <a:schemeClr val="lt1"/>
+    </dgm:linClrLst>
+    <dgm:effectClrLst/>
+    <dgm:txLinClrLst/>
+    <dgm:txFillClrLst meth="repeat">
+      <a:schemeClr val="lt1"/>
+    </dgm:txFillClrLst>
+    <dgm:txEffectClrLst/>
+  </dgm:styleLbl>
+  <dgm:styleLbl name="bgImgPlace1">
+    <dgm:fillClrLst>
+      <a:schemeClr val="accent4">
+        <a:tint val="50000"/>
+      </a:schemeClr>
+      <a:schemeClr val="accent5">
+        <a:tint val="20000"/>
+      </a:schemeClr>
+    </dgm:fillClrLst>
+    <dgm:linClrLst meth="repeat">
+      <a:schemeClr val="lt1"/>
+    </dgm:linClrLst>
+    <dgm:effectClrLst/>
+    <dgm:txLinClrLst/>
+    <dgm:txFillClrLst meth="repeat">
+      <a:schemeClr val="lt1"/>
+    </dgm:txFillClrLst>
+    <dgm:txEffectClrLst/>
+  </dgm:styleLbl>
+  <dgm:styleLbl name="sibTrans2D1">
+    <dgm:fillClrLst>
+      <a:schemeClr val="accent4"/>
+      <a:schemeClr val="accent5"/>
+    </dgm:fillClrLst>
+    <dgm:linClrLst meth="repeat">
+      <a:schemeClr val="lt1"/>
+    </dgm:linClrLst>
+    <dgm:effectClrLst/>
+    <dgm:txLinClrLst/>
+    <dgm:txFillClrLst/>
+    <dgm:txEffectClrLst/>
+  </dgm:styleLbl>
+  <dgm:styleLbl name="fgSibTrans2D1">
+    <dgm:fillClrLst>
+      <a:schemeClr val="accent4"/>
+      <a:schemeClr val="accent5"/>
+    </dgm:fillClrLst>
+    <dgm:linClrLst meth="repeat">
+      <a:schemeClr val="lt1"/>
+    </dgm:linClrLst>
+    <dgm:effectClrLst/>
+    <dgm:txLinClrLst/>
+    <dgm:txFillClrLst meth="repeat">
+      <a:schemeClr val="lt1"/>
+    </dgm:txFillClrLst>
+    <dgm:txEffectClrLst/>
+  </dgm:styleLbl>
+  <dgm:styleLbl name="bgSibTrans2D1">
+    <dgm:fillClrLst>
+      <a:schemeClr val="accent4"/>
+      <a:schemeClr val="accent5"/>
+    </dgm:fillClrLst>
+    <dgm:linClrLst meth="repeat">
+      <a:schemeClr val="lt1"/>
+    </dgm:linClrLst>
+    <dgm:effectClrLst/>
+    <dgm:txLinClrLst/>
+    <dgm:txFillClrLst meth="repeat">
+      <a:schemeClr val="lt1"/>
+    </dgm:txFillClrLst>
+    <dgm:txEffectClrLst/>
+  </dgm:styleLbl>
+  <dgm:styleLbl name="sibTrans1D1">
+    <dgm:fillClrLst/>
+    <dgm:linClrLst>
+      <a:schemeClr val="accent4"/>
+      <a:schemeClr val="accent5"/>
+    </dgm:linClrLst>
+    <dgm:effectClrLst/>
+    <dgm:txLinClrLst/>
+    <dgm:txFillClrLst meth="repeat">
+      <a:schemeClr val="tx1"/>
+    </dgm:txFillClrLst>
+    <dgm:txEffectClrLst/>
+  </dgm:styleLbl>
+  <dgm:styleLbl name="callout">
+    <dgm:fillClrLst meth="repeat">
+      <a:schemeClr val="accent4"/>
+    </dgm:fillClrLst>
+    <dgm:linClrLst meth="repeat">
+      <a:schemeClr val="accent4">
+        <a:tint val="50000"/>
+      </a:schemeClr>
+    </dgm:linClrLst>
+    <dgm:effectClrLst/>
+    <dgm:txLinClrLst/>
+    <dgm:txFillClrLst meth="repeat">
+      <a:schemeClr val="tx1"/>
+    </dgm:txFillClrLst>
+    <dgm:txEffectClrLst/>
+  </dgm:styleLbl>
+  <dgm:styleLbl name="asst0">
+    <dgm:fillClrLst meth="repeat">
+      <a:schemeClr val="accent4"/>
+    </dgm:fillClrLst>
+    <dgm:linClrLst meth="repeat">
+      <a:schemeClr val="lt1">
+        <a:shade val="80000"/>
+      </a:schemeClr>
+    </dgm:linClrLst>
+    <dgm:effectClrLst/>
+    <dgm:txLinClrLst/>
+    <dgm:txFillClrLst/>
+    <dgm:txEffectClrLst/>
+  </dgm:styleLbl>
+  <dgm:styleLbl name="asst1">
+    <dgm:fillClrLst meth="repeat">
+      <a:schemeClr val="accent5"/>
+    </dgm:fillClrLst>
+    <dgm:linClrLst meth="repeat">
+      <a:schemeClr val="lt1">
+        <a:shade val="80000"/>
+      </a:schemeClr>
+    </dgm:linClrLst>
+    <dgm:effectClrLst/>
+    <dgm:txLinClrLst/>
+    <dgm:txFillClrLst/>
+    <dgm:txEffectClrLst/>
+  </dgm:styleLbl>
+  <dgm:styleLbl name="asst2">
+    <dgm:fillClrLst>
+      <a:schemeClr val="accent6"/>
+    </dgm:fillClrLst>
+    <dgm:linClrLst meth="repeat">
+      <a:schemeClr val="lt1"/>
+    </dgm:linClrLst>
+    <dgm:effectClrLst/>
+    <dgm:txLinClrLst/>
+    <dgm:txFillClrLst/>
+    <dgm:txEffectClrLst/>
+  </dgm:styleLbl>
+  <dgm:styleLbl name="asst3">
+    <dgm:fillClrLst>
+      <a:schemeClr val="accent1"/>
+    </dgm:fillClrLst>
+    <dgm:linClrLst meth="repeat">
+      <a:schemeClr val="lt1"/>
+    </dgm:linClrLst>
+    <dgm:effectClrLst/>
+    <dgm:txLinClrLst/>
+    <dgm:txFillClrLst/>
+    <dgm:txEffectClrLst/>
+  </dgm:styleLbl>
+  <dgm:styleLbl name="asst4">
+    <dgm:fillClrLst>
+      <a:schemeClr val="accent2"/>
+    </dgm:fillClrLst>
+    <dgm:linClrLst meth="repeat">
+      <a:schemeClr val="lt1"/>
+    </dgm:linClrLst>
+    <dgm:effectClrLst/>
+    <dgm:txLinClrLst/>
+    <dgm:txFillClrLst/>
+    <dgm:txEffectClrLst/>
+  </dgm:styleLbl>
+  <dgm:styleLbl name="parChTrans2D1">
+    <dgm:fillClrLst meth="repeat">
+      <a:schemeClr val="accent4"/>
+    </dgm:fillClrLst>
+    <dgm:linClrLst meth="repeat">
+      <a:schemeClr val="lt1"/>
+    </dgm:linClrLst>
+    <dgm:effectClrLst/>
+    <dgm:txLinClrLst/>
+    <dgm:txFillClrLst meth="repeat">
+      <a:schemeClr val="lt1"/>
+    </dgm:txFillClrLst>
+    <dgm:txEffectClrLst/>
+  </dgm:styleLbl>
+  <dgm:styleLbl name="parChTrans2D2">
+    <dgm:fillClrLst meth="repeat">
+      <a:schemeClr val="accent5"/>
+    </dgm:fillClrLst>
+    <dgm:linClrLst meth="repeat">
+      <a:schemeClr val="lt1"/>
+    </dgm:linClrLst>
+    <dgm:effectClrLst/>
+    <dgm:txLinClrLst/>
+    <dgm:txFillClrLst/>
+    <dgm:txEffectClrLst/>
+  </dgm:styleLbl>
+  <dgm:styleLbl name="parChTrans2D3">
+    <dgm:fillClrLst meth="repeat">
+      <a:schemeClr val="accent5"/>
+    </dgm:fillClrLst>
+    <dgm:linClrLst meth="repeat">
+      <a:schemeClr val="lt1"/>
+    </dgm:linClrLst>
+    <dgm:effectClrLst/>
+    <dgm:txLinClrLst/>
+    <dgm:txFillClrLst/>
+    <dgm:txEffectClrLst/>
+  </dgm:styleLbl>
+  <dgm:styleLbl name="parChTrans2D4">
+    <dgm:fillClrLst meth="repeat">
+      <a:schemeClr val="accent6"/>
+    </dgm:fillClrLst>
+    <dgm:linClrLst meth="repeat">
+      <a:schemeClr val="lt1"/>
+    </dgm:linClrLst>
+    <dgm:effectClrLst/>
+    <dgm:txLinClrLst/>
+    <dgm:txFillClrLst meth="repeat">
+      <a:schemeClr val="lt1"/>
+    </dgm:txFillClrLst>
+    <dgm:txEffectClrLst/>
+  </dgm:styleLbl>
+  <dgm:styleLbl name="parChTrans1D1">
+    <dgm:fillClrLst meth="repeat">
+      <a:schemeClr val="accent4"/>
+    </dgm:fillClrLst>
+    <dgm:linClrLst meth="repeat">
+      <a:schemeClr val="accent4"/>
+    </dgm:linClrLst>
+    <dgm:effectClrLst/>
+    <dgm:txLinClrLst/>
+    <dgm:txFillClrLst meth="repeat">
+      <a:schemeClr val="tx1"/>
+    </dgm:txFillClrLst>
+    <dgm:txEffectClrLst/>
+  </dgm:styleLbl>
+  <dgm:styleLbl name="parChTrans1D2">
+    <dgm:fillClrLst meth="repeat">
+      <a:schemeClr val="accent4">
+        <a:tint val="90000"/>
+      </a:schemeClr>
+    </dgm:fillClrLst>
+    <dgm:linClrLst meth="repeat">
+      <a:schemeClr val="accent5"/>
+    </dgm:linClrLst>
+    <dgm:effectClrLst/>
+    <dgm:txLinClrLst/>
+    <dgm:txFillClrLst meth="repeat">
+      <a:schemeClr val="tx1"/>
+    </dgm:txFillClrLst>
+    <dgm:txEffectClrLst/>
+  </dgm:styleLbl>
+  <dgm:styleLbl name="parChTrans1D3">
+    <dgm:fillClrLst meth="repeat">
+      <a:schemeClr val="accent4">
+        <a:tint val="70000"/>
+      </a:schemeClr>
+    </dgm:fillClrLst>
+    <dgm:linClrLst meth="repeat">
+      <a:schemeClr val="accent6"/>
+    </dgm:linClrLst>
+    <dgm:effectClrLst/>
+    <dgm:txLinClrLst/>
+    <dgm:txFillClrLst meth="repeat">
+      <a:schemeClr val="tx1"/>
+    </dgm:txFillClrLst>
+    <dgm:txEffectClrLst/>
+  </dgm:styleLbl>
+  <dgm:styleLbl name="parChTrans1D4">
+    <dgm:fillClrLst meth="repeat">
+      <a:schemeClr val="accent4">
+        <a:tint val="50000"/>
+      </a:schemeClr>
+    </dgm:fillClrLst>
+    <dgm:linClrLst meth="repeat">
+      <a:schemeClr val="accent1"/>
+    </dgm:linClrLst>
+    <dgm:effectClrLst/>
+    <dgm:txLinClrLst/>
+    <dgm:txFillClrLst meth="repeat">
+      <a:schemeClr val="tx1"/>
+    </dgm:txFillClrLst>
+    <dgm:txEffectClrLst/>
+  </dgm:styleLbl>
+  <dgm:styleLbl name="fgAcc1">
+    <dgm:fillClrLst meth="repeat">
+      <a:schemeClr val="lt1">
+        <a:alpha val="90000"/>
+      </a:schemeClr>
+    </dgm:fillClrLst>
+    <dgm:linClrLst>
+      <a:schemeClr val="accent4"/>
+      <a:schemeClr val="accent5"/>
+    </dgm:linClrLst>
+    <dgm:effectClrLst/>
+    <dgm:txLinClrLst/>
+    <dgm:txFillClrLst meth="repeat">
+      <a:schemeClr val="dk1"/>
+    </dgm:txFillClrLst>
+    <dgm:txEffectClrLst/>
+  </dgm:styleLbl>
+  <dgm:styleLbl name="conFgAcc1">
+    <dgm:fillClrLst meth="repeat">
+      <a:schemeClr val="lt1">
+        <a:alpha val="90000"/>
+      </a:schemeClr>
+    </dgm:fillClrLst>
+    <dgm:linClrLst>
+      <a:schemeClr val="accent4"/>
+      <a:schemeClr val="accent5"/>
+    </dgm:linClrLst>
+    <dgm:effectClrLst/>
+    <dgm:txLinClrLst/>
+    <dgm:txFillClrLst meth="repeat">
+      <a:schemeClr val="dk1"/>
+    </dgm:txFillClrLst>
+    <dgm:txEffectClrLst/>
+  </dgm:styleLbl>
+  <dgm:styleLbl name="alignAcc1">
+    <dgm:fillClrLst meth="repeat">
+      <a:schemeClr val="lt1">
+        <a:alpha val="90000"/>
+      </a:schemeClr>
+    </dgm:fillClrLst>
+    <dgm:linClrLst>
+      <a:schemeClr val="accent4"/>
+      <a:schemeClr val="accent5"/>
+    </dgm:linClrLst>
+    <dgm:effectClrLst/>
+    <dgm:txLinClrLst/>
+    <dgm:txFillClrLst meth="repeat">
+      <a:schemeClr val="dk1"/>
+    </dgm:txFillClrLst>
+    <dgm:txEffectClrLst/>
+  </dgm:styleLbl>
+  <dgm:styleLbl name="trAlignAcc1">
+    <dgm:fillClrLst meth="repeat">
+      <a:schemeClr val="lt1">
+        <a:alpha val="40000"/>
+      </a:schemeClr>
+    </dgm:fillClrLst>
+    <dgm:linClrLst meth="repeat">
+      <a:schemeClr val="accent4"/>
+    </dgm:linClrLst>
+    <dgm:effectClrLst/>
+    <dgm:txLinClrLst/>
+    <dgm:txFillClrLst meth="repeat">
+      <a:schemeClr val="dk1"/>
+    </dgm:txFillClrLst>
+    <dgm:txEffectClrLst/>
+  </dgm:styleLbl>
+  <dgm:styleLbl name="bgAcc1">
+    <dgm:fillClrLst meth="repeat">
+      <a:schemeClr val="lt1">
+        <a:alpha val="90000"/>
+      </a:schemeClr>
+    </dgm:fillClrLst>
+    <dgm:linClrLst>
+      <a:schemeClr val="accent4"/>
+      <a:schemeClr val="accent5"/>
+    </dgm:linClrLst>
+    <dgm:effectClrLst/>
+    <dgm:txLinClrLst/>
+    <dgm:txFillClrLst meth="repeat">
+      <a:schemeClr val="dk1"/>
+    </dgm:txFillClrLst>
+    <dgm:txEffectClrLst/>
+  </dgm:styleLbl>
+  <dgm:styleLbl name="solidFgAcc1">
+    <dgm:fillClrLst meth="repeat">
+      <a:schemeClr val="lt1"/>
+    </dgm:fillClrLst>
+    <dgm:linClrLst>
+      <a:schemeClr val="accent4"/>
+      <a:schemeClr val="accent5"/>
+    </dgm:linClrLst>
+    <dgm:effectClrLst/>
+    <dgm:txLinClrLst/>
+    <dgm:txFillClrLst meth="repeat">
+      <a:schemeClr val="dk1"/>
+    </dgm:txFillClrLst>
+    <dgm:txEffectClrLst/>
+  </dgm:styleLbl>
+  <dgm:styleLbl name="solidAlignAcc1">
+    <dgm:fillClrLst meth="repeat">
+      <a:schemeClr val="lt1"/>
+    </dgm:fillClrLst>
+    <dgm:linClrLst>
+      <a:schemeClr val="accent4"/>
+      <a:schemeClr val="accent5"/>
+    </dgm:linClrLst>
+    <dgm:effectClrLst/>
+    <dgm:txLinClrLst/>
+    <dgm:txFillClrLst meth="repeat">
+      <a:schemeClr val="dk1"/>
+    </dgm:txFillClrLst>
+    <dgm:txEffectClrLst/>
+  </dgm:styleLbl>
+  <dgm:styleLbl name="solidBgAcc1">
+    <dgm:fillClrLst meth="repeat">
+      <a:schemeClr val="lt1"/>
+    </dgm:fillClrLst>
+    <dgm:linClrLst>
+      <a:schemeClr val="accent4"/>
+      <a:schemeClr val="accent5"/>
+    </dgm:linClrLst>
+    <dgm:effectClrLst/>
+    <dgm:txLinClrLst/>
+    <dgm:txFillClrLst meth="repeat">
+      <a:schemeClr val="dk1"/>
+    </dgm:txFillClrLst>
+    <dgm:txEffectClrLst/>
+  </dgm:styleLbl>
+  <dgm:styleLbl name="fgAccFollowNode1">
+    <dgm:fillClrLst>
+      <a:schemeClr val="accent4">
+        <a:tint val="40000"/>
+        <a:alpha val="90000"/>
+      </a:schemeClr>
+      <a:schemeClr val="accent5">
+        <a:tint val="40000"/>
+        <a:alpha val="90000"/>
+      </a:schemeClr>
+    </dgm:fillClrLst>
+    <dgm:linClrLst>
+      <a:schemeClr val="accent4">
+        <a:tint val="40000"/>
+        <a:alpha val="90000"/>
+      </a:schemeClr>
+      <a:schemeClr val="accent5">
+        <a:tint val="40000"/>
+        <a:alpha val="90000"/>
+      </a:schemeClr>
+    </dgm:linClrLst>
+    <dgm:effectClrLst/>
+    <dgm:txLinClrLst/>
+    <dgm:txFillClrLst meth="repeat">
+      <a:schemeClr val="dk1"/>
+    </dgm:txFillClrLst>
+    <dgm:txEffectClrLst/>
+  </dgm:styleLbl>
+  <dgm:styleLbl name="alignAccFollowNode1">
+    <dgm:fillClrLst>
+      <a:schemeClr val="accent4">
+        <a:tint val="40000"/>
+        <a:alpha val="90000"/>
+      </a:schemeClr>
+      <a:schemeClr val="accent5">
+        <a:tint val="40000"/>
+        <a:alpha val="90000"/>
+      </a:schemeClr>
+    </dgm:fillClrLst>
+    <dgm:linClrLst>
+      <a:schemeClr val="accent4">
+        <a:tint val="40000"/>
+        <a:alpha val="90000"/>
+      </a:schemeClr>
+      <a:schemeClr val="accent5">
+        <a:tint val="40000"/>
+        <a:alpha val="90000"/>
+      </a:schemeClr>
+    </dgm:linClrLst>
+    <dgm:effectClrLst/>
+    <dgm:txLinClrLst/>
+    <dgm:txFillClrLst meth="repeat">
+      <a:schemeClr val="dk1"/>
+    </dgm:txFillClrLst>
+    <dgm:txEffectClrLst/>
+  </dgm:styleLbl>
+  <dgm:styleLbl name="bgAccFollowNode1">
+    <dgm:fillClrLst>
+      <a:schemeClr val="accent4">
+        <a:tint val="40000"/>
+        <a:alpha val="90000"/>
+      </a:schemeClr>
+      <a:schemeClr val="accent5">
+        <a:tint val="40000"/>
+        <a:alpha val="90000"/>
+      </a:schemeClr>
+    </dgm:fillClrLst>
+    <dgm:linClrLst>
+      <a:schemeClr val="accent4">
+        <a:tint val="40000"/>
+        <a:alpha val="90000"/>
+      </a:schemeClr>
+      <a:schemeClr val="accent5">
+        <a:tint val="40000"/>
+        <a:alpha val="90000"/>
+      </a:schemeClr>
+    </dgm:linClrLst>
+    <dgm:effectClrLst/>
+    <dgm:txLinClrLst/>
+    <dgm:txFillClrLst meth="repeat">
+      <a:schemeClr val="dk1"/>
+    </dgm:txFillClrLst>
+    <dgm:txEffectClrLst/>
+  </dgm:styleLbl>
+  <dgm:styleLbl name="fgAcc0">
+    <dgm:fillClrLst meth="repeat">
+      <a:schemeClr val="lt1">
+        <a:alpha val="90000"/>
+      </a:schemeClr>
+    </dgm:fillClrLst>
+    <dgm:linClrLst>
+      <a:schemeClr val="accent3"/>
+    </dgm:linClrLst>
+    <dgm:effectClrLst/>
+    <dgm:txLinClrLst/>
+    <dgm:txFillClrLst meth="repeat">
+      <a:schemeClr val="dk1"/>
+    </dgm:txFillClrLst>
+    <dgm:txEffectClrLst/>
+  </dgm:styleLbl>
+  <dgm:styleLbl name="fgAcc2">
+    <dgm:fillClrLst meth="repeat">
+      <a:schemeClr val="lt1">
+        <a:alpha val="90000"/>
+      </a:schemeClr>
+    </dgm:fillClrLst>
+    <dgm:linClrLst>
+      <a:schemeClr val="accent5"/>
+    </dgm:linClrLst>
+    <dgm:effectClrLst/>
+    <dgm:txLinClrLst/>
+    <dgm:txFillClrLst meth="repeat">
+      <a:schemeClr val="dk1"/>
+    </dgm:txFillClrLst>
+    <dgm:txEffectClrLst/>
+  </dgm:styleLbl>
+  <dgm:styleLbl name="fgAcc3">
+    <dgm:fillClrLst meth="repeat">
+      <a:schemeClr val="lt1">
+        <a:alpha val="90000"/>
+      </a:schemeClr>
+    </dgm:fillClrLst>
+    <dgm:linClrLst>
+      <a:schemeClr val="accent6"/>
+    </dgm:linClrLst>
+    <dgm:effectClrLst/>
+    <dgm:txLinClrLst/>
+    <dgm:txFillClrLst meth="repeat">
+      <a:schemeClr val="dk1"/>
+    </dgm:txFillClrLst>
+    <dgm:txEffectClrLst/>
+  </dgm:styleLbl>
+  <dgm:styleLbl name="fgAcc4">
+    <dgm:fillClrLst meth="repeat">
+      <a:schemeClr val="lt1">
+        <a:alpha val="90000"/>
+      </a:schemeClr>
+    </dgm:fillClrLst>
+    <dgm:linClrLst>
+      <a:schemeClr val="accent1"/>
+    </dgm:linClrLst>
+    <dgm:effectClrLst/>
+    <dgm:txLinClrLst/>
+    <dgm:txFillClrLst meth="repeat">
+      <a:schemeClr val="dk1"/>
+    </dgm:txFillClrLst>
+    <dgm:txEffectClrLst/>
+  </dgm:styleLbl>
+  <dgm:styleLbl name="bgShp">
+    <dgm:fillClrLst meth="repeat">
+      <a:schemeClr val="accent4">
+        <a:tint val="40000"/>
+      </a:schemeClr>
+    </dgm:fillClrLst>
+    <dgm:linClrLst meth="repeat">
+      <a:schemeClr val="dk1"/>
+    </dgm:linClrLst>
+    <dgm:effectClrLst/>
+    <dgm:txLinClrLst/>
+    <dgm:txFillClrLst meth="repeat">
+      <a:schemeClr val="dk1"/>
+    </dgm:txFillClrLst>
+    <dgm:txEffectClrLst/>
+  </dgm:styleLbl>
+  <dgm:styleLbl name="dkBgShp">
+    <dgm:fillClrLst meth="repeat">
+      <a:schemeClr val="accent4">
+        <a:shade val="90000"/>
+      </a:schemeClr>
+    </dgm:fillClrLst>
+    <dgm:linClrLst meth="repeat">
+      <a:schemeClr val="dk1"/>
+    </dgm:linClrLst>
+    <dgm:effectClrLst/>
+    <dgm:txLinClrLst/>
+    <dgm:txFillClrLst meth="repeat">
+      <a:schemeClr val="lt1"/>
+    </dgm:txFillClrLst>
+    <dgm:txEffectClrLst/>
+  </dgm:styleLbl>
+  <dgm:styleLbl name="trBgShp">
+    <dgm:fillClrLst meth="repeat">
+      <a:schemeClr val="accent4">
+        <a:tint val="50000"/>
+        <a:alpha val="40000"/>
+      </a:schemeClr>
+    </dgm:fillClrLst>
+    <dgm:linClrLst meth="repeat">
+      <a:schemeClr val="accent4"/>
+    </dgm:linClrLst>
+    <dgm:effectClrLst/>
+    <dgm:txLinClrLst/>
+    <dgm:txFillClrLst meth="repeat">
+      <a:schemeClr val="lt1"/>
+    </dgm:txFillClrLst>
+    <dgm:txEffectClrLst/>
+  </dgm:styleLbl>
+  <dgm:styleLbl name="fgShp">
+    <dgm:fillClrLst meth="repeat">
+      <a:schemeClr val="accent4">
+        <a:tint val="40000"/>
+      </a:schemeClr>
+    </dgm:fillClrLst>
+    <dgm:linClrLst meth="repeat">
+      <a:schemeClr val="lt1"/>
+    </dgm:linClrLst>
+    <dgm:effectClrLst/>
+    <dgm:txLinClrLst/>
+    <dgm:txFillClrLst meth="repeat">
+      <a:schemeClr val="dk1"/>
+    </dgm:txFillClrLst>
+    <dgm:txEffectClrLst/>
+  </dgm:styleLbl>
+  <dgm:styleLbl name="revTx">
+    <dgm:fillClrLst meth="repeat">
+      <a:schemeClr val="lt1">
+        <a:alpha val="0"/>
+      </a:schemeClr>
+    </dgm:fillClrLst>
+    <dgm:linClrLst meth="repeat">
+      <a:schemeClr val="dk1">
+        <a:alpha val="0"/>
+      </a:schemeClr>
+    </dgm:linClrLst>
+    <dgm:effectClrLst/>
+    <dgm:txLinClrLst/>
+    <dgm:txFillClrLst meth="repeat">
+      <a:schemeClr val="tx1"/>
+    </dgm:txFillClrLst>
+    <dgm:txEffectClrLst/>
+  </dgm:styleLbl>
+</dgm:colorsDef>
+</file>
+
+<file path=ppt/diagrams/data1.xml><?xml version="1.0" encoding="utf-8"?>
+<dgm:dataModel xmlns:dgm="http://schemas.openxmlformats.org/drawingml/2006/diagram" xmlns:a="http://schemas.openxmlformats.org/drawingml/2006/main">
+  <dgm:ptLst>
+    <dgm:pt modelId="{754505F6-B7A2-496A-B5D3-C0AA6C775D4A}" type="doc">
+      <dgm:prSet loTypeId="urn:microsoft.com/office/officeart/2005/8/layout/cycle3" loCatId="cycle" qsTypeId="urn:microsoft.com/office/officeart/2005/8/quickstyle/simple5" qsCatId="simple" csTypeId="urn:microsoft.com/office/officeart/2005/8/colors/colorful4" csCatId="colorful" phldr="1"/>
+      <dgm:spPr/>
+      <dgm:t>
+        <a:bodyPr/>
+        <a:lstStyle/>
+        <a:p>
+          <a:endParaRPr lang="en-US"/>
+        </a:p>
+      </dgm:t>
+    </dgm:pt>
+    <dgm:pt modelId="{1E51476E-796B-4B7D-A50F-17FF0E1743F5}">
+      <dgm:prSet phldrT="[Text]"/>
+      <dgm:spPr/>
+      <dgm:t>
+        <a:bodyPr/>
+        <a:lstStyle/>
+        <a:p>
+          <a:r>
+            <a:rPr lang="en-US" dirty="0" smtClean="0"/>
+            <a:t>Controller</a:t>
+          </a:r>
+          <a:endParaRPr lang="en-US" dirty="0"/>
+        </a:p>
+      </dgm:t>
+    </dgm:pt>
+    <dgm:pt modelId="{9E8E35E0-3B76-425A-8AB7-FDB7B1B651AE}" type="parTrans" cxnId="{FB8F28C4-8C9A-491D-ADF5-07172DD530FA}">
+      <dgm:prSet/>
+      <dgm:spPr/>
+      <dgm:t>
+        <a:bodyPr/>
+        <a:lstStyle/>
+        <a:p>
+          <a:endParaRPr lang="en-US"/>
+        </a:p>
+      </dgm:t>
+    </dgm:pt>
+    <dgm:pt modelId="{81E80527-00A3-47ED-A5C1-E7DACA664744}" type="sibTrans" cxnId="{FB8F28C4-8C9A-491D-ADF5-07172DD530FA}">
+      <dgm:prSet/>
+      <dgm:spPr/>
+      <dgm:t>
+        <a:bodyPr/>
+        <a:lstStyle/>
+        <a:p>
+          <a:endParaRPr lang="en-US"/>
+        </a:p>
+      </dgm:t>
+    </dgm:pt>
+    <dgm:pt modelId="{C70F26BC-96E8-452A-9517-949BFA65F569}">
+      <dgm:prSet phldrT="[Text]"/>
+      <dgm:spPr/>
+      <dgm:t>
+        <a:bodyPr/>
+        <a:lstStyle/>
+        <a:p>
+          <a:r>
+            <a:rPr lang="en-US" dirty="0" smtClean="0"/>
+            <a:t>Model</a:t>
+          </a:r>
+          <a:endParaRPr lang="en-US" dirty="0"/>
+        </a:p>
+      </dgm:t>
+    </dgm:pt>
+    <dgm:pt modelId="{FFB476C6-7612-4BA4-90BB-61C03C43355F}" type="parTrans" cxnId="{2E4339DA-573F-4E32-96AB-CB4CF8699178}">
+      <dgm:prSet/>
+      <dgm:spPr/>
+      <dgm:t>
+        <a:bodyPr/>
+        <a:lstStyle/>
+        <a:p>
+          <a:endParaRPr lang="en-US"/>
+        </a:p>
+      </dgm:t>
+    </dgm:pt>
+    <dgm:pt modelId="{C2A0F025-4661-454B-8A2E-D8735A96DADA}" type="sibTrans" cxnId="{2E4339DA-573F-4E32-96AB-CB4CF8699178}">
+      <dgm:prSet/>
+      <dgm:spPr/>
+      <dgm:t>
+        <a:bodyPr/>
+        <a:lstStyle/>
+        <a:p>
+          <a:endParaRPr lang="en-US"/>
+        </a:p>
+      </dgm:t>
+    </dgm:pt>
+    <dgm:pt modelId="{878199D8-5FC1-45CA-983A-7B4D936941A6}">
+      <dgm:prSet phldrT="[Text]"/>
+      <dgm:spPr/>
+      <dgm:t>
+        <a:bodyPr/>
+        <a:lstStyle/>
+        <a:p>
+          <a:r>
+            <a:rPr lang="en-US" dirty="0" smtClean="0"/>
+            <a:t>View</a:t>
+          </a:r>
+          <a:endParaRPr lang="en-US" dirty="0"/>
+        </a:p>
+      </dgm:t>
+    </dgm:pt>
+    <dgm:pt modelId="{A54B5FAF-6583-4760-92CB-C91E5BFC30A4}" type="parTrans" cxnId="{3A97BC67-01FE-412A-86E7-9FE6374DD825}">
+      <dgm:prSet/>
+      <dgm:spPr/>
+      <dgm:t>
+        <a:bodyPr/>
+        <a:lstStyle/>
+        <a:p>
+          <a:endParaRPr lang="en-US"/>
+        </a:p>
+      </dgm:t>
+    </dgm:pt>
+    <dgm:pt modelId="{D83EAAA7-D97C-41DF-9A2E-0F87DB1D970F}" type="sibTrans" cxnId="{3A97BC67-01FE-412A-86E7-9FE6374DD825}">
+      <dgm:prSet/>
+      <dgm:spPr/>
+      <dgm:t>
+        <a:bodyPr/>
+        <a:lstStyle/>
+        <a:p>
+          <a:endParaRPr lang="en-US"/>
+        </a:p>
+      </dgm:t>
+    </dgm:pt>
+    <dgm:pt modelId="{7C7EBBB2-A9CE-4C9F-A123-4320546671B4}" type="pres">
+      <dgm:prSet presAssocID="{754505F6-B7A2-496A-B5D3-C0AA6C775D4A}" presName="Name0" presStyleCnt="0">
+        <dgm:presLayoutVars>
+          <dgm:dir/>
+          <dgm:resizeHandles val="exact"/>
+        </dgm:presLayoutVars>
+      </dgm:prSet>
+      <dgm:spPr/>
+      <dgm:t>
+        <a:bodyPr/>
+        <a:lstStyle/>
+        <a:p>
+          <a:endParaRPr lang="en-US"/>
+        </a:p>
+      </dgm:t>
+    </dgm:pt>
+    <dgm:pt modelId="{4C4CCC1D-D1B2-4552-B1E5-B9ACFA74DF67}" type="pres">
+      <dgm:prSet presAssocID="{754505F6-B7A2-496A-B5D3-C0AA6C775D4A}" presName="cycle" presStyleCnt="0"/>
+      <dgm:spPr/>
+    </dgm:pt>
+    <dgm:pt modelId="{7E66F6DE-B805-40A3-A25B-26B230FC592E}" type="pres">
+      <dgm:prSet presAssocID="{1E51476E-796B-4B7D-A50F-17FF0E1743F5}" presName="nodeFirstNode" presStyleLbl="node1" presStyleIdx="0" presStyleCnt="3">
+        <dgm:presLayoutVars>
+          <dgm:bulletEnabled val="1"/>
+        </dgm:presLayoutVars>
+      </dgm:prSet>
+      <dgm:spPr/>
+      <dgm:t>
+        <a:bodyPr/>
+        <a:lstStyle/>
+        <a:p>
+          <a:endParaRPr lang="en-US"/>
+        </a:p>
+      </dgm:t>
+    </dgm:pt>
+    <dgm:pt modelId="{51A2AF8A-E670-4B50-AB4C-B59F504F9FC9}" type="pres">
+      <dgm:prSet presAssocID="{81E80527-00A3-47ED-A5C1-E7DACA664744}" presName="sibTransFirstNode" presStyleLbl="bgShp" presStyleIdx="0" presStyleCnt="1"/>
+      <dgm:spPr/>
+      <dgm:t>
+        <a:bodyPr/>
+        <a:lstStyle/>
+        <a:p>
+          <a:endParaRPr lang="en-US"/>
+        </a:p>
+      </dgm:t>
+    </dgm:pt>
+    <dgm:pt modelId="{FDBC6269-C8BE-4A25-8558-BB5A49305530}" type="pres">
+      <dgm:prSet presAssocID="{C70F26BC-96E8-452A-9517-949BFA65F569}" presName="nodeFollowingNodes" presStyleLbl="node1" presStyleIdx="1" presStyleCnt="3">
+        <dgm:presLayoutVars>
+          <dgm:bulletEnabled val="1"/>
+        </dgm:presLayoutVars>
+      </dgm:prSet>
+      <dgm:spPr/>
+      <dgm:t>
+        <a:bodyPr/>
+        <a:lstStyle/>
+        <a:p>
+          <a:endParaRPr lang="en-US"/>
+        </a:p>
+      </dgm:t>
+    </dgm:pt>
+    <dgm:pt modelId="{2034A4C6-6587-47A1-96D7-FA5CB1849A20}" type="pres">
+      <dgm:prSet presAssocID="{878199D8-5FC1-45CA-983A-7B4D936941A6}" presName="nodeFollowingNodes" presStyleLbl="node1" presStyleIdx="2" presStyleCnt="3">
+        <dgm:presLayoutVars>
+          <dgm:bulletEnabled val="1"/>
+        </dgm:presLayoutVars>
+      </dgm:prSet>
+      <dgm:spPr/>
+      <dgm:t>
+        <a:bodyPr/>
+        <a:lstStyle/>
+        <a:p>
+          <a:endParaRPr lang="en-US"/>
+        </a:p>
+      </dgm:t>
+    </dgm:pt>
+  </dgm:ptLst>
+  <dgm:cxnLst>
+    <dgm:cxn modelId="{A713E55A-6B6F-4C61-9A2B-AD76A75490ED}" type="presOf" srcId="{81E80527-00A3-47ED-A5C1-E7DACA664744}" destId="{51A2AF8A-E670-4B50-AB4C-B59F504F9FC9}" srcOrd="0" destOrd="0" presId="urn:microsoft.com/office/officeart/2005/8/layout/cycle3"/>
+    <dgm:cxn modelId="{2E4339DA-573F-4E32-96AB-CB4CF8699178}" srcId="{754505F6-B7A2-496A-B5D3-C0AA6C775D4A}" destId="{C70F26BC-96E8-452A-9517-949BFA65F569}" srcOrd="1" destOrd="0" parTransId="{FFB476C6-7612-4BA4-90BB-61C03C43355F}" sibTransId="{C2A0F025-4661-454B-8A2E-D8735A96DADA}"/>
+    <dgm:cxn modelId="{FB8F28C4-8C9A-491D-ADF5-07172DD530FA}" srcId="{754505F6-B7A2-496A-B5D3-C0AA6C775D4A}" destId="{1E51476E-796B-4B7D-A50F-17FF0E1743F5}" srcOrd="0" destOrd="0" parTransId="{9E8E35E0-3B76-425A-8AB7-FDB7B1B651AE}" sibTransId="{81E80527-00A3-47ED-A5C1-E7DACA664744}"/>
+    <dgm:cxn modelId="{3A97BC67-01FE-412A-86E7-9FE6374DD825}" srcId="{754505F6-B7A2-496A-B5D3-C0AA6C775D4A}" destId="{878199D8-5FC1-45CA-983A-7B4D936941A6}" srcOrd="2" destOrd="0" parTransId="{A54B5FAF-6583-4760-92CB-C91E5BFC30A4}" sibTransId="{D83EAAA7-D97C-41DF-9A2E-0F87DB1D970F}"/>
+    <dgm:cxn modelId="{662D80B7-4DE1-46B9-9476-EA8A9151F798}" type="presOf" srcId="{878199D8-5FC1-45CA-983A-7B4D936941A6}" destId="{2034A4C6-6587-47A1-96D7-FA5CB1849A20}" srcOrd="0" destOrd="0" presId="urn:microsoft.com/office/officeart/2005/8/layout/cycle3"/>
+    <dgm:cxn modelId="{F6164ADC-30E8-4C4B-94FB-7B16682B0385}" type="presOf" srcId="{1E51476E-796B-4B7D-A50F-17FF0E1743F5}" destId="{7E66F6DE-B805-40A3-A25B-26B230FC592E}" srcOrd="0" destOrd="0" presId="urn:microsoft.com/office/officeart/2005/8/layout/cycle3"/>
+    <dgm:cxn modelId="{707E7A57-A9FA-4CAA-8578-3604F9B284AC}" type="presOf" srcId="{754505F6-B7A2-496A-B5D3-C0AA6C775D4A}" destId="{7C7EBBB2-A9CE-4C9F-A123-4320546671B4}" srcOrd="0" destOrd="0" presId="urn:microsoft.com/office/officeart/2005/8/layout/cycle3"/>
+    <dgm:cxn modelId="{34F54879-2961-4CE7-B246-13779C8A5865}" type="presOf" srcId="{C70F26BC-96E8-452A-9517-949BFA65F569}" destId="{FDBC6269-C8BE-4A25-8558-BB5A49305530}" srcOrd="0" destOrd="0" presId="urn:microsoft.com/office/officeart/2005/8/layout/cycle3"/>
+    <dgm:cxn modelId="{76BCA54D-1A5E-4E5A-B92C-885BF9B860DC}" type="presParOf" srcId="{7C7EBBB2-A9CE-4C9F-A123-4320546671B4}" destId="{4C4CCC1D-D1B2-4552-B1E5-B9ACFA74DF67}" srcOrd="0" destOrd="0" presId="urn:microsoft.com/office/officeart/2005/8/layout/cycle3"/>
+    <dgm:cxn modelId="{B2E68305-D945-4E9C-AA77-AE151D3A852E}" type="presParOf" srcId="{4C4CCC1D-D1B2-4552-B1E5-B9ACFA74DF67}" destId="{7E66F6DE-B805-40A3-A25B-26B230FC592E}" srcOrd="0" destOrd="0" presId="urn:microsoft.com/office/officeart/2005/8/layout/cycle3"/>
+    <dgm:cxn modelId="{1C7554F6-78D9-4AC7-9AC8-F5C8C1A58C0E}" type="presParOf" srcId="{4C4CCC1D-D1B2-4552-B1E5-B9ACFA74DF67}" destId="{51A2AF8A-E670-4B50-AB4C-B59F504F9FC9}" srcOrd="1" destOrd="0" presId="urn:microsoft.com/office/officeart/2005/8/layout/cycle3"/>
+    <dgm:cxn modelId="{C059FE3C-1CC8-4A0F-BF89-ADF65146E6E5}" type="presParOf" srcId="{4C4CCC1D-D1B2-4552-B1E5-B9ACFA74DF67}" destId="{FDBC6269-C8BE-4A25-8558-BB5A49305530}" srcOrd="2" destOrd="0" presId="urn:microsoft.com/office/officeart/2005/8/layout/cycle3"/>
+    <dgm:cxn modelId="{221FE807-AE95-47DF-A8CA-7A411FC1E19E}" type="presParOf" srcId="{4C4CCC1D-D1B2-4552-B1E5-B9ACFA74DF67}" destId="{2034A4C6-6587-47A1-96D7-FA5CB1849A20}" srcOrd="3" destOrd="0" presId="urn:microsoft.com/office/officeart/2005/8/layout/cycle3"/>
+  </dgm:cxnLst>
+  <dgm:bg/>
+  <dgm:whole/>
+  <dgm:extLst>
+    <a:ext uri="http://schemas.microsoft.com/office/drawing/2008/diagram">
+      <dsp:dataModelExt xmlns:dsp="http://schemas.microsoft.com/office/drawing/2008/diagram" relId="rId6" minVer="http://schemas.openxmlformats.org/drawingml/2006/diagram"/>
+    </a:ext>
+  </dgm:extLst>
+</dgm:dataModel>
+</file>
+
+<file path=ppt/diagrams/drawing1.xml><?xml version="1.0" encoding="utf-8"?>
+<dsp:drawing xmlns:dgm="http://schemas.openxmlformats.org/drawingml/2006/diagram" xmlns:dsp="http://schemas.microsoft.com/office/drawing/2008/diagram" xmlns:a="http://schemas.openxmlformats.org/drawingml/2006/main">
+  <dsp:spTree>
+    <dsp:nvGrpSpPr>
+      <dsp:cNvPr id="0" name=""/>
+      <dsp:cNvGrpSpPr/>
+    </dsp:nvGrpSpPr>
+    <dsp:grpSpPr/>
+    <dsp:sp modelId="{51A2AF8A-E670-4B50-AB4C-B59F504F9FC9}">
+      <dsp:nvSpPr>
+        <dsp:cNvPr id="0" name=""/>
+        <dsp:cNvSpPr/>
+      </dsp:nvSpPr>
+      <dsp:spPr>
+        <a:xfrm>
+          <a:off x="1854351" y="-190005"/>
+          <a:ext cx="3364660" cy="3364660"/>
+        </a:xfrm>
+        <a:prstGeom prst="circularArrow">
+          <a:avLst>
+            <a:gd name="adj1" fmla="val 5689"/>
+            <a:gd name="adj2" fmla="val 340510"/>
+            <a:gd name="adj3" fmla="val 12417534"/>
+            <a:gd name="adj4" fmla="val 18272785"/>
+            <a:gd name="adj5" fmla="val 5908"/>
+          </a:avLst>
+        </a:prstGeom>
+        <a:solidFill>
+          <a:schemeClr val="accent4">
+            <a:tint val="40000"/>
+            <a:hueOff val="0"/>
+            <a:satOff val="0"/>
+            <a:lumOff val="0"/>
+            <a:alphaOff val="0"/>
+          </a:schemeClr>
+        </a:solidFill>
+        <a:ln>
+          <a:noFill/>
+        </a:ln>
+        <a:effectLst>
+          <a:outerShdw blurRad="38100" dist="25400" dir="5400000" rotWithShape="0">
+            <a:srgbClr val="000000">
+              <a:alpha val="45000"/>
+            </a:srgbClr>
+          </a:outerShdw>
+        </a:effectLst>
+      </dsp:spPr>
+      <dsp:style>
+        <a:lnRef idx="0">
+          <a:scrgbClr r="0" g="0" b="0"/>
+        </a:lnRef>
+        <a:fillRef idx="1">
+          <a:scrgbClr r="0" g="0" b="0"/>
+        </a:fillRef>
+        <a:effectRef idx="2">
+          <a:scrgbClr r="0" g="0" b="0"/>
+        </a:effectRef>
+        <a:fontRef idx="minor"/>
+      </dsp:style>
+    </dsp:sp>
+    <dsp:sp modelId="{7E66F6DE-B805-40A3-A25B-26B230FC592E}">
+      <dsp:nvSpPr>
+        <dsp:cNvPr id="0" name=""/>
+        <dsp:cNvSpPr/>
+      </dsp:nvSpPr>
+      <dsp:spPr>
+        <a:xfrm>
+          <a:off x="2352031" y="867"/>
+          <a:ext cx="2369300" cy="1184650"/>
+        </a:xfrm>
+        <a:prstGeom prst="roundRect">
+          <a:avLst/>
+        </a:prstGeom>
+        <a:gradFill rotWithShape="0">
+          <a:gsLst>
+            <a:gs pos="0">
+              <a:schemeClr val="accent4">
+                <a:hueOff val="0"/>
+                <a:satOff val="0"/>
+                <a:lumOff val="0"/>
+                <a:alphaOff val="0"/>
+                <a:tint val="98000"/>
+                <a:lumMod val="114000"/>
+              </a:schemeClr>
+            </a:gs>
+            <a:gs pos="100000">
+              <a:schemeClr val="accent4">
+                <a:hueOff val="0"/>
+                <a:satOff val="0"/>
+                <a:lumOff val="0"/>
+                <a:alphaOff val="0"/>
+                <a:shade val="90000"/>
+                <a:lumMod val="84000"/>
+              </a:schemeClr>
+            </a:gs>
+          </a:gsLst>
+          <a:lin ang="5400000" scaled="0"/>
+        </a:gradFill>
+        <a:ln>
+          <a:noFill/>
+        </a:ln>
+        <a:effectLst>
+          <a:outerShdw blurRad="63500" dist="38100" dir="5400000" rotWithShape="0">
+            <a:srgbClr val="000000">
+              <a:alpha val="60000"/>
+            </a:srgbClr>
+          </a:outerShdw>
+        </a:effectLst>
+        <a:scene3d>
+          <a:camera prst="orthographicFront">
+            <a:rot lat="0" lon="0" rev="0"/>
+          </a:camera>
+          <a:lightRig rig="threePt" dir="tl"/>
+        </a:scene3d>
+        <a:sp3d prstMaterial="plastic">
+          <a:bevelT w="0" h="0"/>
+        </a:sp3d>
+      </dsp:spPr>
+      <dsp:style>
+        <a:lnRef idx="0">
+          <a:scrgbClr r="0" g="0" b="0"/>
+        </a:lnRef>
+        <a:fillRef idx="3">
+          <a:scrgbClr r="0" g="0" b="0"/>
+        </a:fillRef>
+        <a:effectRef idx="3">
+          <a:scrgbClr r="0" g="0" b="0"/>
+        </a:effectRef>
+        <a:fontRef idx="minor">
+          <a:schemeClr val="lt1"/>
+        </a:fontRef>
+      </dsp:style>
+      <dsp:txBody>
+        <a:bodyPr spcFirstLastPara="0" vert="horz" wrap="square" lIns="125730" tIns="125730" rIns="125730" bIns="125730" numCol="1" spcCol="1270" anchor="ctr" anchorCtr="0">
+          <a:noAutofit/>
+        </a:bodyPr>
+        <a:lstStyle/>
+        <a:p>
+          <a:pPr lvl="0" algn="ctr" defTabSz="1466850">
+            <a:lnSpc>
+              <a:spcPct val="90000"/>
+            </a:lnSpc>
+            <a:spcBef>
+              <a:spcPct val="0"/>
+            </a:spcBef>
+            <a:spcAft>
+              <a:spcPct val="35000"/>
+            </a:spcAft>
+          </a:pPr>
+          <a:r>
+            <a:rPr lang="en-US" sz="3300" kern="1200" dirty="0" smtClean="0"/>
+            <a:t>Controller</a:t>
+          </a:r>
+          <a:endParaRPr lang="en-US" sz="3300" kern="1200" dirty="0"/>
+        </a:p>
+      </dsp:txBody>
+      <dsp:txXfrm>
+        <a:off x="2409861" y="58697"/>
+        <a:ext cx="2253640" cy="1068990"/>
+      </dsp:txXfrm>
+    </dsp:sp>
+    <dsp:sp modelId="{FDBC6269-C8BE-4A25-8558-BB5A49305530}">
+      <dsp:nvSpPr>
+        <dsp:cNvPr id="0" name=""/>
+        <dsp:cNvSpPr/>
+      </dsp:nvSpPr>
+      <dsp:spPr>
+        <a:xfrm>
+          <a:off x="3627252" y="2209615"/>
+          <a:ext cx="2369300" cy="1184650"/>
+        </a:xfrm>
+        <a:prstGeom prst="roundRect">
+          <a:avLst/>
+        </a:prstGeom>
+        <a:gradFill rotWithShape="0">
+          <a:gsLst>
+            <a:gs pos="0">
+              <a:schemeClr val="accent4">
+                <a:hueOff val="6914279"/>
+                <a:satOff val="1970"/>
+                <a:lumOff val="5686"/>
+                <a:alphaOff val="0"/>
+                <a:tint val="98000"/>
+                <a:lumMod val="114000"/>
+              </a:schemeClr>
+            </a:gs>
+            <a:gs pos="100000">
+              <a:schemeClr val="accent4">
+                <a:hueOff val="6914279"/>
+                <a:satOff val="1970"/>
+                <a:lumOff val="5686"/>
+                <a:alphaOff val="0"/>
+                <a:shade val="90000"/>
+                <a:lumMod val="84000"/>
+              </a:schemeClr>
+            </a:gs>
+          </a:gsLst>
+          <a:lin ang="5400000" scaled="0"/>
+        </a:gradFill>
+        <a:ln>
+          <a:noFill/>
+        </a:ln>
+        <a:effectLst>
+          <a:outerShdw blurRad="63500" dist="38100" dir="5400000" rotWithShape="0">
+            <a:srgbClr val="000000">
+              <a:alpha val="60000"/>
+            </a:srgbClr>
+          </a:outerShdw>
+        </a:effectLst>
+        <a:scene3d>
+          <a:camera prst="orthographicFront">
+            <a:rot lat="0" lon="0" rev="0"/>
+          </a:camera>
+          <a:lightRig rig="threePt" dir="tl"/>
+        </a:scene3d>
+        <a:sp3d prstMaterial="plastic">
+          <a:bevelT w="0" h="0"/>
+        </a:sp3d>
+      </dsp:spPr>
+      <dsp:style>
+        <a:lnRef idx="0">
+          <a:scrgbClr r="0" g="0" b="0"/>
+        </a:lnRef>
+        <a:fillRef idx="3">
+          <a:scrgbClr r="0" g="0" b="0"/>
+        </a:fillRef>
+        <a:effectRef idx="3">
+          <a:scrgbClr r="0" g="0" b="0"/>
+        </a:effectRef>
+        <a:fontRef idx="minor">
+          <a:schemeClr val="lt1"/>
+        </a:fontRef>
+      </dsp:style>
+      <dsp:txBody>
+        <a:bodyPr spcFirstLastPara="0" vert="horz" wrap="square" lIns="125730" tIns="125730" rIns="125730" bIns="125730" numCol="1" spcCol="1270" anchor="ctr" anchorCtr="0">
+          <a:noAutofit/>
+        </a:bodyPr>
+        <a:lstStyle/>
+        <a:p>
+          <a:pPr lvl="0" algn="ctr" defTabSz="1466850">
+            <a:lnSpc>
+              <a:spcPct val="90000"/>
+            </a:lnSpc>
+            <a:spcBef>
+              <a:spcPct val="0"/>
+            </a:spcBef>
+            <a:spcAft>
+              <a:spcPct val="35000"/>
+            </a:spcAft>
+          </a:pPr>
+          <a:r>
+            <a:rPr lang="en-US" sz="3300" kern="1200" dirty="0" smtClean="0"/>
+            <a:t>Model</a:t>
+          </a:r>
+          <a:endParaRPr lang="en-US" sz="3300" kern="1200" dirty="0"/>
+        </a:p>
+      </dsp:txBody>
+      <dsp:txXfrm>
+        <a:off x="3685082" y="2267445"/>
+        <a:ext cx="2253640" cy="1068990"/>
+      </dsp:txXfrm>
+    </dsp:sp>
+    <dsp:sp modelId="{2034A4C6-6587-47A1-96D7-FA5CB1849A20}">
+      <dsp:nvSpPr>
+        <dsp:cNvPr id="0" name=""/>
+        <dsp:cNvSpPr/>
+      </dsp:nvSpPr>
+      <dsp:spPr>
+        <a:xfrm>
+          <a:off x="1076809" y="2209615"/>
+          <a:ext cx="2369300" cy="1184650"/>
+        </a:xfrm>
+        <a:prstGeom prst="roundRect">
+          <a:avLst/>
+        </a:prstGeom>
+        <a:gradFill rotWithShape="0">
+          <a:gsLst>
+            <a:gs pos="0">
+              <a:schemeClr val="accent4">
+                <a:hueOff val="13828557"/>
+                <a:satOff val="3941"/>
+                <a:lumOff val="11372"/>
+                <a:alphaOff val="0"/>
+                <a:tint val="98000"/>
+                <a:lumMod val="114000"/>
+              </a:schemeClr>
+            </a:gs>
+            <a:gs pos="100000">
+              <a:schemeClr val="accent4">
+                <a:hueOff val="13828557"/>
+                <a:satOff val="3941"/>
+                <a:lumOff val="11372"/>
+                <a:alphaOff val="0"/>
+                <a:shade val="90000"/>
+                <a:lumMod val="84000"/>
+              </a:schemeClr>
+            </a:gs>
+          </a:gsLst>
+          <a:lin ang="5400000" scaled="0"/>
+        </a:gradFill>
+        <a:ln>
+          <a:noFill/>
+        </a:ln>
+        <a:effectLst>
+          <a:outerShdw blurRad="63500" dist="38100" dir="5400000" rotWithShape="0">
+            <a:srgbClr val="000000">
+              <a:alpha val="60000"/>
+            </a:srgbClr>
+          </a:outerShdw>
+        </a:effectLst>
+        <a:scene3d>
+          <a:camera prst="orthographicFront">
+            <a:rot lat="0" lon="0" rev="0"/>
+          </a:camera>
+          <a:lightRig rig="threePt" dir="tl"/>
+        </a:scene3d>
+        <a:sp3d prstMaterial="plastic">
+          <a:bevelT w="0" h="0"/>
+        </a:sp3d>
+      </dsp:spPr>
+      <dsp:style>
+        <a:lnRef idx="0">
+          <a:scrgbClr r="0" g="0" b="0"/>
+        </a:lnRef>
+        <a:fillRef idx="3">
+          <a:scrgbClr r="0" g="0" b="0"/>
+        </a:fillRef>
+        <a:effectRef idx="3">
+          <a:scrgbClr r="0" g="0" b="0"/>
+        </a:effectRef>
+        <a:fontRef idx="minor">
+          <a:schemeClr val="lt1"/>
+        </a:fontRef>
+      </dsp:style>
+      <dsp:txBody>
+        <a:bodyPr spcFirstLastPara="0" vert="horz" wrap="square" lIns="125730" tIns="125730" rIns="125730" bIns="125730" numCol="1" spcCol="1270" anchor="ctr" anchorCtr="0">
+          <a:noAutofit/>
+        </a:bodyPr>
+        <a:lstStyle/>
+        <a:p>
+          <a:pPr lvl="0" algn="ctr" defTabSz="1466850">
+            <a:lnSpc>
+              <a:spcPct val="90000"/>
+            </a:lnSpc>
+            <a:spcBef>
+              <a:spcPct val="0"/>
+            </a:spcBef>
+            <a:spcAft>
+              <a:spcPct val="35000"/>
+            </a:spcAft>
+          </a:pPr>
+          <a:r>
+            <a:rPr lang="en-US" sz="3300" kern="1200" dirty="0" smtClean="0"/>
+            <a:t>View</a:t>
+          </a:r>
+          <a:endParaRPr lang="en-US" sz="3300" kern="1200" dirty="0"/>
+        </a:p>
+      </dsp:txBody>
+      <dsp:txXfrm>
+        <a:off x="1134639" y="2267445"/>
+        <a:ext cx="2253640" cy="1068990"/>
+      </dsp:txXfrm>
+    </dsp:sp>
+  </dsp:spTree>
+</dsp:drawing>
+</file>
+
+<file path=ppt/diagrams/layout1.xml><?xml version="1.0" encoding="utf-8"?>
+<dgm:layoutDef xmlns:dgm="http://schemas.openxmlformats.org/drawingml/2006/diagram" xmlns:a="http://schemas.openxmlformats.org/drawingml/2006/main" uniqueId="urn:microsoft.com/office/officeart/2005/8/layout/cycle3">
+  <dgm:title val=""/>
+  <dgm:desc val=""/>
+  <dgm:catLst>
+    <dgm:cat type="cycle" pri="5000"/>
+  </dgm:catLst>
+  <dgm:sampData>
+    <dgm:dataModel>
+      <dgm:ptLst>
+        <dgm:pt modelId="0" type="doc"/>
+        <dgm:pt modelId="1">
+          <dgm:prSet phldr="1"/>
+        </dgm:pt>
+        <dgm:pt modelId="2">
+          <dgm:prSet phldr="1"/>
+        </dgm:pt>
+        <dgm:pt modelId="3">
+          <dgm:prSet phldr="1"/>
+        </dgm:pt>
+        <dgm:pt modelId="4">
+          <dgm:prSet phldr="1"/>
+        </dgm:pt>
+        <dgm:pt modelId="5">
+          <dgm:prSet phldr="1"/>
+        </dgm:pt>
+      </dgm:ptLst>
+      <dgm:cxnLst>
+        <dgm:cxn modelId="6" srcId="0" destId="1" srcOrd="0" destOrd="0"/>
+        <dgm:cxn modelId="7" srcId="0" destId="2" srcOrd="1" destOrd="0"/>
+        <dgm:cxn modelId="8" srcId="0" destId="3" srcOrd="2" destOrd="0"/>
+        <dgm:cxn modelId="9" srcId="0" destId="4" srcOrd="3" destOrd="0"/>
+        <dgm:cxn modelId="10" srcId="0" destId="5" srcOrd="4" destOrd="0"/>
+      </dgm:cxnLst>
+      <dgm:bg/>
+      <dgm:whole/>
+    </dgm:dataModel>
+  </dgm:sampData>
+  <dgm:styleData>
+    <dgm:dataModel>
+      <dgm:ptLst>
+        <dgm:pt modelId="0" type="doc"/>
+        <dgm:pt modelId="1"/>
+        <dgm:pt modelId="2"/>
+        <dgm:pt modelId="3"/>
+      </dgm:ptLst>
+      <dgm:cxnLst>
+        <dgm:cxn modelId="4" srcId="0" destId="1" srcOrd="0" destOrd="0"/>
+        <dgm:cxn modelId="5" srcId="0" destId="2" srcOrd="1" destOrd="0"/>
+        <dgm:cxn modelId="6" srcId="0" destId="3" srcOrd="2" destOrd="0"/>
+      </dgm:cxnLst>
+      <dgm:bg/>
+      <dgm:whole/>
+    </dgm:dataModel>
+  </dgm:styleData>
+  <dgm:clrData>
+    <dgm:dataModel>
+      <dgm:ptLst>
+        <dgm:pt modelId="0" type="doc"/>
+        <dgm:pt modelId="1"/>
+        <dgm:pt modelId="2"/>
+        <dgm:pt modelId="3"/>
+        <dgm:pt modelId="4"/>
+        <dgm:pt modelId="5"/>
+        <dgm:pt modelId="6"/>
+      </dgm:ptLst>
+      <dgm:cxnLst>
+        <dgm:cxn modelId="7" srcId="0" destId="1" srcOrd="0" destOrd="0"/>
+        <dgm:cxn modelId="8" srcId="0" destId="2" srcOrd="1" destOrd="0"/>
+        <dgm:cxn modelId="9" srcId="0" destId="3" srcOrd="2" destOrd="0"/>
+        <dgm:cxn modelId="10" srcId="0" destId="4" srcOrd="3" destOrd="0"/>
+        <dgm:cxn modelId="11" srcId="0" destId="5" srcOrd="4" destOrd="0"/>
+        <dgm:cxn modelId="12" srcId="0" destId="6" srcOrd="5" destOrd="0"/>
+      </dgm:cxnLst>
+      <dgm:bg/>
+      <dgm:whole/>
+    </dgm:dataModel>
+  </dgm:clrData>
+  <dgm:layoutNode name="Name0">
+    <dgm:varLst>
+      <dgm:dir/>
+      <dgm:resizeHandles val="exact"/>
+    </dgm:varLst>
+    <dgm:choose name="Name1">
+      <dgm:if name="Name2" axis="ch" ptType="node" func="cnt" op="equ" val="2">
+        <dgm:alg type="composite">
+          <dgm:param type="ar" val="0.9"/>
+        </dgm:alg>
+        <dgm:shape xmlns:r="http://schemas.openxmlformats.org/officeDocument/2006/relationships" r:blip="">
+          <dgm:adjLst/>
+        </dgm:shape>
+        <dgm:presOf/>
+        <dgm:constrLst>
+          <dgm:constr type="primFontSz" for="ch" ptType="node" op="equ" val="65"/>
+          <dgm:constr type="ctrX" for="ch" forName="node1" refType="w" fact="0.5"/>
+          <dgm:constr type="t" for="ch" forName="node1"/>
+          <dgm:constr type="w" for="ch" forName="node1" refType="w" fact="0.8"/>
+          <dgm:constr type="h" for="ch" forName="node1" refType="w" refFor="ch" refForName="node1" fact="0.5"/>
+          <dgm:constr type="ctrX" for="ch" forName="sibTrans" refType="w" fact="0.5"/>
+          <dgm:constr type="t" for="ch" forName="sibTrans"/>
+          <dgm:constr type="w" for="ch" forName="sibTrans" refType="w" fact="0.8"/>
+          <dgm:constr type="h" for="ch" forName="sibTrans" refType="w" refFor="ch" refForName="node1" fact="0.5"/>
+          <dgm:constr type="userA" for="ch" forName="sibTrans" refType="w" fact="1.07"/>
+          <dgm:constr type="ctrX" for="ch" forName="node2" refType="w" fact="0.5"/>
+          <dgm:constr type="b" for="ch" forName="node2" refType="h"/>
+          <dgm:constr type="w" for="ch" forName="node2" refType="w" fact="0.8"/>
+          <dgm:constr type="h" for="ch" forName="node2" refType="w" refFor="ch" refForName="node1" fact="0.5"/>
+          <dgm:constr type="l" for="ch" forName="sp1"/>
+          <dgm:constr type="t" for="ch" forName="sp1" refType="h" fact="0.5"/>
+          <dgm:constr type="w" for="ch" forName="sp1" val="1"/>
+          <dgm:constr type="h" for="ch" forName="sp1" val="1"/>
+          <dgm:constr type="r" for="ch" forName="sp2" refType="w"/>
+          <dgm:constr type="t" for="ch" forName="sp2" refType="h" fact="0.5"/>
+          <dgm:constr type="w" for="ch" forName="sp2" val="1"/>
+          <dgm:constr type="h" for="ch" forName="sp2" val="1"/>
+        </dgm:constrLst>
+        <dgm:ruleLst/>
+      </dgm:if>
+      <dgm:else name="Name3">
+        <dgm:alg type="composite"/>
+        <dgm:shape xmlns:r="http://schemas.openxmlformats.org/officeDocument/2006/relationships" r:blip="">
+          <dgm:adjLst/>
+        </dgm:shape>
+        <dgm:presOf/>
+        <dgm:constrLst>
+          <dgm:constr type="primFontSz" for="ch" ptType="node" op="equ" val="65"/>
+        </dgm:constrLst>
+        <dgm:ruleLst/>
+      </dgm:else>
+    </dgm:choose>
+    <dgm:choose name="Name4">
+      <dgm:if name="Name5" axis="ch" ptType="node" func="cnt" op="equ" val="2">
+        <dgm:layoutNode name="node1">
+          <dgm:varLst>
+            <dgm:bulletEnabled val="1"/>
+          </dgm:varLst>
+          <dgm:alg type="tx"/>
+          <dgm:shape xmlns:r="http://schemas.openxmlformats.org/officeDocument/2006/relationships" type="roundRect" r:blip="">
+            <dgm:adjLst/>
+          </dgm:shape>
+          <dgm:presOf axis="ch desOrSelf" ptType="node node" st="1 1" cnt="1 0"/>
+          <dgm:constrLst>
+            <dgm:constr type="tMarg" refType="primFontSz" fact="0.3"/>
+            <dgm:constr type="bMarg" refType="primFontSz" fact="0.3"/>
+            <dgm:constr type="lMarg" refType="primFontSz" fact="0.3"/>
+            <dgm:constr type="rMarg" refType="primFontSz" fact="0.3"/>
+          </dgm:constrLst>
+          <dgm:ruleLst>
+            <dgm:rule type="primFontSz" val="5" fact="NaN" max="NaN"/>
+          </dgm:ruleLst>
+        </dgm:layoutNode>
+        <dgm:layoutNode name="sibTrans" styleLbl="bgShp">
+          <dgm:choose name="Name6">
+            <dgm:if name="Name7" func="var" arg="dir" op="equ" val="norm">
+              <dgm:alg type="conn">
+                <dgm:param type="connRout" val="longCurve"/>
+                <dgm:param type="begPts" val="midR"/>
+                <dgm:param type="endPts" val="midL"/>
+                <dgm:param type="dstNode" val="node1"/>
+              </dgm:alg>
+              <dgm:shape xmlns:r="http://schemas.openxmlformats.org/officeDocument/2006/relationships" type="conn" r:blip="" zOrderOff="-2">
+                <dgm:adjLst/>
+              </dgm:shape>
+              <dgm:presOf axis="ch" ptType="sibTrans"/>
+              <dgm:constrLst>
+                <dgm:constr type="userA"/>
+                <dgm:constr type="diam" refType="userA" fact="-1"/>
+                <dgm:constr type="wArH" refType="userA" fact="0.05"/>
+                <dgm:constr type="hArH" refType="userA" fact="0.1"/>
+                <dgm:constr type="stemThick" refType="userA" fact="0.06"/>
+                <dgm:constr type="begPad" refType="connDist" fact="-0.2"/>
+                <dgm:constr type="endPad" refType="connDist" fact="0.05"/>
+              </dgm:constrLst>
+            </dgm:if>
+            <dgm:else name="Name8">
+              <dgm:alg type="conn">
+                <dgm:param type="connRout" val="longCurve"/>
+                <dgm:param type="begPts" val="midL"/>
+                <dgm:param type="endPts" val="midR"/>
+                <dgm:param type="dstNode" val="node1"/>
+              </dgm:alg>
+              <dgm:shape xmlns:r="http://schemas.openxmlformats.org/officeDocument/2006/relationships" type="conn" r:blip="" zOrderOff="-2">
+                <dgm:adjLst/>
+              </dgm:shape>
+              <dgm:presOf axis="ch" ptType="sibTrans"/>
+              <dgm:constrLst>
+                <dgm:constr type="userA"/>
+                <dgm:constr type="diam" refType="userA"/>
+                <dgm:constr type="wArH" refType="userA" fact="0.05"/>
+                <dgm:constr type="hArH" refType="userA" fact="0.1"/>
+                <dgm:constr type="stemThick" refType="userA" fact="0.06"/>
+                <dgm:constr type="begPad" refType="connDist" fact="-0.2"/>
+                <dgm:constr type="endPad" refType="connDist" fact="0.05"/>
+              </dgm:constrLst>
+            </dgm:else>
+          </dgm:choose>
+          <dgm:ruleLst/>
+        </dgm:layoutNode>
+        <dgm:layoutNode name="node2">
+          <dgm:varLst>
+            <dgm:bulletEnabled val="1"/>
+          </dgm:varLst>
+          <dgm:alg type="tx"/>
+          <dgm:shape xmlns:r="http://schemas.openxmlformats.org/officeDocument/2006/relationships" type="roundRect" r:blip="">
+            <dgm:adjLst/>
+          </dgm:shape>
+          <dgm:presOf axis="ch desOrSelf" ptType="node node" st="2 1" cnt="1 0"/>
+          <dgm:constrLst>
+            <dgm:constr type="tMarg" refType="primFontSz" fact="0.3"/>
+            <dgm:constr type="bMarg" refType="primFontSz" fact="0.3"/>
+            <dgm:constr type="lMarg" refType="primFontSz" fact="0.3"/>
+            <dgm:constr type="rMarg" refType="primFontSz" fact="0.3"/>
+          </dgm:constrLst>
+          <dgm:ruleLst>
+            <dgm:rule type="primFontSz" val="5" fact="NaN" max="NaN"/>
+          </dgm:ruleLst>
+        </dgm:layoutNode>
+        <dgm:layoutNode name="sp1">
+          <dgm:alg type="sp"/>
+          <dgm:shape xmlns:r="http://schemas.openxmlformats.org/officeDocument/2006/relationships" r:blip="">
+            <dgm:adjLst/>
+          </dgm:shape>
+          <dgm:presOf/>
+          <dgm:constrLst/>
+          <dgm:ruleLst/>
+        </dgm:layoutNode>
+        <dgm:layoutNode name="sp2">
+          <dgm:alg type="sp"/>
+          <dgm:shape xmlns:r="http://schemas.openxmlformats.org/officeDocument/2006/relationships" r:blip="">
+            <dgm:adjLst/>
+          </dgm:shape>
+          <dgm:presOf/>
+          <dgm:constrLst/>
+          <dgm:ruleLst/>
+        </dgm:layoutNode>
+      </dgm:if>
+      <dgm:else name="Name9">
+        <dgm:layoutNode name="cycle">
+          <dgm:choose name="Name10">
+            <dgm:if name="Name11" func="var" arg="dir" op="equ" val="norm">
+              <dgm:alg type="cycle">
+                <dgm:param type="stAng" val="0"/>
+                <dgm:param type="spanAng" val="360"/>
+              </dgm:alg>
+              <dgm:shape xmlns:r="http://schemas.openxmlformats.org/officeDocument/2006/relationships" r:blip="">
+                <dgm:adjLst/>
+              </dgm:shape>
+              <dgm:presOf/>
+              <dgm:constrLst>
+                <dgm:constr type="diam" refType="w"/>
+                <dgm:constr type="w" for="ch" ptType="node" refType="w"/>
+                <dgm:constr type="sibSp" val="15"/>
+                <dgm:constr type="userA" for="ch" ptType="sibTrans" refType="diam" op="equ" fact="-1"/>
+                <dgm:constr type="wArH" for="ch" ptType="sibTrans" refType="diam" op="equ" fact="0.05"/>
+                <dgm:constr type="hArH" for="ch" ptType="sibTrans" refType="diam" op="equ" fact="0.1"/>
+                <dgm:constr type="stemThick" for="ch" ptType="sibTrans" refType="diam" op="equ" fact="0.065"/>
+                <dgm:constr type="primFontSz" for="ch" ptType="node" op="equ"/>
+              </dgm:constrLst>
+            </dgm:if>
+            <dgm:else name="Name12">
+              <dgm:alg type="cycle">
+                <dgm:param type="stAng" val="0"/>
+                <dgm:param type="spanAng" val="-360"/>
+              </dgm:alg>
+              <dgm:shape xmlns:r="http://schemas.openxmlformats.org/officeDocument/2006/relationships" r:blip="">
+                <dgm:adjLst/>
+              </dgm:shape>
+              <dgm:presOf/>
+              <dgm:constrLst>
+                <dgm:constr type="diam" refType="w"/>
+                <dgm:constr type="w" for="ch" ptType="node" refType="w"/>
+                <dgm:constr type="sibSp" val="15"/>
+                <dgm:constr type="userA" for="ch" ptType="sibTrans" refType="diam" op="equ"/>
+                <dgm:constr type="wArH" for="ch" ptType="sibTrans" refType="diam" op="equ" fact="0.05"/>
+                <dgm:constr type="hArH" for="ch" ptType="sibTrans" refType="diam" op="equ" fact="0.1"/>
+                <dgm:constr type="stemThick" for="ch" ptType="sibTrans" refType="diam" op="equ" fact="0.065"/>
+                <dgm:constr type="primFontSz" for="ch" ptType="node" op="equ"/>
+              </dgm:constrLst>
+            </dgm:else>
+          </dgm:choose>
+          <dgm:ruleLst/>
+          <dgm:forEach name="nodesFirstNodeForEach" axis="ch" ptType="node" cnt="1">
+            <dgm:layoutNode name="nodeFirstNode">
+              <dgm:varLst>
+                <dgm:bulletEnabled val="1"/>
+              </dgm:varLst>
+              <dgm:alg type="tx"/>
+              <dgm:shape xmlns:r="http://schemas.openxmlformats.org/officeDocument/2006/relationships" type="roundRect" r:blip="">
+                <dgm:adjLst/>
+              </dgm:shape>
+              <dgm:presOf axis="desOrSelf" ptType="node"/>
+              <dgm:constrLst>
+                <dgm:constr type="h" refType="w" fact="0.5"/>
+                <dgm:constr type="primFontSz" val="65"/>
+                <dgm:constr type="tMarg" refType="primFontSz" fact="0.3"/>
+                <dgm:constr type="bMarg" refType="primFontSz" fact="0.3"/>
+                <dgm:constr type="lMarg" refType="primFontSz" fact="0.3"/>
+                <dgm:constr type="rMarg" refType="primFontSz" fact="0.3"/>
+              </dgm:constrLst>
+              <dgm:ruleLst>
+                <dgm:rule type="primFontSz" val="5" fact="NaN" max="NaN"/>
+              </dgm:ruleLst>
+            </dgm:layoutNode>
+            <dgm:forEach name="sibTransForEach" axis="followSib" ptType="sibTrans" cnt="1">
+              <dgm:layoutNode name="sibTransFirstNode" styleLbl="bgShp">
+                <dgm:choose name="Name13">
+                  <dgm:if name="Name14" func="var" arg="dir" op="equ" val="norm">
+                    <dgm:alg type="conn">
+                      <dgm:param type="connRout" val="longCurve"/>
+                      <dgm:param type="begPts" val="midR"/>
+                      <dgm:param type="endPts" val="midL"/>
+                      <dgm:param type="dstNode" val="nodeFirstNode"/>
+                    </dgm:alg>
+                  </dgm:if>
+                  <dgm:else name="Name15">
+                    <dgm:alg type="conn">
+                      <dgm:param type="connRout" val="longCurve"/>
+                      <dgm:param type="begPts" val="midL"/>
+                      <dgm:param type="endPts" val="midR"/>
+                      <dgm:param type="dstNode" val="nodeFirstNode"/>
+                    </dgm:alg>
+                  </dgm:else>
+                </dgm:choose>
+                <dgm:shape xmlns:r="http://schemas.openxmlformats.org/officeDocument/2006/relationships" type="conn" r:blip="" zOrderOff="-2">
+                  <dgm:adjLst/>
+                </dgm:shape>
+                <dgm:presOf axis="self"/>
+                <dgm:choose name="Name16">
+                  <dgm:if name="Name17" axis="par ch" ptType="doc node" func="cnt" op="equ" val="3">
+                    <dgm:constrLst>
+                      <dgm:constr type="userA"/>
+                      <dgm:constr type="diam" refType="userA" fact="1.01"/>
+                      <dgm:constr type="begPad" refType="connDist" fact="-0.2"/>
+                      <dgm:constr type="endPad" refType="connDist" fact="0.05"/>
+                    </dgm:constrLst>
+                  </dgm:if>
+                  <dgm:if name="Name18" axis="par ch" ptType="doc node" func="cnt" op="equ" val="4">
+                    <dgm:constrLst>
+                      <dgm:constr type="userA"/>
+                      <dgm:constr type="diam" refType="userA" fact="1.26"/>
+                      <dgm:constr type="begPad" refType="connDist" fact="-0.2"/>
+                      <dgm:constr type="endPad" refType="connDist" fact="0.05"/>
+                    </dgm:constrLst>
+                  </dgm:if>
+                  <dgm:if name="Name19" axis="par ch" ptType="doc node" func="cnt" op="equ" val="5">
+                    <dgm:constrLst>
+                      <dgm:constr type="userA"/>
+                      <dgm:constr type="diam" refType="userA" fact="1.04"/>
+                      <dgm:constr type="begPad" refType="connDist" fact="-0.2"/>
+                      <dgm:constr type="endPad" refType="connDist" fact="0.05"/>
+                    </dgm:constrLst>
+                  </dgm:if>
+                  <dgm:if name="Name20" axis="par ch" ptType="doc node" func="cnt" op="equ" val="6">
+                    <dgm:constrLst>
+                      <dgm:constr type="userA"/>
+                      <dgm:constr type="diam" refType="userA" fact="1.1"/>
+                      <dgm:constr type="begPad" refType="connDist" fact="-0.2"/>
+                      <dgm:constr type="endPad" refType="connDist" fact="0.05"/>
+                    </dgm:constrLst>
+                  </dgm:if>
+                  <dgm:else name="Name21">
+                    <dgm:constrLst>
+                      <dgm:constr type="userA"/>
+                      <dgm:constr type="diam" refType="userA" fact="1.04"/>
+                      <dgm:constr type="begPad" refType="connDist" fact="-0.2"/>
+                      <dgm:constr type="endPad" refType="connDist" fact="0.05"/>
+                    </dgm:constrLst>
+                  </dgm:else>
+                </dgm:choose>
+                <dgm:ruleLst/>
+              </dgm:layoutNode>
+            </dgm:forEach>
+          </dgm:forEach>
+          <dgm:forEach name="followingNodesForEach" axis="ch" ptType="node" st="2">
+            <dgm:layoutNode name="nodeFollowingNodes">
+              <dgm:varLst>
+                <dgm:bulletEnabled val="1"/>
+              </dgm:varLst>
+              <dgm:alg type="tx"/>
+              <dgm:shape xmlns:r="http://schemas.openxmlformats.org/officeDocument/2006/relationships" type="roundRect" r:blip="">
+                <dgm:adjLst/>
+              </dgm:shape>
+              <dgm:presOf axis="desOrSelf" ptType="node"/>
+              <dgm:constrLst>
+                <dgm:constr type="h" refType="w" fact="0.5"/>
+                <dgm:constr type="primFontSz" val="65"/>
+                <dgm:constr type="tMarg" refType="primFontSz" fact="0.3"/>
+                <dgm:constr type="bMarg" refType="primFontSz" fact="0.3"/>
+                <dgm:constr type="lMarg" refType="primFontSz" fact="0.3"/>
+                <dgm:constr type="rMarg" refType="primFontSz" fact="0.3"/>
+              </dgm:constrLst>
+              <dgm:ruleLst>
+                <dgm:rule type="primFontSz" val="5" fact="NaN" max="NaN"/>
+              </dgm:ruleLst>
+            </dgm:layoutNode>
+          </dgm:forEach>
+        </dgm:layoutNode>
+      </dgm:else>
+    </dgm:choose>
+  </dgm:layoutNode>
+</dgm:layoutDef>
+</file>
+
+<file path=ppt/diagrams/quickStyle1.xml><?xml version="1.0" encoding="utf-8"?>
+<dgm:styleDef xmlns:dgm="http://schemas.openxmlformats.org/drawingml/2006/diagram" xmlns:a="http://schemas.openxmlformats.org/drawingml/2006/main" uniqueId="urn:microsoft.com/office/officeart/2005/8/quickstyle/simple5">
+  <dgm:title val=""/>
+  <dgm:desc val=""/>
+  <dgm:catLst>
+    <dgm:cat type="simple" pri="10500"/>
+  </dgm:catLst>
+  <dgm:scene3d>
+    <a:camera prst="orthographicFront"/>
+    <a:lightRig rig="threePt" dir="t"/>
+  </dgm:scene3d>
+  <dgm:styleLbl name="node0">
+    <dgm:scene3d>
+      <a:camera prst="orthographicFront"/>
+      <a:lightRig rig="threePt" dir="t"/>
+    </dgm:scene3d>
+    <dgm:sp3d/>
+    <dgm:txPr/>
+    <dgm:style>
+      <a:lnRef idx="0">
+        <a:scrgbClr r="0" g="0" b="0"/>
+      </a:lnRef>
+      <a:fillRef idx="3">
+        <a:scrgbClr r="0" g="0" b="0"/>
+      </a:fillRef>
+      <a:effectRef idx="3">
+        <a:scrgbClr r="0" g="0" b="0"/>
+      </a:effectRef>
+      <a:fontRef idx="minor">
+        <a:schemeClr val="lt1"/>
+      </a:fontRef>
+    </dgm:style>
+  </dgm:styleLbl>
+  <dgm:styleLbl name="lnNode1">
+    <dgm:scene3d>
+      <a:camera prst="orthographicFront"/>
+      <a:lightRig rig="threePt" dir="t"/>
+    </dgm:scene3d>
+    <dgm:sp3d/>
+    <dgm:txPr/>
+    <dgm:style>
+      <a:lnRef idx="0">
+        <a:scrgbClr r="0" g="0" b="0"/>
+      </a:lnRef>
+      <a:fillRef idx="3">
+        <a:scrgbClr r="0" g="0" b="0"/>
+      </a:fillRef>
+      <a:effectRef idx="3">
+        <a:scrgbClr r="0" g="0" b="0"/>
+      </a:effectRef>
+      <a:fontRef idx="minor">
+        <a:schemeClr val="lt1"/>
+      </a:fontRef>
+    </dgm:style>
+  </dgm:styleLbl>
+  <dgm:styleLbl name="vennNode1">
+    <dgm:scene3d>
+      <a:camera prst="orthographicFront"/>
+      <a:lightRig rig="threePt" dir="t"/>
+    </dgm:scene3d>
+    <dgm:sp3d/>
+    <dgm:txPr/>
+    <dgm:style>
+      <a:lnRef idx="0">
+        <a:scrgbClr r="0" g="0" b="0"/>
+      </a:lnRef>
+      <a:fillRef idx="3">
+        <a:scrgbClr r="0" g="0" b="0"/>
+      </a:fillRef>
+      <a:effectRef idx="3">
+        <a:scrgbClr r="0" g="0" b="0"/>
+      </a:effectRef>
+      <a:fontRef idx="minor">
+        <a:schemeClr val="tx1"/>
+      </a:fontRef>
+    </dgm:style>
+  </dgm:styleLbl>
+  <dgm:styleLbl name="alignNode1">
+    <dgm:scene3d>
+      <a:camera prst="orthographicFront"/>
+      <a:lightRig rig="threePt" dir="t"/>
+    </dgm:scene3d>
+    <dgm:sp3d/>
+    <dgm:txPr/>
+    <dgm:style>
+      <a:lnRef idx="1">
+        <a:scrgbClr r="0" g="0" b="0"/>
+      </a:lnRef>
+      <a:fillRef idx="3">
+        <a:scrgbClr r="0" g="0" b="0"/>
+      </a:fillRef>
+      <a:effectRef idx="3">
+        <a:scrgbClr r="0" g="0" b="0"/>
+      </a:effectRef>
+      <a:fontRef idx="minor">
+        <a:schemeClr val="lt1"/>
+      </a:fontRef>
+    </dgm:style>
+  </dgm:styleLbl>
+  <dgm:styleLbl name="node1">
+    <dgm:scene3d>
+      <a:camera prst="orthographicFront"/>
+      <a:lightRig rig="threePt" dir="t"/>
+    </dgm:scene3d>
+    <dgm:sp3d/>
+    <dgm:txPr/>
+    <dgm:style>
+      <a:lnRef idx="0">
+        <a:scrgbClr r="0" g="0" b="0"/>
+      </a:lnRef>
+      <a:fillRef idx="3">
+        <a:scrgbClr r="0" g="0" b="0"/>
+      </a:fillRef>
+      <a:effectRef idx="3">
+        <a:scrgbClr r="0" g="0" b="0"/>
+      </a:effectRef>
+      <a:fontRef idx="minor">
+        <a:schemeClr val="lt1"/>
+      </a:fontRef>
+    </dgm:style>
+  </dgm:styleLbl>
+  <dgm:styleLbl name="node2">
+    <dgm:scene3d>
+      <a:camera prst="orthographicFront"/>
+      <a:lightRig rig="threePt" dir="t"/>
+    </dgm:scene3d>
+    <dgm:sp3d/>
+    <dgm:txPr/>
+    <dgm:style>
+      <a:lnRef idx="0">
+        <a:scrgbClr r="0" g="0" b="0"/>
+      </a:lnRef>
+      <a:fillRef idx="3">
+        <a:scrgbClr r="0" g="0" b="0"/>
+      </a:fillRef>
+      <a:effectRef idx="3">
+        <a:scrgbClr r="0" g="0" b="0"/>
+      </a:effectRef>
+      <a:fontRef idx="minor">
+        <a:schemeClr val="lt1"/>
+      </a:fontRef>
+    </dgm:style>
+  </dgm:styleLbl>
+  <dgm:styleLbl name="node3">
+    <dgm:scene3d>
+      <a:camera prst="orthographicFront"/>
+      <a:lightRig rig="threePt" dir="t"/>
+    </dgm:scene3d>
+    <dgm:sp3d/>
+    <dgm:txPr/>
+    <dgm:style>
+      <a:lnRef idx="0">
+        <a:scrgbClr r="0" g="0" b="0"/>
+      </a:lnRef>
+      <a:fillRef idx="3">
+        <a:scrgbClr r="0" g="0" b="0"/>
+      </a:fillRef>
+      <a:effectRef idx="3">
+        <a:scrgbClr r="0" g="0" b="0"/>
+      </a:effectRef>
+      <a:fontRef idx="minor">
+        <a:schemeClr val="lt1"/>
+      </a:fontRef>
+    </dgm:style>
+  </dgm:styleLbl>
+  <dgm:styleLbl name="node4">
+    <dgm:scene3d>
+      <a:camera prst="orthographicFront"/>
+      <a:lightRig rig="threePt" dir="t"/>
+    </dgm:scene3d>
+    <dgm:sp3d/>
+    <dgm:txPr/>
+    <dgm:style>
+      <a:lnRef idx="0">
+        <a:scrgbClr r="0" g="0" b="0"/>
+      </a:lnRef>
+      <a:fillRef idx="3">
+        <a:scrgbClr r="0" g="0" b="0"/>
+      </a:fillRef>
+      <a:effectRef idx="3">
+        <a:scrgbClr r="0" g="0" b="0"/>
+      </a:effectRef>
+      <a:fontRef idx="minor">
+        <a:schemeClr val="lt1"/>
+      </a:fontRef>
+    </dgm:style>
+  </dgm:styleLbl>
+  <dgm:styleLbl name="fgImgPlace1">
+    <dgm:scene3d>
+      <a:camera prst="orthographicFront"/>
+      <a:lightRig rig="threePt" dir="t"/>
+    </dgm:scene3d>
+    <dgm:sp3d/>
+    <dgm:txPr/>
+    <dgm:style>
+      <a:lnRef idx="0">
+        <a:scrgbClr r="0" g="0" b="0"/>
+      </a:lnRef>
+      <a:fillRef idx="1">
+        <a:scrgbClr r="0" g="0" b="0"/>
+      </a:fillRef>
+      <a:effectRef idx="3">
+        <a:scrgbClr r="0" g="0" b="0"/>
+      </a:effectRef>
+      <a:fontRef idx="minor"/>
+    </dgm:style>
+  </dgm:styleLbl>
+  <dgm:styleLbl name="alignImgPlace1">
+    <dgm:scene3d>
+      <a:camera prst="orthographicFront"/>
+      <a:lightRig rig="threePt" dir="t"/>
+    </dgm:scene3d>
+    <dgm:sp3d/>
+    <dgm:txPr/>
+    <dgm:style>
+      <a:lnRef idx="0">
+        <a:scrgbClr r="0" g="0" b="0"/>
+      </a:lnRef>
+      <a:fillRef idx="1">
+        <a:scrgbClr r="0" g="0" b="0"/>
+      </a:fillRef>
+      <a:effectRef idx="3">
+        <a:scrgbClr r="0" g="0" b="0"/>
+      </a:effectRef>
+      <a:fontRef idx="minor"/>
+    </dgm:style>
+  </dgm:styleLbl>
+  <dgm:styleLbl name="bgImgPlace1">
+    <dgm:scene3d>
+      <a:camera prst="orthographicFront"/>
+      <a:lightRig rig="threePt" dir="t"/>
+    </dgm:scene3d>
+    <dgm:sp3d/>
+    <dgm:txPr/>
+    <dgm:style>
+      <a:lnRef idx="0">
+        <a:scrgbClr r="0" g="0" b="0"/>
+      </a:lnRef>
+      <a:fillRef idx="1">
+        <a:scrgbClr r="0" g="0" b="0"/>
+      </a:fillRef>
+      <a:effectRef idx="3">
+        <a:scrgbClr r="0" g="0" b="0"/>
+      </a:effectRef>
+      <a:fontRef idx="minor"/>
+    </dgm:style>
+  </dgm:styleLbl>
+  <dgm:styleLbl name="sibTrans2D1">
+    <dgm:scene3d>
+      <a:camera prst="orthographicFront"/>
+      <a:lightRig rig="threePt" dir="t"/>
+    </dgm:scene3d>
+    <dgm:sp3d/>
+    <dgm:txPr/>
+    <dgm:style>
+      <a:lnRef idx="0">
+        <a:scrgbClr r="0" g="0" b="0"/>
+      </a:lnRef>
+      <a:fillRef idx="3">
+        <a:scrgbClr r="0" g="0" b="0"/>
+      </a:fillRef>
+      <a:effectRef idx="3">
+        <a:scrgbClr r="0" g="0" b="0"/>
+      </a:effectRef>
+      <a:fontRef idx="minor">
+        <a:schemeClr val="lt1"/>
+      </a:fontRef>
+    </dgm:style>
+  </dgm:styleLbl>
+  <dgm:styleLbl name="fgSibTrans2D1">
+    <dgm:scene3d>
+      <a:camera prst="orthographicFront"/>
+      <a:lightRig rig="threePt" dir="t"/>
+    </dgm:scene3d>
+    <dgm:sp3d/>
+    <dgm:txPr/>
+    <dgm:style>
+      <a:lnRef idx="0">
+        <a:scrgbClr r="0" g="0" b="0"/>
+      </a:lnRef>
+      <a:fillRef idx="3">
+        <a:scrgbClr r="0" g="0" b="0"/>
+      </a:fillRef>
+      <a:effectRef idx="3">
+        <a:scrgbClr r="0" g="0" b="0"/>
+      </a:effectRef>
+      <a:fontRef idx="minor">
+        <a:schemeClr val="lt1"/>
+      </a:fontRef>
+    </dgm:style>
+  </dgm:styleLbl>
+  <dgm:styleLbl name="bgSibTrans2D1">
+    <dgm:scene3d>
+      <a:camera prst="orthographicFront"/>
+      <a:lightRig rig="threePt" dir="t"/>
+    </dgm:scene3d>
+    <dgm:sp3d/>
+    <dgm:txPr/>
+    <dgm:style>
+      <a:lnRef idx="0">
+        <a:scrgbClr r="0" g="0" b="0"/>
+      </a:lnRef>
+      <a:fillRef idx="3">
+        <a:scrgbClr r="0" g="0" b="0"/>
+      </a:fillRef>
+      <a:effectRef idx="3">
+        <a:scrgbClr r="0" g="0" b="0"/>
+      </a:effectRef>
+      <a:fontRef idx="minor">
+        <a:schemeClr val="lt1"/>
+      </a:fontRef>
+    </dgm:style>
+  </dgm:styleLbl>
+  <dgm:styleLbl name="sibTrans1D1">
+    <dgm:scene3d>
+      <a:camera prst="orthographicFront"/>
+      <a:lightRig rig="threePt" dir="t"/>
+    </dgm:scene3d>
+    <dgm:sp3d/>
+    <dgm:txPr/>
+    <dgm:style>
+      <a:lnRef idx="1">
+        <a:scrgbClr r="0" g="0" b="0"/>
+      </a:lnRef>
+      <a:fillRef idx="0">
+        <a:scrgbClr r="0" g="0" b="0"/>
+      </a:fillRef>
+      <a:effectRef idx="0">
+        <a:scrgbClr r="0" g="0" b="0"/>
+      </a:effectRef>
+      <a:fontRef idx="minor"/>
+    </dgm:style>
+  </dgm:styleLbl>
+  <dgm:styleLbl name="callout">
+    <dgm:scene3d>
+      <a:camera prst="orthographicFront"/>
+      <a:lightRig rig="threePt" dir="t"/>
+    </dgm:scene3d>
+    <dgm:sp3d/>
+    <dgm:txPr/>
+    <dgm:style>
+      <a:lnRef idx="1">
+        <a:scrgbClr r="0" g="0" b="0"/>
+      </a:lnRef>
+      <a:fillRef idx="0">
+        <a:scrgbClr r="0" g="0" b="0"/>
+      </a:fillRef>
+      <a:effectRef idx="1">
+        <a:scrgbClr r="0" g="0" b="0"/>
+      </a:effectRef>
+      <a:fontRef idx="minor"/>
+    </dgm:style>
+  </dgm:styleLbl>
+  <dgm:styleLbl name="asst0">
+    <dgm:scene3d>
+      <a:camera prst="orthographicFront"/>
+      <a:lightRig rig="threePt" dir="t"/>
+    </dgm:scene3d>
+    <dgm:sp3d/>
+    <dgm:txPr/>
+    <dgm:style>
+      <a:lnRef idx="0">
+        <a:scrgbClr r="0" g="0" b="0"/>
+      </a:lnRef>
+      <a:fillRef idx="3">
+        <a:scrgbClr r="0" g="0" b="0"/>
+      </a:fillRef>
+      <a:effectRef idx="3">
+        <a:scrgbClr r="0" g="0" b="0"/>
+      </a:effectRef>
+      <a:fontRef idx="minor">
+        <a:schemeClr val="lt1"/>
+      </a:fontRef>
+    </dgm:style>
+  </dgm:styleLbl>
+  <dgm:styleLbl name="asst1">
+    <dgm:scene3d>
+      <a:camera prst="orthographicFront"/>
+      <a:lightRig rig="threePt" dir="t"/>
+    </dgm:scene3d>
+    <dgm:sp3d/>
+    <dgm:txPr/>
+    <dgm:style>
+      <a:lnRef idx="0">
+        <a:scrgbClr r="0" g="0" b="0"/>
+      </a:lnRef>
+      <a:fillRef idx="3">
+        <a:scrgbClr r="0" g="0" b="0"/>
+      </a:fillRef>
+      <a:effectRef idx="3">
+        <a:scrgbClr r="0" g="0" b="0"/>
+      </a:effectRef>
+      <a:fontRef idx="minor">
+        <a:schemeClr val="lt1"/>
+      </a:fontRef>
+    </dgm:style>
+  </dgm:styleLbl>
+  <dgm:styleLbl name="asst2">
+    <dgm:scene3d>
+      <a:camera prst="orthographicFront"/>
+      <a:lightRig rig="threePt" dir="t"/>
+    </dgm:scene3d>
+    <dgm:sp3d/>
+    <dgm:txPr/>
+    <dgm:style>
+      <a:lnRef idx="0">
+        <a:scrgbClr r="0" g="0" b="0"/>
+      </a:lnRef>
+      <a:fillRef idx="3">
+        <a:scrgbClr r="0" g="0" b="0"/>
+      </a:fillRef>
+      <a:effectRef idx="3">
+        <a:scrgbClr r="0" g="0" b="0"/>
+      </a:effectRef>
+      <a:fontRef idx="minor">
+        <a:schemeClr val="lt1"/>
+      </a:fontRef>
+    </dgm:style>
+  </dgm:styleLbl>
+  <dgm:styleLbl name="asst3">
+    <dgm:scene3d>
+      <a:camera prst="orthographicFront"/>
+      <a:lightRig rig="threePt" dir="t"/>
+    </dgm:scene3d>
+    <dgm:sp3d/>
+    <dgm:txPr/>
+    <dgm:style>
+      <a:lnRef idx="0">
+        <a:scrgbClr r="0" g="0" b="0"/>
+      </a:lnRef>
+      <a:fillRef idx="3">
+        <a:scrgbClr r="0" g="0" b="0"/>
+      </a:fillRef>
+      <a:effectRef idx="3">
+        <a:scrgbClr r="0" g="0" b="0"/>
+      </a:effectRef>
+      <a:fontRef idx="minor">
+        <a:schemeClr val="lt1"/>
+      </a:fontRef>
+    </dgm:style>
+  </dgm:styleLbl>
+  <dgm:styleLbl name="asst4">
+    <dgm:scene3d>
+      <a:camera prst="orthographicFront"/>
+      <a:lightRig rig="threePt" dir="t"/>
+    </dgm:scene3d>
+    <dgm:sp3d/>
+    <dgm:txPr/>
+    <dgm:style>
+      <a:lnRef idx="0">
+        <a:scrgbClr r="0" g="0" b="0"/>
+      </a:lnRef>
+      <a:fillRef idx="3">
+        <a:scrgbClr r="0" g="0" b="0"/>
+      </a:fillRef>
+      <a:effectRef idx="3">
+        <a:scrgbClr r="0" g="0" b="0"/>
+      </a:effectRef>
+      <a:fontRef idx="minor">
+        <a:schemeClr val="lt1"/>
+      </a:fontRef>
+    </dgm:style>
+  </dgm:styleLbl>
+  <dgm:styleLbl name="parChTrans2D1">
+    <dgm:scene3d>
+      <a:camera prst="orthographicFront"/>
+      <a:lightRig rig="threePt" dir="t"/>
+    </dgm:scene3d>
+    <dgm:sp3d/>
+    <dgm:txPr/>
+    <dgm:style>
+      <a:lnRef idx="0">
+        <a:scrgbClr r="0" g="0" b="0"/>
+      </a:lnRef>
+      <a:fillRef idx="3">
+        <a:scrgbClr r="0" g="0" b="0"/>
+      </a:fillRef>
+      <a:effectRef idx="3">
+        <a:scrgbClr r="0" g="0" b="0"/>
+      </a:effectRef>
+      <a:fontRef idx="minor">
+        <a:schemeClr val="lt1"/>
+      </a:fontRef>
+    </dgm:style>
+  </dgm:styleLbl>
+  <dgm:styleLbl name="parChTrans2D2">
+    <dgm:scene3d>
+      <a:camera prst="orthographicFront"/>
+      <a:lightRig rig="threePt" dir="t"/>
+    </dgm:scene3d>
+    <dgm:sp3d/>
+    <dgm:txPr/>
+    <dgm:style>
+      <a:lnRef idx="0">
+        <a:scrgbClr r="0" g="0" b="0"/>
+      </a:lnRef>
+      <a:fillRef idx="3">
+        <a:scrgbClr r="0" g="0" b="0"/>
+      </a:fillRef>
+      <a:effectRef idx="3">
+        <a:scrgbClr r="0" g="0" b="0"/>
+      </a:effectRef>
+      <a:fontRef idx="minor">
+        <a:schemeClr val="lt1"/>
+      </a:fontRef>
+    </dgm:style>
+  </dgm:styleLbl>
+  <dgm:styleLbl name="parChTrans2D3">
+    <dgm:scene3d>
+      <a:camera prst="orthographicFront"/>
+      <a:lightRig rig="threePt" dir="t"/>
+    </dgm:scene3d>
+    <dgm:sp3d/>
+    <dgm:txPr/>
+    <dgm:style>
+      <a:lnRef idx="0">
+        <a:scrgbClr r="0" g="0" b="0"/>
+      </a:lnRef>
+      <a:fillRef idx="3">
+        <a:scrgbClr r="0" g="0" b="0"/>
+      </a:fillRef>
+      <a:effectRef idx="3">
+        <a:scrgbClr r="0" g="0" b="0"/>
+      </a:effectRef>
+      <a:fontRef idx="minor">
+        <a:schemeClr val="lt1"/>
+      </a:fontRef>
+    </dgm:style>
+  </dgm:styleLbl>
+  <dgm:styleLbl name="parChTrans2D4">
+    <dgm:scene3d>
+      <a:camera prst="orthographicFront"/>
+      <a:lightRig rig="threePt" dir="t"/>
+    </dgm:scene3d>
+    <dgm:sp3d/>
+    <dgm:txPr/>
+    <dgm:style>
+      <a:lnRef idx="0">
+        <a:scrgbClr r="0" g="0" b="0"/>
+      </a:lnRef>
+      <a:fillRef idx="3">
+        <a:scrgbClr r="0" g="0" b="0"/>
+      </a:fillRef>
+      <a:effectRef idx="3">
+        <a:scrgbClr r="0" g="0" b="0"/>
+      </a:effectRef>
+      <a:fontRef idx="minor">
+        <a:schemeClr val="lt1"/>
+      </a:fontRef>
+    </dgm:style>
+  </dgm:styleLbl>
+  <dgm:styleLbl name="parChTrans1D1">
+    <dgm:scene3d>
+      <a:camera prst="orthographicFront"/>
+      <a:lightRig rig="threePt" dir="t"/>
+    </dgm:scene3d>
+    <dgm:sp3d/>
+    <dgm:txPr/>
+    <dgm:style>
+      <a:lnRef idx="2">
+        <a:scrgbClr r="0" g="0" b="0"/>
+      </a:lnRef>
+      <a:fillRef idx="0">
+        <a:scrgbClr r="0" g="0" b="0"/>
+      </a:fillRef>
+      <a:effectRef idx="0">
+        <a:scrgbClr r="0" g="0" b="0"/>
+      </a:effectRef>
+      <a:fontRef idx="minor"/>
+    </dgm:style>
+  </dgm:styleLbl>
+  <dgm:styleLbl name="parChTrans1D2">
+    <dgm:scene3d>
+      <a:camera prst="orthographicFront"/>
+      <a:lightRig rig="threePt" dir="t"/>
+    </dgm:scene3d>
+    <dgm:sp3d/>
+    <dgm:txPr/>
+    <dgm:style>
+      <a:lnRef idx="2">
+        <a:scrgbClr r="0" g="0" b="0"/>
+      </a:lnRef>
+      <a:fillRef idx="0">
+        <a:scrgbClr r="0" g="0" b="0"/>
+      </a:fillRef>
+      <a:effectRef idx="0">
+        <a:scrgbClr r="0" g="0" b="0"/>
+      </a:effectRef>
+      <a:fontRef idx="minor"/>
+    </dgm:style>
+  </dgm:styleLbl>
+  <dgm:styleLbl name="parChTrans1D3">
+    <dgm:scene3d>
+      <a:camera prst="orthographicFront"/>
+      <a:lightRig rig="threePt" dir="t"/>
+    </dgm:scene3d>
+    <dgm:sp3d/>
+    <dgm:txPr/>
+    <dgm:style>
+      <a:lnRef idx="2">
+        <a:scrgbClr r="0" g="0" b="0"/>
+      </a:lnRef>
+      <a:fillRef idx="0">
+        <a:scrgbClr r="0" g="0" b="0"/>
+      </a:fillRef>
+      <a:effectRef idx="0">
+        <a:scrgbClr r="0" g="0" b="0"/>
+      </a:effectRef>
+      <a:fontRef idx="minor"/>
+    </dgm:style>
+  </dgm:styleLbl>
+  <dgm:styleLbl name="parChTrans1D4">
+    <dgm:scene3d>
+      <a:camera prst="orthographicFront"/>
+      <a:lightRig rig="threePt" dir="t"/>
+    </dgm:scene3d>
+    <dgm:sp3d/>
+    <dgm:txPr/>
+    <dgm:style>
+      <a:lnRef idx="2">
+        <a:scrgbClr r="0" g="0" b="0"/>
+      </a:lnRef>
+      <a:fillRef idx="0">
+        <a:scrgbClr r="0" g="0" b="0"/>
+      </a:fillRef>
+      <a:effectRef idx="0">
+        <a:scrgbClr r="0" g="0" b="0"/>
+      </a:effectRef>
+      <a:fontRef idx="minor"/>
+    </dgm:style>
+  </dgm:styleLbl>
+  <dgm:styleLbl name="fgAcc1">
+    <dgm:scene3d>
+      <a:camera prst="orthographicFront"/>
+      <a:lightRig rig="threePt" dir="t"/>
+    </dgm:scene3d>
+    <dgm:sp3d/>
+    <dgm:txPr/>
+    <dgm:style>
+      <a:lnRef idx="1">
+        <a:scrgbClr r="0" g="0" b="0"/>
+      </a:lnRef>
+      <a:fillRef idx="1">
+        <a:scrgbClr r="0" g="0" b="0"/>
+      </a:fillRef>
+      <a:effectRef idx="2">
+        <a:scrgbClr r="0" g="0" b="0"/>
+      </a:effectRef>
+      <a:fontRef idx="minor"/>
+    </dgm:style>
+  </dgm:styleLbl>
+  <dgm:styleLbl name="conFgAcc1">
+    <dgm:scene3d>
+      <a:camera prst="orthographicFront"/>
+      <a:lightRig rig="threePt" dir="t"/>
+    </dgm:scene3d>
+    <dgm:sp3d/>
+    <dgm:txPr/>
+    <dgm:style>
+      <a:lnRef idx="1">
+        <a:scrgbClr r="0" g="0" b="0"/>
+      </a:lnRef>
+      <a:fillRef idx="1">
+        <a:scrgbClr r="0" g="0" b="0"/>
+      </a:fillRef>
+      <a:effectRef idx="2">
+        <a:scrgbClr r="0" g="0" b="0"/>
+      </a:effectRef>
+      <a:fontRef idx="minor"/>
+    </dgm:style>
+  </dgm:styleLbl>
+  <dgm:styleLbl name="alignAcc1">
+    <dgm:scene3d>
+      <a:camera prst="orthographicFront"/>
+      <a:lightRig rig="threePt" dir="t"/>
+    </dgm:scene3d>
+    <dgm:sp3d/>
+    <dgm:txPr/>
+    <dgm:style>
+      <a:lnRef idx="1">
+        <a:scrgbClr r="0" g="0" b="0"/>
+      </a:lnRef>
+      <a:fillRef idx="1">
+        <a:scrgbClr r="0" g="0" b="0"/>
+      </a:fillRef>
+      <a:effectRef idx="2">
+        <a:scrgbClr r="0" g="0" b="0"/>
+      </a:effectRef>
+      <a:fontRef idx="minor"/>
+    </dgm:style>
+  </dgm:styleLbl>
+  <dgm:styleLbl name="trAlignAcc1">
+    <dgm:scene3d>
+      <a:camera prst="orthographicFront"/>
+      <a:lightRig rig="threePt" dir="t"/>
+    </dgm:scene3d>
+    <dgm:sp3d/>
+    <dgm:txPr/>
+    <dgm:style>
+      <a:lnRef idx="1">
+        <a:scrgbClr r="0" g="0" b="0"/>
+      </a:lnRef>
+      <a:fillRef idx="1">
+        <a:scrgbClr r="0" g="0" b="0"/>
+      </a:fillRef>
+      <a:effectRef idx="0">
+        <a:scrgbClr r="0" g="0" b="0"/>
+      </a:effectRef>
+      <a:fontRef idx="minor"/>
+    </dgm:style>
+  </dgm:styleLbl>
+  <dgm:styleLbl name="bgAcc1">
+    <dgm:scene3d>
+      <a:camera prst="orthographicFront"/>
+      <a:lightRig rig="threePt" dir="t"/>
+    </dgm:scene3d>
+    <dgm:sp3d/>
+    <dgm:txPr/>
+    <dgm:style>
+      <a:lnRef idx="1">
+        <a:scrgbClr r="0" g="0" b="0"/>
+      </a:lnRef>
+      <a:fillRef idx="1">
+        <a:scrgbClr r="0" g="0" b="0"/>
+      </a:fillRef>
+      <a:effectRef idx="2">
+        <a:scrgbClr r="0" g="0" b="0"/>
+      </a:effectRef>
+      <a:fontRef idx="minor"/>
+    </dgm:style>
+  </dgm:styleLbl>
+  <dgm:styleLbl name="solidFgAcc1">
+    <dgm:scene3d>
+      <a:camera prst="orthographicFront"/>
+      <a:lightRig rig="threePt" dir="t"/>
+    </dgm:scene3d>
+    <dgm:sp3d/>
+    <dgm:txPr/>
+    <dgm:style>
+      <a:lnRef idx="1">
+        <a:scrgbClr r="0" g="0" b="0"/>
+      </a:lnRef>
+      <a:fillRef idx="1">
+        <a:scrgbClr r="0" g="0" b="0"/>
+      </a:fillRef>
+      <a:effectRef idx="2">
+        <a:scrgbClr r="0" g="0" b="0"/>
+      </a:effectRef>
+      <a:fontRef idx="minor"/>
+    </dgm:style>
+  </dgm:styleLbl>
+  <dgm:styleLbl name="solidAlignAcc1">
+    <dgm:scene3d>
+      <a:camera prst="orthographicFront"/>
+      <a:lightRig rig="threePt" dir="t"/>
+    </dgm:scene3d>
+    <dgm:sp3d/>
+    <dgm:txPr/>
+    <dgm:style>
+      <a:lnRef idx="1">
+        <a:scrgbClr r="0" g="0" b="0"/>
+      </a:lnRef>
+      <a:fillRef idx="1">
+        <a:scrgbClr r="0" g="0" b="0"/>
+      </a:fillRef>
+      <a:effectRef idx="3">
+        <a:scrgbClr r="0" g="0" b="0"/>
+      </a:effectRef>
+      <a:fontRef idx="minor"/>
+    </dgm:style>
+  </dgm:styleLbl>
+  <dgm:styleLbl name="solidBgAcc1">
+    <dgm:scene3d>
+      <a:camera prst="orthographicFront"/>
+      <a:lightRig rig="threePt" dir="t"/>
+    </dgm:scene3d>
+    <dgm:sp3d/>
+    <dgm:txPr/>
+    <dgm:style>
+      <a:lnRef idx="1">
+        <a:scrgbClr r="0" g="0" b="0"/>
+      </a:lnRef>
+      <a:fillRef idx="1">
+        <a:scrgbClr r="0" g="0" b="0"/>
+      </a:fillRef>
+      <a:effectRef idx="3">
+        <a:scrgbClr r="0" g="0" b="0"/>
+      </a:effectRef>
+      <a:fontRef idx="minor"/>
+    </dgm:style>
+  </dgm:styleLbl>
+  <dgm:styleLbl name="fgAccFollowNode1">
+    <dgm:scene3d>
+      <a:camera prst="orthographicFront"/>
+      <a:lightRig rig="threePt" dir="t"/>
+    </dgm:scene3d>
+    <dgm:sp3d/>
+    <dgm:txPr/>
+    <dgm:style>
+      <a:lnRef idx="1">
+        <a:scrgbClr r="0" g="0" b="0"/>
+      </a:lnRef>
+      <a:fillRef idx="1">
+        <a:scrgbClr r="0" g="0" b="0"/>
+      </a:fillRef>
+      <a:effectRef idx="2">
+        <a:scrgbClr r="0" g="0" b="0"/>
+      </a:effectRef>
+      <a:fontRef idx="minor"/>
+    </dgm:style>
+  </dgm:styleLbl>
+  <dgm:styleLbl name="alignAccFollowNode1">
+    <dgm:scene3d>
+      <a:camera prst="orthographicFront"/>
+      <a:lightRig rig="threePt" dir="t"/>
+    </dgm:scene3d>
+    <dgm:sp3d/>
+    <dgm:txPr/>
+    <dgm:style>
+      <a:lnRef idx="1">
+        <a:scrgbClr r="0" g="0" b="0"/>
+      </a:lnRef>
+      <a:fillRef idx="1">
+        <a:scrgbClr r="0" g="0" b="0"/>
+      </a:fillRef>
+      <a:effectRef idx="2">
+        <a:scrgbClr r="0" g="0" b="0"/>
+      </a:effectRef>
+      <a:fontRef idx="minor"/>
+    </dgm:style>
+  </dgm:styleLbl>
+  <dgm:styleLbl name="bgAccFollowNode1">
+    <dgm:scene3d>
+      <a:camera prst="orthographicFront"/>
+      <a:lightRig rig="threePt" dir="t"/>
+    </dgm:scene3d>
+    <dgm:sp3d/>
+    <dgm:txPr/>
+    <dgm:style>
+      <a:lnRef idx="1">
+        <a:scrgbClr r="0" g="0" b="0"/>
+      </a:lnRef>
+      <a:fillRef idx="1">
+        <a:scrgbClr r="0" g="0" b="0"/>
+      </a:fillRef>
+      <a:effectRef idx="2">
+        <a:scrgbClr r="0" g="0" b="0"/>
+      </a:effectRef>
+      <a:fontRef idx="minor"/>
+    </dgm:style>
+  </dgm:styleLbl>
+  <dgm:styleLbl name="fgAcc0">
+    <dgm:scene3d>
+      <a:camera prst="orthographicFront"/>
+      <a:lightRig rig="threePt" dir="t"/>
+    </dgm:scene3d>
+    <dgm:sp3d/>
+    <dgm:txPr/>
+    <dgm:style>
+      <a:lnRef idx="1">
+        <a:scrgbClr r="0" g="0" b="0"/>
+      </a:lnRef>
+      <a:fillRef idx="1">
+        <a:scrgbClr r="0" g="0" b="0"/>
+      </a:fillRef>
+      <a:effectRef idx="2">
+        <a:scrgbClr r="0" g="0" b="0"/>
+      </a:effectRef>
+      <a:fontRef idx="minor"/>
+    </dgm:style>
+  </dgm:styleLbl>
+  <dgm:styleLbl name="fgAcc2">
+    <dgm:scene3d>
+      <a:camera prst="orthographicFront"/>
+      <a:lightRig rig="threePt" dir="t"/>
+    </dgm:scene3d>
+    <dgm:sp3d/>
+    <dgm:txPr/>
+    <dgm:style>
+      <a:lnRef idx="1">
+        <a:scrgbClr r="0" g="0" b="0"/>
+      </a:lnRef>
+      <a:fillRef idx="1">
+        <a:scrgbClr r="0" g="0" b="0"/>
+      </a:fillRef>
+      <a:effectRef idx="2">
+        <a:scrgbClr r="0" g="0" b="0"/>
+      </a:effectRef>
+      <a:fontRef idx="minor"/>
+    </dgm:style>
+  </dgm:styleLbl>
+  <dgm:styleLbl name="fgAcc3">
+    <dgm:scene3d>
+      <a:camera prst="orthographicFront"/>
+      <a:lightRig rig="threePt" dir="t"/>
+    </dgm:scene3d>
+    <dgm:sp3d/>
+    <dgm:txPr/>
+    <dgm:style>
+      <a:lnRef idx="1">
+        <a:scrgbClr r="0" g="0" b="0"/>
+      </a:lnRef>
+      <a:fillRef idx="1">
+        <a:scrgbClr r="0" g="0" b="0"/>
+      </a:fillRef>
+      <a:effectRef idx="2">
+        <a:scrgbClr r="0" g="0" b="0"/>
+      </a:effectRef>
+      <a:fontRef idx="minor"/>
+    </dgm:style>
+  </dgm:styleLbl>
+  <dgm:styleLbl name="fgAcc4">
+    <dgm:scene3d>
+      <a:camera prst="orthographicFront"/>
+      <a:lightRig rig="threePt" dir="t"/>
+    </dgm:scene3d>
+    <dgm:sp3d/>
+    <dgm:txPr/>
+    <dgm:style>
+      <a:lnRef idx="1">
+        <a:scrgbClr r="0" g="0" b="0"/>
+      </a:lnRef>
+      <a:fillRef idx="1">
+        <a:scrgbClr r="0" g="0" b="0"/>
+      </a:fillRef>
+      <a:effectRef idx="2">
+        <a:scrgbClr r="0" g="0" b="0"/>
+      </a:effectRef>
+      <a:fontRef idx="minor"/>
+    </dgm:style>
+  </dgm:styleLbl>
+  <dgm:styleLbl name="bgShp">
+    <dgm:scene3d>
+      <a:camera prst="orthographicFront"/>
+      <a:lightRig rig="threePt" dir="t"/>
+    </dgm:scene3d>
+    <dgm:sp3d/>
+    <dgm:txPr/>
+    <dgm:style>
+      <a:lnRef idx="0">
+        <a:scrgbClr r="0" g="0" b="0"/>
+      </a:lnRef>
+      <a:fillRef idx="1">
+        <a:scrgbClr r="0" g="0" b="0"/>
+      </a:fillRef>
+      <a:effectRef idx="2">
+        <a:scrgbClr r="0" g="0" b="0"/>
+      </a:effectRef>
+      <a:fontRef idx="minor"/>
+    </dgm:style>
+  </dgm:styleLbl>
+  <dgm:styleLbl name="dkBgShp">
+    <dgm:scene3d>
+      <a:camera prst="orthographicFront"/>
+      <a:lightRig rig="threePt" dir="t"/>
+    </dgm:scene3d>
+    <dgm:sp3d/>
+    <dgm:txPr/>
+    <dgm:style>
+      <a:lnRef idx="0">
+        <a:scrgbClr r="0" g="0" b="0"/>
+      </a:lnRef>
+      <a:fillRef idx="1">
+        <a:scrgbClr r="0" g="0" b="0"/>
+      </a:fillRef>
+      <a:effectRef idx="3">
+        <a:scrgbClr r="0" g="0" b="0"/>
+      </a:effectRef>
+      <a:fontRef idx="minor"/>
+    </dgm:style>
+  </dgm:styleLbl>
+  <dgm:styleLbl name="trBgShp">
+    <dgm:scene3d>
+      <a:camera prst="orthographicFront"/>
+      <a:lightRig rig="threePt" dir="t"/>
+    </dgm:scene3d>
+    <dgm:sp3d/>
+    <dgm:txPr/>
+    <dgm:style>
+      <a:lnRef idx="0">
+        <a:scrgbClr r="0" g="0" b="0"/>
+      </a:lnRef>
+      <a:fillRef idx="1">
+        <a:scrgbClr r="0" g="0" b="0"/>
+      </a:fillRef>
+      <a:effectRef idx="0">
+        <a:scrgbClr r="0" g="0" b="0"/>
+      </a:effectRef>
+      <a:fontRef idx="minor"/>
+    </dgm:style>
+  </dgm:styleLbl>
+  <dgm:styleLbl name="fgShp">
+    <dgm:scene3d>
+      <a:camera prst="orthographicFront"/>
+      <a:lightRig rig="threePt" dir="t"/>
+    </dgm:scene3d>
+    <dgm:sp3d/>
+    <dgm:txPr/>
+    <dgm:style>
+      <a:lnRef idx="0">
+        <a:scrgbClr r="0" g="0" b="0"/>
+      </a:lnRef>
+      <a:fillRef idx="3">
+        <a:scrgbClr r="0" g="0" b="0"/>
+      </a:fillRef>
+      <a:effectRef idx="3">
+        <a:scrgbClr r="0" g="0" b="0"/>
+      </a:effectRef>
+      <a:fontRef idx="minor"/>
+    </dgm:style>
+  </dgm:styleLbl>
+  <dgm:styleLbl name="revTx">
+    <dgm:scene3d>
+      <a:camera prst="orthographicFront"/>
+      <a:lightRig rig="threePt" dir="t"/>
+    </dgm:scene3d>
+    <dgm:sp3d/>
+    <dgm:txPr/>
+    <dgm:style>
+      <a:lnRef idx="0">
+        <a:scrgbClr r="0" g="0" b="0"/>
+      </a:lnRef>
+      <a:fillRef idx="0">
+        <a:scrgbClr r="0" g="0" b="0"/>
+      </a:fillRef>
+      <a:effectRef idx="0">
+        <a:scrgbClr r="0" g="0" b="0"/>
+      </a:effectRef>
+      <a:fontRef idx="minor"/>
+    </dgm:style>
+  </dgm:styleLbl>
+</dgm:styleDef>
 </file>
 
 <file path=ppt/slideLayouts/slideLayout1.xml><?xml version="1.0" encoding="utf-8"?>
@@ -13299,20 +16135,34 @@
           <a:lstStyle/>
           <a:p>
             <a:r>
-              <a:rPr lang="en-US" dirty="0" smtClean="0"/>
+              <a:rPr lang="en-US" dirty="0" smtClean="0">
+                <a:solidFill>
+                  <a:schemeClr val="bg1">
+                    <a:lumMod val="85000"/>
+                  </a:schemeClr>
+                </a:solidFill>
+              </a:rPr>
               <a:t>A restful architecture for development.</a:t>
             </a:r>
           </a:p>
           <a:p>
             <a:r>
-              <a:rPr lang="en-US" dirty="0" smtClean="0"/>
-              <a:t>By Alim </a:t>
+              <a:rPr lang="en-US" dirty="0" smtClean="0">
+                <a:solidFill>
+                  <a:schemeClr val="bg1">
+                    <a:lumMod val="85000"/>
+                  </a:schemeClr>
+                </a:solidFill>
+              </a:rPr>
+              <a:t>By Alim &amp; Adnan</a:t>
             </a:r>
-            <a:r>
-              <a:rPr lang="en-US" smtClean="0"/>
-              <a:t>&amp; Adnan</a:t>
-            </a:r>
-            <a:endParaRPr lang="en-US" dirty="0"/>
+            <a:endParaRPr lang="en-US" dirty="0">
+              <a:solidFill>
+                <a:schemeClr val="bg1">
+                  <a:lumMod val="85000"/>
+                </a:schemeClr>
+              </a:solidFill>
+            </a:endParaRPr>
           </a:p>
         </p:txBody>
       </p:sp>
@@ -13326,6 +16176,2656 @@
   <p:clrMapOvr>
     <a:masterClrMapping/>
   </p:clrMapOvr>
+  <p:timing>
+    <p:tnLst>
+      <p:par>
+        <p:cTn id="1" dur="indefinite" restart="never" nodeType="tmRoot"/>
+      </p:par>
+    </p:tnLst>
+  </p:timing>
+</p:sld>
+</file>
+
+<file path=ppt/slides/slide10.xml><?xml version="1.0" encoding="utf-8"?>
+<p:sld xmlns:a="http://schemas.openxmlformats.org/drawingml/2006/main" xmlns:r="http://schemas.openxmlformats.org/officeDocument/2006/relationships" xmlns:p="http://schemas.openxmlformats.org/presentationml/2006/main">
+  <p:cSld>
+    <p:spTree>
+      <p:nvGrpSpPr>
+        <p:cNvPr id="1" name=""/>
+        <p:cNvGrpSpPr/>
+        <p:nvPr/>
+      </p:nvGrpSpPr>
+      <p:grpSpPr>
+        <a:xfrm>
+          <a:off x="0" y="0"/>
+          <a:ext cx="0" cy="0"/>
+          <a:chOff x="0" y="0"/>
+          <a:chExt cx="0" cy="0"/>
+        </a:xfrm>
+      </p:grpSpPr>
+      <p:sp>
+        <p:nvSpPr>
+          <p:cNvPr id="2" name="Title 1"/>
+          <p:cNvSpPr>
+            <a:spLocks noGrp="1"/>
+          </p:cNvSpPr>
+          <p:nvPr>
+            <p:ph type="title"/>
+          </p:nvPr>
+        </p:nvSpPr>
+        <p:spPr/>
+        <p:txBody>
+          <a:bodyPr/>
+          <a:lstStyle/>
+          <a:p>
+            <a:r>
+              <a:rPr lang="en-US" dirty="0" smtClean="0"/>
+              <a:t>Let’s see some demo in ASP.NET</a:t>
+            </a:r>
+            <a:endParaRPr lang="en-US" dirty="0"/>
+          </a:p>
+        </p:txBody>
+      </p:sp>
+      <p:sp>
+        <p:nvSpPr>
+          <p:cNvPr id="3" name="Text Placeholder 2"/>
+          <p:cNvSpPr>
+            <a:spLocks noGrp="1"/>
+          </p:cNvSpPr>
+          <p:nvPr>
+            <p:ph type="body" sz="half" idx="13"/>
+          </p:nvPr>
+        </p:nvSpPr>
+        <p:spPr/>
+        <p:txBody>
+          <a:bodyPr/>
+          <a:lstStyle/>
+          <a:p>
+            <a:endParaRPr lang="en-US"/>
+          </a:p>
+        </p:txBody>
+      </p:sp>
+      <p:sp>
+        <p:nvSpPr>
+          <p:cNvPr id="4" name="Text Placeholder 3"/>
+          <p:cNvSpPr>
+            <a:spLocks noGrp="1"/>
+          </p:cNvSpPr>
+          <p:nvPr>
+            <p:ph type="body" sz="half" idx="2"/>
+          </p:nvPr>
+        </p:nvSpPr>
+        <p:spPr/>
+        <p:txBody>
+          <a:bodyPr/>
+          <a:lstStyle/>
+          <a:p>
+            <a:endParaRPr lang="en-US"/>
+          </a:p>
+        </p:txBody>
+      </p:sp>
+    </p:spTree>
+    <p:extLst>
+      <p:ext uri="{BB962C8B-B14F-4D97-AF65-F5344CB8AC3E}">
+        <p14:creationId xmlns:p14="http://schemas.microsoft.com/office/powerpoint/2010/main" val="718661716"/>
+      </p:ext>
+    </p:extLst>
+  </p:cSld>
+  <p:clrMapOvr>
+    <a:masterClrMapping/>
+  </p:clrMapOvr>
+  <p:transition spd="slow">
+    <p:push dir="u"/>
+  </p:transition>
+  <p:timing>
+    <p:tnLst>
+      <p:par>
+        <p:cTn id="1" dur="indefinite" restart="never" nodeType="tmRoot"/>
+      </p:par>
+    </p:tnLst>
+  </p:timing>
+</p:sld>
+</file>
+
+<file path=ppt/slides/slide11.xml><?xml version="1.0" encoding="utf-8"?>
+<p:sld xmlns:a="http://schemas.openxmlformats.org/drawingml/2006/main" xmlns:r="http://schemas.openxmlformats.org/officeDocument/2006/relationships" xmlns:p="http://schemas.openxmlformats.org/presentationml/2006/main">
+  <p:cSld>
+    <p:spTree>
+      <p:nvGrpSpPr>
+        <p:cNvPr id="1" name=""/>
+        <p:cNvGrpSpPr/>
+        <p:nvPr/>
+      </p:nvGrpSpPr>
+      <p:grpSpPr>
+        <a:xfrm>
+          <a:off x="0" y="0"/>
+          <a:ext cx="0" cy="0"/>
+          <a:chOff x="0" y="0"/>
+          <a:chExt cx="0" cy="0"/>
+        </a:xfrm>
+      </p:grpSpPr>
+      <p:sp>
+        <p:nvSpPr>
+          <p:cNvPr id="2" name="Title 1"/>
+          <p:cNvSpPr>
+            <a:spLocks noGrp="1"/>
+          </p:cNvSpPr>
+          <p:nvPr>
+            <p:ph type="title"/>
+          </p:nvPr>
+        </p:nvSpPr>
+        <p:spPr/>
+        <p:txBody>
+          <a:bodyPr/>
+          <a:lstStyle/>
+          <a:p>
+            <a:r>
+              <a:rPr lang="en-US" dirty="0" smtClean="0"/>
+              <a:t>Let’s see some demo with our project</a:t>
+            </a:r>
+            <a:endParaRPr lang="en-US" dirty="0"/>
+          </a:p>
+        </p:txBody>
+      </p:sp>
+      <p:sp>
+        <p:nvSpPr>
+          <p:cNvPr id="3" name="Text Placeholder 2"/>
+          <p:cNvSpPr>
+            <a:spLocks noGrp="1"/>
+          </p:cNvSpPr>
+          <p:nvPr>
+            <p:ph type="body" sz="half" idx="13"/>
+          </p:nvPr>
+        </p:nvSpPr>
+        <p:spPr/>
+        <p:txBody>
+          <a:bodyPr/>
+          <a:lstStyle/>
+          <a:p>
+            <a:endParaRPr lang="en-US"/>
+          </a:p>
+        </p:txBody>
+      </p:sp>
+      <p:sp>
+        <p:nvSpPr>
+          <p:cNvPr id="4" name="Text Placeholder 3"/>
+          <p:cNvSpPr>
+            <a:spLocks noGrp="1"/>
+          </p:cNvSpPr>
+          <p:nvPr>
+            <p:ph type="body" sz="half" idx="2"/>
+          </p:nvPr>
+        </p:nvSpPr>
+        <p:spPr/>
+        <p:txBody>
+          <a:bodyPr/>
+          <a:lstStyle/>
+          <a:p>
+            <a:endParaRPr lang="en-US"/>
+          </a:p>
+        </p:txBody>
+      </p:sp>
+    </p:spTree>
+    <p:extLst>
+      <p:ext uri="{BB962C8B-B14F-4D97-AF65-F5344CB8AC3E}">
+        <p14:creationId xmlns:p14="http://schemas.microsoft.com/office/powerpoint/2010/main" val="2269273233"/>
+      </p:ext>
+    </p:extLst>
+  </p:cSld>
+  <p:clrMapOvr>
+    <a:masterClrMapping/>
+  </p:clrMapOvr>
+  <p:transition spd="slow">
+    <p:push dir="u"/>
+  </p:transition>
+  <p:timing>
+    <p:tnLst>
+      <p:par>
+        <p:cTn id="1" dur="indefinite" restart="never" nodeType="tmRoot"/>
+      </p:par>
+    </p:tnLst>
+  </p:timing>
+</p:sld>
+</file>
+
+<file path=ppt/slides/slide12.xml><?xml version="1.0" encoding="utf-8"?>
+<p:sld xmlns:a="http://schemas.openxmlformats.org/drawingml/2006/main" xmlns:r="http://schemas.openxmlformats.org/officeDocument/2006/relationships" xmlns:p="http://schemas.openxmlformats.org/presentationml/2006/main">
+  <p:cSld>
+    <p:spTree>
+      <p:nvGrpSpPr>
+        <p:cNvPr id="1" name=""/>
+        <p:cNvGrpSpPr/>
+        <p:nvPr/>
+      </p:nvGrpSpPr>
+      <p:grpSpPr>
+        <a:xfrm>
+          <a:off x="0" y="0"/>
+          <a:ext cx="0" cy="0"/>
+          <a:chOff x="0" y="0"/>
+          <a:chExt cx="0" cy="0"/>
+        </a:xfrm>
+      </p:grpSpPr>
+      <p:sp>
+        <p:nvSpPr>
+          <p:cNvPr id="2" name="Title 1"/>
+          <p:cNvSpPr>
+            <a:spLocks noGrp="1"/>
+          </p:cNvSpPr>
+          <p:nvPr>
+            <p:ph type="title"/>
+          </p:nvPr>
+        </p:nvSpPr>
+        <p:spPr/>
+        <p:txBody>
+          <a:bodyPr/>
+          <a:lstStyle/>
+          <a:p>
+            <a:r>
+              <a:rPr lang="en-US" dirty="0" smtClean="0"/>
+              <a:t>We did a lot of optimization in Db as well as writing your own code.</a:t>
+            </a:r>
+            <a:endParaRPr lang="en-US" dirty="0"/>
+          </a:p>
+        </p:txBody>
+      </p:sp>
+      <p:sp>
+        <p:nvSpPr>
+          <p:cNvPr id="3" name="Text Placeholder 2"/>
+          <p:cNvSpPr>
+            <a:spLocks noGrp="1"/>
+          </p:cNvSpPr>
+          <p:nvPr>
+            <p:ph type="body" sz="half" idx="13"/>
+          </p:nvPr>
+        </p:nvSpPr>
+        <p:spPr/>
+        <p:txBody>
+          <a:bodyPr/>
+          <a:lstStyle/>
+          <a:p>
+            <a:endParaRPr lang="en-US"/>
+          </a:p>
+        </p:txBody>
+      </p:sp>
+      <p:sp>
+        <p:nvSpPr>
+          <p:cNvPr id="4" name="Text Placeholder 3"/>
+          <p:cNvSpPr>
+            <a:spLocks noGrp="1"/>
+          </p:cNvSpPr>
+          <p:nvPr>
+            <p:ph type="body" sz="half" idx="2"/>
+          </p:nvPr>
+        </p:nvSpPr>
+        <p:spPr/>
+        <p:txBody>
+          <a:bodyPr/>
+          <a:lstStyle/>
+          <a:p>
+            <a:endParaRPr lang="en-US"/>
+          </a:p>
+        </p:txBody>
+      </p:sp>
+    </p:spTree>
+    <p:extLst>
+      <p:ext uri="{BB962C8B-B14F-4D97-AF65-F5344CB8AC3E}">
+        <p14:creationId xmlns:p14="http://schemas.microsoft.com/office/powerpoint/2010/main" val="1099627861"/>
+      </p:ext>
+    </p:extLst>
+  </p:cSld>
+  <p:clrMapOvr>
+    <a:masterClrMapping/>
+  </p:clrMapOvr>
+  <p:transition spd="slow">
+    <p:push dir="u"/>
+  </p:transition>
+  <p:timing>
+    <p:tnLst>
+      <p:par>
+        <p:cTn id="1" dur="indefinite" restart="never" nodeType="tmRoot"/>
+      </p:par>
+    </p:tnLst>
+  </p:timing>
+</p:sld>
+</file>
+
+<file path=ppt/slides/slide13.xml><?xml version="1.0" encoding="utf-8"?>
+<p:sld xmlns:a="http://schemas.openxmlformats.org/drawingml/2006/main" xmlns:r="http://schemas.openxmlformats.org/officeDocument/2006/relationships" xmlns:p="http://schemas.openxmlformats.org/presentationml/2006/main">
+  <p:cSld>
+    <p:spTree>
+      <p:nvGrpSpPr>
+        <p:cNvPr id="1" name=""/>
+        <p:cNvGrpSpPr/>
+        <p:nvPr/>
+      </p:nvGrpSpPr>
+      <p:grpSpPr>
+        <a:xfrm>
+          <a:off x="0" y="0"/>
+          <a:ext cx="0" cy="0"/>
+          <a:chOff x="0" y="0"/>
+          <a:chExt cx="0" cy="0"/>
+        </a:xfrm>
+      </p:grpSpPr>
+      <p:sp>
+        <p:nvSpPr>
+          <p:cNvPr id="2" name="Title 1"/>
+          <p:cNvSpPr>
+            <a:spLocks noGrp="1"/>
+          </p:cNvSpPr>
+          <p:nvPr>
+            <p:ph type="title"/>
+          </p:nvPr>
+        </p:nvSpPr>
+        <p:spPr/>
+        <p:txBody>
+          <a:bodyPr/>
+          <a:lstStyle/>
+          <a:p>
+            <a:r>
+              <a:rPr lang="en-US" dirty="0"/>
+              <a:t>Feasibility Analysis </a:t>
+            </a:r>
+          </a:p>
+        </p:txBody>
+      </p:sp>
+      <p:sp>
+        <p:nvSpPr>
+          <p:cNvPr id="3" name="Text Placeholder 2"/>
+          <p:cNvSpPr>
+            <a:spLocks noGrp="1"/>
+          </p:cNvSpPr>
+          <p:nvPr>
+            <p:ph type="body" sz="half" idx="2"/>
+          </p:nvPr>
+        </p:nvSpPr>
+        <p:spPr>
+          <a:xfrm>
+            <a:off x="1148798" y="2590262"/>
+            <a:ext cx="8825659" cy="4267737"/>
+          </a:xfrm>
+        </p:spPr>
+        <p:txBody>
+          <a:bodyPr/>
+          <a:lstStyle/>
+          <a:p>
+            <a:pPr marL="285750" indent="-285750">
+              <a:buFont typeface="Arial" panose="020B0604020202020204" pitchFamily="34" charset="0"/>
+              <a:buChar char="•"/>
+            </a:pPr>
+            <a:r>
+              <a:rPr lang="en-US" dirty="0" smtClean="0"/>
+              <a:t>Feasibility is a very important issue we had to tackle for this project. Since our software is meant with the developer in mind.</a:t>
+            </a:r>
+          </a:p>
+          <a:p>
+            <a:pPr marL="285750" indent="-285750">
+              <a:buFont typeface="Arial" panose="020B0604020202020204" pitchFamily="34" charset="0"/>
+              <a:buChar char="•"/>
+            </a:pPr>
+            <a:r>
+              <a:rPr lang="en-US" dirty="0" smtClean="0"/>
+              <a:t>Our main concern is to do with operations </a:t>
+            </a:r>
+            <a:r>
+              <a:rPr lang="en-US" dirty="0" err="1" smtClean="0"/>
+              <a:t>feasibilty</a:t>
+            </a:r>
+            <a:endParaRPr lang="en-US" dirty="0"/>
+          </a:p>
+        </p:txBody>
+      </p:sp>
+    </p:spTree>
+    <p:extLst>
+      <p:ext uri="{BB962C8B-B14F-4D97-AF65-F5344CB8AC3E}">
+        <p14:creationId xmlns:p14="http://schemas.microsoft.com/office/powerpoint/2010/main" val="2290851250"/>
+      </p:ext>
+    </p:extLst>
+  </p:cSld>
+  <p:clrMapOvr>
+    <a:masterClrMapping/>
+  </p:clrMapOvr>
+  <p:transition spd="slow">
+    <p:wipe/>
+  </p:transition>
+  <p:timing>
+    <p:tnLst>
+      <p:par>
+        <p:cTn id="1" dur="indefinite" restart="never" nodeType="tmRoot"/>
+      </p:par>
+    </p:tnLst>
+  </p:timing>
+</p:sld>
+</file>
+
+<file path=ppt/slides/slide14.xml><?xml version="1.0" encoding="utf-8"?>
+<p:sld xmlns:a="http://schemas.openxmlformats.org/drawingml/2006/main" xmlns:r="http://schemas.openxmlformats.org/officeDocument/2006/relationships" xmlns:p="http://schemas.openxmlformats.org/presentationml/2006/main">
+  <p:cSld>
+    <p:spTree>
+      <p:nvGrpSpPr>
+        <p:cNvPr id="1" name=""/>
+        <p:cNvGrpSpPr/>
+        <p:nvPr/>
+      </p:nvGrpSpPr>
+      <p:grpSpPr>
+        <a:xfrm>
+          <a:off x="0" y="0"/>
+          <a:ext cx="0" cy="0"/>
+          <a:chOff x="0" y="0"/>
+          <a:chExt cx="0" cy="0"/>
+        </a:xfrm>
+      </p:grpSpPr>
+      <p:sp>
+        <p:nvSpPr>
+          <p:cNvPr id="2" name="Title 1"/>
+          <p:cNvSpPr>
+            <a:spLocks noGrp="1"/>
+          </p:cNvSpPr>
+          <p:nvPr>
+            <p:ph type="title"/>
+          </p:nvPr>
+        </p:nvSpPr>
+        <p:spPr/>
+        <p:txBody>
+          <a:bodyPr/>
+          <a:lstStyle/>
+          <a:p>
+            <a:r>
+              <a:rPr lang="en-US" dirty="0"/>
+              <a:t>Feasibility Analysis </a:t>
+            </a:r>
+            <a:r>
+              <a:rPr lang="en-US" dirty="0" smtClean="0"/>
+              <a:t>(Continued)</a:t>
+            </a:r>
+            <a:endParaRPr lang="en-US" dirty="0"/>
+          </a:p>
+        </p:txBody>
+      </p:sp>
+      <p:sp>
+        <p:nvSpPr>
+          <p:cNvPr id="3" name="Text Placeholder 2"/>
+          <p:cNvSpPr>
+            <a:spLocks noGrp="1"/>
+          </p:cNvSpPr>
+          <p:nvPr>
+            <p:ph type="body" sz="half" idx="2"/>
+          </p:nvPr>
+        </p:nvSpPr>
+        <p:spPr>
+          <a:xfrm>
+            <a:off x="1148798" y="2590262"/>
+            <a:ext cx="8825659" cy="4267737"/>
+          </a:xfrm>
+        </p:spPr>
+        <p:txBody>
+          <a:bodyPr/>
+          <a:lstStyle/>
+          <a:p>
+            <a:pPr marL="285750" indent="-285750">
+              <a:buFont typeface="Arial" panose="020B0604020202020204" pitchFamily="34" charset="0"/>
+              <a:buChar char="•"/>
+            </a:pPr>
+            <a:r>
+              <a:rPr lang="en-US" dirty="0" smtClean="0"/>
+              <a:t>Operations Feasibility: Keeping in mind that the developers will be able to successfully use our plugins. We did a lot of helpful gestures that will guide developers in choosing which plugin will do the job and where it is. If Developers do face any issue, they can look up to the manual which clearly states which plugin accomplishes which task with an example to clarify further. </a:t>
+            </a:r>
+          </a:p>
+        </p:txBody>
+      </p:sp>
+    </p:spTree>
+    <p:extLst>
+      <p:ext uri="{BB962C8B-B14F-4D97-AF65-F5344CB8AC3E}">
+        <p14:creationId xmlns:p14="http://schemas.microsoft.com/office/powerpoint/2010/main" val="4257093355"/>
+      </p:ext>
+    </p:extLst>
+  </p:cSld>
+  <p:clrMapOvr>
+    <a:masterClrMapping/>
+  </p:clrMapOvr>
+  <p:transition spd="slow">
+    <p:wipe/>
+  </p:transition>
+  <p:timing>
+    <p:tnLst>
+      <p:par>
+        <p:cTn id="1" dur="indefinite" restart="never" nodeType="tmRoot"/>
+      </p:par>
+    </p:tnLst>
+  </p:timing>
+</p:sld>
+</file>
+
+<file path=ppt/slides/slide15.xml><?xml version="1.0" encoding="utf-8"?>
+<p:sld xmlns:a="http://schemas.openxmlformats.org/drawingml/2006/main" xmlns:r="http://schemas.openxmlformats.org/officeDocument/2006/relationships" xmlns:p="http://schemas.openxmlformats.org/presentationml/2006/main">
+  <p:cSld>
+    <p:spTree>
+      <p:nvGrpSpPr>
+        <p:cNvPr id="1" name=""/>
+        <p:cNvGrpSpPr/>
+        <p:nvPr/>
+      </p:nvGrpSpPr>
+      <p:grpSpPr>
+        <a:xfrm>
+          <a:off x="0" y="0"/>
+          <a:ext cx="0" cy="0"/>
+          <a:chOff x="0" y="0"/>
+          <a:chExt cx="0" cy="0"/>
+        </a:xfrm>
+      </p:grpSpPr>
+      <p:sp>
+        <p:nvSpPr>
+          <p:cNvPr id="2" name="Title 1"/>
+          <p:cNvSpPr>
+            <a:spLocks noGrp="1"/>
+          </p:cNvSpPr>
+          <p:nvPr>
+            <p:ph type="title"/>
+          </p:nvPr>
+        </p:nvSpPr>
+        <p:spPr/>
+        <p:txBody>
+          <a:bodyPr/>
+          <a:lstStyle/>
+          <a:p>
+            <a:r>
+              <a:rPr lang="en-US" dirty="0"/>
+              <a:t>Feasibility Analysis </a:t>
+            </a:r>
+            <a:r>
+              <a:rPr lang="en-US" dirty="0" smtClean="0"/>
+              <a:t>(Continued)</a:t>
+            </a:r>
+            <a:endParaRPr lang="en-US" dirty="0"/>
+          </a:p>
+        </p:txBody>
+      </p:sp>
+      <p:sp>
+        <p:nvSpPr>
+          <p:cNvPr id="3" name="Text Placeholder 2"/>
+          <p:cNvSpPr>
+            <a:spLocks noGrp="1"/>
+          </p:cNvSpPr>
+          <p:nvPr>
+            <p:ph type="body" sz="half" idx="2"/>
+          </p:nvPr>
+        </p:nvSpPr>
+        <p:spPr>
+          <a:xfrm>
+            <a:off x="1148798" y="2590262"/>
+            <a:ext cx="8825659" cy="4267737"/>
+          </a:xfrm>
+        </p:spPr>
+        <p:txBody>
+          <a:bodyPr/>
+          <a:lstStyle/>
+          <a:p>
+            <a:pPr marL="285750" indent="-285750">
+              <a:buFont typeface="Arial" panose="020B0604020202020204" pitchFamily="34" charset="0"/>
+              <a:buChar char="•"/>
+            </a:pPr>
+            <a:r>
+              <a:rPr lang="en-US" dirty="0" smtClean="0"/>
+              <a:t>Technical Feasibility: This is another area which is critical to our system. Will our plugins be able to support a wide range of system? In order to tackle this, we went to some software developers and showed them the plugin and asked them to implement it.</a:t>
+            </a:r>
+          </a:p>
+          <a:p>
+            <a:pPr marL="285750" indent="-285750">
+              <a:buFont typeface="Arial" panose="020B0604020202020204" pitchFamily="34" charset="0"/>
+              <a:buChar char="•"/>
+            </a:pPr>
+            <a:endParaRPr lang="en-US" dirty="0"/>
+          </a:p>
+          <a:p>
+            <a:pPr marL="285750" indent="-285750">
+              <a:buFont typeface="Arial" panose="020B0604020202020204" pitchFamily="34" charset="0"/>
+              <a:buChar char="•"/>
+            </a:pPr>
+            <a:r>
+              <a:rPr lang="en-US" dirty="0" smtClean="0"/>
+              <a:t>Results: Over 78% of our test applicants were able to successfully implement it without even looking at the user manual for assistance. </a:t>
+            </a:r>
+          </a:p>
+        </p:txBody>
+      </p:sp>
+    </p:spTree>
+    <p:extLst>
+      <p:ext uri="{BB962C8B-B14F-4D97-AF65-F5344CB8AC3E}">
+        <p14:creationId xmlns:p14="http://schemas.microsoft.com/office/powerpoint/2010/main" val="3620840641"/>
+      </p:ext>
+    </p:extLst>
+  </p:cSld>
+  <p:clrMapOvr>
+    <a:masterClrMapping/>
+  </p:clrMapOvr>
+  <p:transition spd="slow">
+    <p:wipe/>
+  </p:transition>
+  <p:timing>
+    <p:tnLst>
+      <p:par>
+        <p:cTn id="1" dur="indefinite" restart="never" nodeType="tmRoot"/>
+      </p:par>
+    </p:tnLst>
+  </p:timing>
+</p:sld>
+</file>
+
+<file path=ppt/slides/slide16.xml><?xml version="1.0" encoding="utf-8"?>
+<p:sld xmlns:a="http://schemas.openxmlformats.org/drawingml/2006/main" xmlns:r="http://schemas.openxmlformats.org/officeDocument/2006/relationships" xmlns:p="http://schemas.openxmlformats.org/presentationml/2006/main">
+  <p:cSld>
+    <p:spTree>
+      <p:nvGrpSpPr>
+        <p:cNvPr id="1" name=""/>
+        <p:cNvGrpSpPr/>
+        <p:nvPr/>
+      </p:nvGrpSpPr>
+      <p:grpSpPr>
+        <a:xfrm>
+          <a:off x="0" y="0"/>
+          <a:ext cx="0" cy="0"/>
+          <a:chOff x="0" y="0"/>
+          <a:chExt cx="0" cy="0"/>
+        </a:xfrm>
+      </p:grpSpPr>
+      <p:sp>
+        <p:nvSpPr>
+          <p:cNvPr id="2" name="Title 1"/>
+          <p:cNvSpPr>
+            <a:spLocks noGrp="1"/>
+          </p:cNvSpPr>
+          <p:nvPr>
+            <p:ph type="title"/>
+          </p:nvPr>
+        </p:nvSpPr>
+        <p:spPr/>
+        <p:txBody>
+          <a:bodyPr/>
+          <a:lstStyle/>
+          <a:p>
+            <a:r>
+              <a:rPr lang="en-US" dirty="0"/>
+              <a:t>Feasibility Analysis </a:t>
+            </a:r>
+            <a:r>
+              <a:rPr lang="en-US" dirty="0" smtClean="0"/>
+              <a:t>(Continued)</a:t>
+            </a:r>
+            <a:endParaRPr lang="en-US" dirty="0"/>
+          </a:p>
+        </p:txBody>
+      </p:sp>
+      <p:sp>
+        <p:nvSpPr>
+          <p:cNvPr id="3" name="Text Placeholder 2"/>
+          <p:cNvSpPr>
+            <a:spLocks noGrp="1"/>
+          </p:cNvSpPr>
+          <p:nvPr>
+            <p:ph type="body" sz="half" idx="2"/>
+          </p:nvPr>
+        </p:nvSpPr>
+        <p:spPr>
+          <a:xfrm>
+            <a:off x="1148798" y="2590262"/>
+            <a:ext cx="8825659" cy="4267737"/>
+          </a:xfrm>
+        </p:spPr>
+        <p:txBody>
+          <a:bodyPr/>
+          <a:lstStyle/>
+          <a:p>
+            <a:pPr marL="285750" indent="-285750">
+              <a:buFont typeface="Arial" panose="020B0604020202020204" pitchFamily="34" charset="0"/>
+              <a:buChar char="•"/>
+            </a:pPr>
+            <a:r>
+              <a:rPr lang="en-US" dirty="0" smtClean="0"/>
+              <a:t>We managed to make the system easy to use, understand, implement and tested on a wide range of systems. This is a continued process has to be said, the more users use it, the more data and feedback we get which will further refine the system. </a:t>
+            </a:r>
+          </a:p>
+        </p:txBody>
+      </p:sp>
+    </p:spTree>
+    <p:extLst>
+      <p:ext uri="{BB962C8B-B14F-4D97-AF65-F5344CB8AC3E}">
+        <p14:creationId xmlns:p14="http://schemas.microsoft.com/office/powerpoint/2010/main" val="4029967921"/>
+      </p:ext>
+    </p:extLst>
+  </p:cSld>
+  <p:clrMapOvr>
+    <a:masterClrMapping/>
+  </p:clrMapOvr>
+  <p:transition spd="slow">
+    <p:wipe/>
+  </p:transition>
+  <p:timing>
+    <p:tnLst>
+      <p:par>
+        <p:cTn id="1" dur="indefinite" restart="never" nodeType="tmRoot"/>
+      </p:par>
+    </p:tnLst>
+  </p:timing>
+</p:sld>
+</file>
+
+<file path=ppt/slides/slide17.xml><?xml version="1.0" encoding="utf-8"?>
+<p:sld xmlns:a="http://schemas.openxmlformats.org/drawingml/2006/main" xmlns:r="http://schemas.openxmlformats.org/officeDocument/2006/relationships" xmlns:p="http://schemas.openxmlformats.org/presentationml/2006/main">
+  <p:cSld>
+    <p:spTree>
+      <p:nvGrpSpPr>
+        <p:cNvPr id="1" name=""/>
+        <p:cNvGrpSpPr/>
+        <p:nvPr/>
+      </p:nvGrpSpPr>
+      <p:grpSpPr>
+        <a:xfrm>
+          <a:off x="0" y="0"/>
+          <a:ext cx="0" cy="0"/>
+          <a:chOff x="0" y="0"/>
+          <a:chExt cx="0" cy="0"/>
+        </a:xfrm>
+      </p:grpSpPr>
+      <p:sp>
+        <p:nvSpPr>
+          <p:cNvPr id="2" name="Title 1"/>
+          <p:cNvSpPr>
+            <a:spLocks noGrp="1"/>
+          </p:cNvSpPr>
+          <p:nvPr>
+            <p:ph type="title"/>
+          </p:nvPr>
+        </p:nvSpPr>
+        <p:spPr/>
+        <p:txBody>
+          <a:bodyPr/>
+          <a:lstStyle/>
+          <a:p>
+            <a:r>
+              <a:rPr lang="en-US" dirty="0"/>
+              <a:t>Return on Investment</a:t>
+            </a:r>
+          </a:p>
+        </p:txBody>
+      </p:sp>
+      <p:sp>
+        <p:nvSpPr>
+          <p:cNvPr id="3" name="Text Placeholder 2"/>
+          <p:cNvSpPr>
+            <a:spLocks noGrp="1"/>
+          </p:cNvSpPr>
+          <p:nvPr>
+            <p:ph type="body" sz="half" idx="2"/>
+          </p:nvPr>
+        </p:nvSpPr>
+        <p:spPr/>
+        <p:txBody>
+          <a:bodyPr anchor="t"/>
+          <a:lstStyle/>
+          <a:p>
+            <a:pPr marL="342900" indent="-342900">
+              <a:buFont typeface="+mj-lt"/>
+              <a:buAutoNum type="arabicPeriod"/>
+            </a:pPr>
+            <a:r>
+              <a:rPr lang="en-US" dirty="0" smtClean="0"/>
+              <a:t>Our main concept of ROI is </a:t>
+            </a:r>
+            <a:r>
+              <a:rPr lang="en-US" b="1" u="sng" dirty="0" smtClean="0"/>
+              <a:t>donation</a:t>
+            </a:r>
+            <a:r>
+              <a:rPr lang="en-US" dirty="0" smtClean="0"/>
+              <a:t>.</a:t>
+            </a:r>
+          </a:p>
+          <a:p>
+            <a:pPr marL="342900" indent="-342900">
+              <a:buFont typeface="+mj-lt"/>
+              <a:buAutoNum type="arabicPeriod"/>
+            </a:pPr>
+            <a:r>
+              <a:rPr lang="en-US" dirty="0" smtClean="0"/>
+              <a:t>It’s an </a:t>
+            </a:r>
+            <a:r>
+              <a:rPr lang="en-US" b="1" u="sng" dirty="0" smtClean="0"/>
+              <a:t>open source</a:t>
+            </a:r>
+            <a:r>
+              <a:rPr lang="en-US" dirty="0" smtClean="0"/>
+              <a:t> system you can download and use it from </a:t>
+            </a:r>
+            <a:r>
+              <a:rPr lang="en-US" dirty="0" err="1" smtClean="0"/>
+              <a:t>github</a:t>
+            </a:r>
+            <a:r>
+              <a:rPr lang="en-US" dirty="0" smtClean="0"/>
+              <a:t>.</a:t>
+            </a:r>
+          </a:p>
+          <a:p>
+            <a:pPr marL="342900" indent="-342900">
+              <a:buFont typeface="+mj-lt"/>
+              <a:buAutoNum type="arabicPeriod"/>
+            </a:pPr>
+            <a:r>
+              <a:rPr lang="en-US" dirty="0" smtClean="0"/>
+              <a:t>Maybe in </a:t>
+            </a:r>
+            <a:r>
+              <a:rPr lang="en-US" b="1" u="sng" dirty="0" smtClean="0"/>
+              <a:t>future</a:t>
+            </a:r>
+            <a:r>
+              <a:rPr lang="en-US" dirty="0" smtClean="0"/>
+              <a:t> we will include </a:t>
+            </a:r>
+            <a:r>
+              <a:rPr lang="en-US" b="1" u="sng" dirty="0" smtClean="0"/>
+              <a:t>advertisement concept.</a:t>
+            </a:r>
+            <a:endParaRPr lang="en-US" b="1" u="sng" dirty="0"/>
+          </a:p>
+        </p:txBody>
+      </p:sp>
+    </p:spTree>
+    <p:extLst>
+      <p:ext uri="{BB962C8B-B14F-4D97-AF65-F5344CB8AC3E}">
+        <p14:creationId xmlns:p14="http://schemas.microsoft.com/office/powerpoint/2010/main" val="3039302811"/>
+      </p:ext>
+    </p:extLst>
+  </p:cSld>
+  <p:clrMapOvr>
+    <a:masterClrMapping/>
+  </p:clrMapOvr>
+  <p:transition spd="slow">
+    <p:wipe/>
+  </p:transition>
+  <p:timing>
+    <p:tnLst>
+      <p:par>
+        <p:cTn id="1" dur="indefinite" restart="never" nodeType="tmRoot"/>
+      </p:par>
+    </p:tnLst>
+  </p:timing>
+</p:sld>
+</file>
+
+<file path=ppt/slides/slide18.xml><?xml version="1.0" encoding="utf-8"?>
+<p:sld xmlns:a="http://schemas.openxmlformats.org/drawingml/2006/main" xmlns:r="http://schemas.openxmlformats.org/officeDocument/2006/relationships" xmlns:p="http://schemas.openxmlformats.org/presentationml/2006/main">
+  <p:cSld>
+    <p:spTree>
+      <p:nvGrpSpPr>
+        <p:cNvPr id="1" name=""/>
+        <p:cNvGrpSpPr/>
+        <p:nvPr/>
+      </p:nvGrpSpPr>
+      <p:grpSpPr>
+        <a:xfrm>
+          <a:off x="0" y="0"/>
+          <a:ext cx="0" cy="0"/>
+          <a:chOff x="0" y="0"/>
+          <a:chExt cx="0" cy="0"/>
+        </a:xfrm>
+      </p:grpSpPr>
+      <p:sp>
+        <p:nvSpPr>
+          <p:cNvPr id="2" name="TextBox 1"/>
+          <p:cNvSpPr txBox="1"/>
+          <p:nvPr/>
+        </p:nvSpPr>
+        <p:spPr>
+          <a:xfrm>
+            <a:off x="1738646" y="2859110"/>
+            <a:ext cx="9156879" cy="830997"/>
+          </a:xfrm>
+          <a:prstGeom prst="rect">
+            <a:avLst/>
+          </a:prstGeom>
+          <a:noFill/>
+        </p:spPr>
+        <p:txBody>
+          <a:bodyPr wrap="square" rtlCol="0">
+            <a:spAutoFit/>
+          </a:bodyPr>
+          <a:lstStyle/>
+          <a:p>
+            <a:pPr algn="ctr"/>
+            <a:r>
+              <a:rPr lang="en-US" sz="4800" dirty="0" smtClean="0"/>
+              <a:t>Thank you</a:t>
+            </a:r>
+            <a:endParaRPr lang="en-US" sz="4800" dirty="0"/>
+          </a:p>
+        </p:txBody>
+      </p:sp>
+    </p:spTree>
+    <p:extLst>
+      <p:ext uri="{BB962C8B-B14F-4D97-AF65-F5344CB8AC3E}">
+        <p14:creationId xmlns:p14="http://schemas.microsoft.com/office/powerpoint/2010/main" val="3747281335"/>
+      </p:ext>
+    </p:extLst>
+  </p:cSld>
+  <p:clrMapOvr>
+    <a:masterClrMapping/>
+  </p:clrMapOvr>
+  <p:timing>
+    <p:tnLst>
+      <p:par>
+        <p:cTn id="1" dur="indefinite" restart="never" nodeType="tmRoot"/>
+      </p:par>
+    </p:tnLst>
+  </p:timing>
+</p:sld>
+</file>
+
+<file path=ppt/slides/slide19.xml><?xml version="1.0" encoding="utf-8"?>
+<p:sld xmlns:a="http://schemas.openxmlformats.org/drawingml/2006/main" xmlns:r="http://schemas.openxmlformats.org/officeDocument/2006/relationships" xmlns:p="http://schemas.openxmlformats.org/presentationml/2006/main">
+  <p:cSld>
+    <p:spTree>
+      <p:nvGrpSpPr>
+        <p:cNvPr id="1" name=""/>
+        <p:cNvGrpSpPr/>
+        <p:nvPr/>
+      </p:nvGrpSpPr>
+      <p:grpSpPr>
+        <a:xfrm>
+          <a:off x="0" y="0"/>
+          <a:ext cx="0" cy="0"/>
+          <a:chOff x="0" y="0"/>
+          <a:chExt cx="0" cy="0"/>
+        </a:xfrm>
+      </p:grpSpPr>
+      <p:sp>
+        <p:nvSpPr>
+          <p:cNvPr id="2" name="TextBox 1"/>
+          <p:cNvSpPr txBox="1"/>
+          <p:nvPr/>
+        </p:nvSpPr>
+        <p:spPr>
+          <a:xfrm>
+            <a:off x="1738646" y="2859110"/>
+            <a:ext cx="9156879" cy="830997"/>
+          </a:xfrm>
+          <a:prstGeom prst="rect">
+            <a:avLst/>
+          </a:prstGeom>
+          <a:noFill/>
+        </p:spPr>
+        <p:txBody>
+          <a:bodyPr wrap="square" rtlCol="0">
+            <a:spAutoFit/>
+          </a:bodyPr>
+          <a:lstStyle/>
+          <a:p>
+            <a:pPr algn="ctr"/>
+            <a:r>
+              <a:rPr lang="en-US" sz="4800" dirty="0" smtClean="0"/>
+              <a:t>Questions ?</a:t>
+            </a:r>
+            <a:endParaRPr lang="en-US" sz="4800" dirty="0"/>
+          </a:p>
+        </p:txBody>
+      </p:sp>
+    </p:spTree>
+    <p:extLst>
+      <p:ext uri="{BB962C8B-B14F-4D97-AF65-F5344CB8AC3E}">
+        <p14:creationId xmlns:p14="http://schemas.microsoft.com/office/powerpoint/2010/main" val="3549306236"/>
+      </p:ext>
+    </p:extLst>
+  </p:cSld>
+  <p:clrMapOvr>
+    <a:masterClrMapping/>
+  </p:clrMapOvr>
+  <p:timing>
+    <p:tnLst>
+      <p:par>
+        <p:cTn id="1" dur="indefinite" restart="never" nodeType="tmRoot"/>
+      </p:par>
+    </p:tnLst>
+  </p:timing>
+</p:sld>
+</file>
+
+<file path=ppt/slides/slide2.xml><?xml version="1.0" encoding="utf-8"?>
+<p:sld xmlns:a="http://schemas.openxmlformats.org/drawingml/2006/main" xmlns:r="http://schemas.openxmlformats.org/officeDocument/2006/relationships" xmlns:p="http://schemas.openxmlformats.org/presentationml/2006/main">
+  <p:cSld>
+    <p:spTree>
+      <p:nvGrpSpPr>
+        <p:cNvPr id="1" name=""/>
+        <p:cNvGrpSpPr/>
+        <p:nvPr/>
+      </p:nvGrpSpPr>
+      <p:grpSpPr>
+        <a:xfrm>
+          <a:off x="0" y="0"/>
+          <a:ext cx="0" cy="0"/>
+          <a:chOff x="0" y="0"/>
+          <a:chExt cx="0" cy="0"/>
+        </a:xfrm>
+      </p:grpSpPr>
+      <p:sp>
+        <p:nvSpPr>
+          <p:cNvPr id="2" name="Title 1"/>
+          <p:cNvSpPr>
+            <a:spLocks noGrp="1"/>
+          </p:cNvSpPr>
+          <p:nvPr>
+            <p:ph type="title"/>
+          </p:nvPr>
+        </p:nvSpPr>
+        <p:spPr/>
+        <p:txBody>
+          <a:bodyPr/>
+          <a:lstStyle/>
+          <a:p>
+            <a:r>
+              <a:rPr lang="en-US" dirty="0" smtClean="0"/>
+              <a:t>SDLC	</a:t>
+            </a:r>
+            <a:endParaRPr lang="en-US" dirty="0"/>
+          </a:p>
+        </p:txBody>
+      </p:sp>
+      <p:sp>
+        <p:nvSpPr>
+          <p:cNvPr id="3" name="Content Placeholder 2"/>
+          <p:cNvSpPr>
+            <a:spLocks noGrp="1"/>
+          </p:cNvSpPr>
+          <p:nvPr>
+            <p:ph idx="1"/>
+          </p:nvPr>
+        </p:nvSpPr>
+        <p:spPr/>
+        <p:txBody>
+          <a:bodyPr>
+            <a:normAutofit fontScale="92500" lnSpcReduction="20000"/>
+          </a:bodyPr>
+          <a:lstStyle/>
+          <a:p>
+            <a:r>
+              <a:rPr lang="en-US" dirty="0" smtClean="0"/>
+              <a:t>Analyze the problem</a:t>
+            </a:r>
+          </a:p>
+          <a:p>
+            <a:pPr lvl="1"/>
+            <a:r>
+              <a:rPr lang="en-US" dirty="0" smtClean="0"/>
+              <a:t>Feasibility Analysis</a:t>
+            </a:r>
+          </a:p>
+          <a:p>
+            <a:pPr lvl="1"/>
+            <a:r>
+              <a:rPr lang="en-US" dirty="0" smtClean="0"/>
+              <a:t>Technical analysis</a:t>
+            </a:r>
+          </a:p>
+          <a:p>
+            <a:pPr lvl="1"/>
+            <a:r>
+              <a:rPr lang="en-US" dirty="0" smtClean="0"/>
+              <a:t>And so on.</a:t>
+            </a:r>
+          </a:p>
+          <a:p>
+            <a:r>
+              <a:rPr lang="en-US" dirty="0" smtClean="0"/>
+              <a:t>System Design - &gt; Database, Index, Automation</a:t>
+            </a:r>
+          </a:p>
+          <a:p>
+            <a:r>
+              <a:rPr lang="en-US" dirty="0" smtClean="0"/>
+              <a:t>System Build -&gt; UI, UX</a:t>
+            </a:r>
+          </a:p>
+          <a:p>
+            <a:r>
+              <a:rPr lang="en-US" dirty="0" smtClean="0"/>
+              <a:t>Programming</a:t>
+            </a:r>
+          </a:p>
+          <a:p>
+            <a:r>
+              <a:rPr lang="en-US" dirty="0" smtClean="0"/>
+              <a:t>Conversion</a:t>
+            </a:r>
+          </a:p>
+          <a:p>
+            <a:r>
+              <a:rPr lang="en-US" dirty="0" smtClean="0"/>
+              <a:t>Production Maintenance</a:t>
+            </a:r>
+          </a:p>
+          <a:p>
+            <a:r>
+              <a:rPr lang="en-US" dirty="0" smtClean="0"/>
+              <a:t>Testing </a:t>
+            </a:r>
+          </a:p>
+          <a:p>
+            <a:endParaRPr lang="en-US" dirty="0" smtClean="0"/>
+          </a:p>
+          <a:p>
+            <a:endParaRPr lang="en-US" dirty="0"/>
+          </a:p>
+        </p:txBody>
+      </p:sp>
+    </p:spTree>
+    <p:extLst>
+      <p:ext uri="{BB962C8B-B14F-4D97-AF65-F5344CB8AC3E}">
+        <p14:creationId xmlns:p14="http://schemas.microsoft.com/office/powerpoint/2010/main" val="3958559629"/>
+      </p:ext>
+    </p:extLst>
+  </p:cSld>
+  <p:clrMapOvr>
+    <a:masterClrMapping/>
+  </p:clrMapOvr>
+  <mc:AlternateContent xmlns:mc="http://schemas.openxmlformats.org/markup-compatibility/2006">
+    <mc:Choice xmlns:p14="http://schemas.microsoft.com/office/powerpoint/2010/main" Requires="p14">
+      <p:transition spd="slow" p14:dur="3400">
+        <p14:reveal/>
+      </p:transition>
+    </mc:Choice>
+    <mc:Fallback>
+      <p:transition spd="slow">
+        <p:fade/>
+      </p:transition>
+    </mc:Fallback>
+  </mc:AlternateContent>
+  <p:timing>
+    <p:tnLst>
+      <p:par>
+        <p:cTn id="1" dur="indefinite" restart="never" nodeType="tmRoot">
+          <p:childTnLst>
+            <p:seq concurrent="1" nextAc="seek">
+              <p:cTn id="2" dur="indefinite" nodeType="mainSeq">
+                <p:childTnLst>
+                  <p:par>
+                    <p:cTn id="3" fill="hold">
+                      <p:stCondLst>
+                        <p:cond delay="indefinite"/>
+                      </p:stCondLst>
+                      <p:childTnLst>
+                        <p:par>
+                          <p:cTn id="4" fill="hold">
+                            <p:stCondLst>
+                              <p:cond delay="0"/>
+                            </p:stCondLst>
+                            <p:childTnLst>
+                              <p:par>
+                                <p:cTn id="5" presetID="10" presetClass="entr" presetSubtype="0" fill="hold" grpId="0" nodeType="clickEffect">
+                                  <p:stCondLst>
+                                    <p:cond delay="0"/>
+                                  </p:stCondLst>
+                                  <p:childTnLst>
+                                    <p:set>
+                                      <p:cBhvr>
+                                        <p:cTn id="6" dur="1" fill="hold">
+                                          <p:stCondLst>
+                                            <p:cond delay="0"/>
+                                          </p:stCondLst>
+                                        </p:cTn>
+                                        <p:tgtEl>
+                                          <p:spTgt spid="3">
+                                            <p:txEl>
+                                              <p:pRg st="0" end="0"/>
+                                            </p:txEl>
+                                          </p:spTgt>
+                                        </p:tgtEl>
+                                        <p:attrNameLst>
+                                          <p:attrName>style.visibility</p:attrName>
+                                        </p:attrNameLst>
+                                      </p:cBhvr>
+                                      <p:to>
+                                        <p:strVal val="visible"/>
+                                      </p:to>
+                                    </p:set>
+                                    <p:animEffect transition="in" filter="fade">
+                                      <p:cBhvr>
+                                        <p:cTn id="7" dur="500"/>
+                                        <p:tgtEl>
+                                          <p:spTgt spid="3">
+                                            <p:txEl>
+                                              <p:pRg st="0" end="0"/>
+                                            </p:txEl>
+                                          </p:spTgt>
+                                        </p:tgtEl>
+                                      </p:cBhvr>
+                                    </p:animEffect>
+                                  </p:childTnLst>
+                                </p:cTn>
+                              </p:par>
+                              <p:par>
+                                <p:cTn id="8" presetID="10" presetClass="entr" presetSubtype="0" fill="hold" grpId="0" nodeType="withEffect">
+                                  <p:stCondLst>
+                                    <p:cond delay="0"/>
+                                  </p:stCondLst>
+                                  <p:childTnLst>
+                                    <p:set>
+                                      <p:cBhvr>
+                                        <p:cTn id="9" dur="1" fill="hold">
+                                          <p:stCondLst>
+                                            <p:cond delay="0"/>
+                                          </p:stCondLst>
+                                        </p:cTn>
+                                        <p:tgtEl>
+                                          <p:spTgt spid="3">
+                                            <p:txEl>
+                                              <p:pRg st="1" end="1"/>
+                                            </p:txEl>
+                                          </p:spTgt>
+                                        </p:tgtEl>
+                                        <p:attrNameLst>
+                                          <p:attrName>style.visibility</p:attrName>
+                                        </p:attrNameLst>
+                                      </p:cBhvr>
+                                      <p:to>
+                                        <p:strVal val="visible"/>
+                                      </p:to>
+                                    </p:set>
+                                    <p:animEffect transition="in" filter="fade">
+                                      <p:cBhvr>
+                                        <p:cTn id="10" dur="500"/>
+                                        <p:tgtEl>
+                                          <p:spTgt spid="3">
+                                            <p:txEl>
+                                              <p:pRg st="1" end="1"/>
+                                            </p:txEl>
+                                          </p:spTgt>
+                                        </p:tgtEl>
+                                      </p:cBhvr>
+                                    </p:animEffect>
+                                  </p:childTnLst>
+                                </p:cTn>
+                              </p:par>
+                              <p:par>
+                                <p:cTn id="11" presetID="10" presetClass="entr" presetSubtype="0" fill="hold" grpId="0" nodeType="withEffect">
+                                  <p:stCondLst>
+                                    <p:cond delay="0"/>
+                                  </p:stCondLst>
+                                  <p:childTnLst>
+                                    <p:set>
+                                      <p:cBhvr>
+                                        <p:cTn id="12" dur="1" fill="hold">
+                                          <p:stCondLst>
+                                            <p:cond delay="0"/>
+                                          </p:stCondLst>
+                                        </p:cTn>
+                                        <p:tgtEl>
+                                          <p:spTgt spid="3">
+                                            <p:txEl>
+                                              <p:pRg st="2" end="2"/>
+                                            </p:txEl>
+                                          </p:spTgt>
+                                        </p:tgtEl>
+                                        <p:attrNameLst>
+                                          <p:attrName>style.visibility</p:attrName>
+                                        </p:attrNameLst>
+                                      </p:cBhvr>
+                                      <p:to>
+                                        <p:strVal val="visible"/>
+                                      </p:to>
+                                    </p:set>
+                                    <p:animEffect transition="in" filter="fade">
+                                      <p:cBhvr>
+                                        <p:cTn id="13" dur="500"/>
+                                        <p:tgtEl>
+                                          <p:spTgt spid="3">
+                                            <p:txEl>
+                                              <p:pRg st="2" end="2"/>
+                                            </p:txEl>
+                                          </p:spTgt>
+                                        </p:tgtEl>
+                                      </p:cBhvr>
+                                    </p:animEffect>
+                                  </p:childTnLst>
+                                </p:cTn>
+                              </p:par>
+                              <p:par>
+                                <p:cTn id="14" presetID="10" presetClass="entr" presetSubtype="0" fill="hold" grpId="0" nodeType="withEffect">
+                                  <p:stCondLst>
+                                    <p:cond delay="0"/>
+                                  </p:stCondLst>
+                                  <p:childTnLst>
+                                    <p:set>
+                                      <p:cBhvr>
+                                        <p:cTn id="15" dur="1" fill="hold">
+                                          <p:stCondLst>
+                                            <p:cond delay="0"/>
+                                          </p:stCondLst>
+                                        </p:cTn>
+                                        <p:tgtEl>
+                                          <p:spTgt spid="3">
+                                            <p:txEl>
+                                              <p:pRg st="3" end="3"/>
+                                            </p:txEl>
+                                          </p:spTgt>
+                                        </p:tgtEl>
+                                        <p:attrNameLst>
+                                          <p:attrName>style.visibility</p:attrName>
+                                        </p:attrNameLst>
+                                      </p:cBhvr>
+                                      <p:to>
+                                        <p:strVal val="visible"/>
+                                      </p:to>
+                                    </p:set>
+                                    <p:animEffect transition="in" filter="fade">
+                                      <p:cBhvr>
+                                        <p:cTn id="16" dur="500"/>
+                                        <p:tgtEl>
+                                          <p:spTgt spid="3">
+                                            <p:txEl>
+                                              <p:pRg st="3" end="3"/>
+                                            </p:txEl>
+                                          </p:spTgt>
+                                        </p:tgtEl>
+                                      </p:cBhvr>
+                                    </p:animEffect>
+                                  </p:childTnLst>
+                                </p:cTn>
+                              </p:par>
+                            </p:childTnLst>
+                          </p:cTn>
+                        </p:par>
+                      </p:childTnLst>
+                    </p:cTn>
+                  </p:par>
+                  <p:par>
+                    <p:cTn id="17" fill="hold">
+                      <p:stCondLst>
+                        <p:cond delay="indefinite"/>
+                      </p:stCondLst>
+                      <p:childTnLst>
+                        <p:par>
+                          <p:cTn id="18" fill="hold">
+                            <p:stCondLst>
+                              <p:cond delay="0"/>
+                            </p:stCondLst>
+                            <p:childTnLst>
+                              <p:par>
+                                <p:cTn id="19" presetID="10" presetClass="entr" presetSubtype="0" fill="hold" grpId="0" nodeType="clickEffect">
+                                  <p:stCondLst>
+                                    <p:cond delay="0"/>
+                                  </p:stCondLst>
+                                  <p:childTnLst>
+                                    <p:set>
+                                      <p:cBhvr>
+                                        <p:cTn id="20" dur="1" fill="hold">
+                                          <p:stCondLst>
+                                            <p:cond delay="0"/>
+                                          </p:stCondLst>
+                                        </p:cTn>
+                                        <p:tgtEl>
+                                          <p:spTgt spid="3">
+                                            <p:txEl>
+                                              <p:pRg st="4" end="4"/>
+                                            </p:txEl>
+                                          </p:spTgt>
+                                        </p:tgtEl>
+                                        <p:attrNameLst>
+                                          <p:attrName>style.visibility</p:attrName>
+                                        </p:attrNameLst>
+                                      </p:cBhvr>
+                                      <p:to>
+                                        <p:strVal val="visible"/>
+                                      </p:to>
+                                    </p:set>
+                                    <p:animEffect transition="in" filter="fade">
+                                      <p:cBhvr>
+                                        <p:cTn id="21" dur="500"/>
+                                        <p:tgtEl>
+                                          <p:spTgt spid="3">
+                                            <p:txEl>
+                                              <p:pRg st="4" end="4"/>
+                                            </p:txEl>
+                                          </p:spTgt>
+                                        </p:tgtEl>
+                                      </p:cBhvr>
+                                    </p:animEffect>
+                                  </p:childTnLst>
+                                </p:cTn>
+                              </p:par>
+                            </p:childTnLst>
+                          </p:cTn>
+                        </p:par>
+                      </p:childTnLst>
+                    </p:cTn>
+                  </p:par>
+                  <p:par>
+                    <p:cTn id="22" fill="hold">
+                      <p:stCondLst>
+                        <p:cond delay="indefinite"/>
+                      </p:stCondLst>
+                      <p:childTnLst>
+                        <p:par>
+                          <p:cTn id="23" fill="hold">
+                            <p:stCondLst>
+                              <p:cond delay="0"/>
+                            </p:stCondLst>
+                            <p:childTnLst>
+                              <p:par>
+                                <p:cTn id="24" presetID="10" presetClass="entr" presetSubtype="0" fill="hold" grpId="0" nodeType="clickEffect">
+                                  <p:stCondLst>
+                                    <p:cond delay="0"/>
+                                  </p:stCondLst>
+                                  <p:childTnLst>
+                                    <p:set>
+                                      <p:cBhvr>
+                                        <p:cTn id="25" dur="1" fill="hold">
+                                          <p:stCondLst>
+                                            <p:cond delay="0"/>
+                                          </p:stCondLst>
+                                        </p:cTn>
+                                        <p:tgtEl>
+                                          <p:spTgt spid="3">
+                                            <p:txEl>
+                                              <p:pRg st="5" end="5"/>
+                                            </p:txEl>
+                                          </p:spTgt>
+                                        </p:tgtEl>
+                                        <p:attrNameLst>
+                                          <p:attrName>style.visibility</p:attrName>
+                                        </p:attrNameLst>
+                                      </p:cBhvr>
+                                      <p:to>
+                                        <p:strVal val="visible"/>
+                                      </p:to>
+                                    </p:set>
+                                    <p:animEffect transition="in" filter="fade">
+                                      <p:cBhvr>
+                                        <p:cTn id="26" dur="500"/>
+                                        <p:tgtEl>
+                                          <p:spTgt spid="3">
+                                            <p:txEl>
+                                              <p:pRg st="5" end="5"/>
+                                            </p:txEl>
+                                          </p:spTgt>
+                                        </p:tgtEl>
+                                      </p:cBhvr>
+                                    </p:animEffect>
+                                  </p:childTnLst>
+                                </p:cTn>
+                              </p:par>
+                            </p:childTnLst>
+                          </p:cTn>
+                        </p:par>
+                      </p:childTnLst>
+                    </p:cTn>
+                  </p:par>
+                  <p:par>
+                    <p:cTn id="27" fill="hold">
+                      <p:stCondLst>
+                        <p:cond delay="indefinite"/>
+                      </p:stCondLst>
+                      <p:childTnLst>
+                        <p:par>
+                          <p:cTn id="28" fill="hold">
+                            <p:stCondLst>
+                              <p:cond delay="0"/>
+                            </p:stCondLst>
+                            <p:childTnLst>
+                              <p:par>
+                                <p:cTn id="29" presetID="10" presetClass="entr" presetSubtype="0" fill="hold" grpId="0" nodeType="clickEffect">
+                                  <p:stCondLst>
+                                    <p:cond delay="0"/>
+                                  </p:stCondLst>
+                                  <p:childTnLst>
+                                    <p:set>
+                                      <p:cBhvr>
+                                        <p:cTn id="30" dur="1" fill="hold">
+                                          <p:stCondLst>
+                                            <p:cond delay="0"/>
+                                          </p:stCondLst>
+                                        </p:cTn>
+                                        <p:tgtEl>
+                                          <p:spTgt spid="3">
+                                            <p:txEl>
+                                              <p:pRg st="6" end="6"/>
+                                            </p:txEl>
+                                          </p:spTgt>
+                                        </p:tgtEl>
+                                        <p:attrNameLst>
+                                          <p:attrName>style.visibility</p:attrName>
+                                        </p:attrNameLst>
+                                      </p:cBhvr>
+                                      <p:to>
+                                        <p:strVal val="visible"/>
+                                      </p:to>
+                                    </p:set>
+                                    <p:animEffect transition="in" filter="fade">
+                                      <p:cBhvr>
+                                        <p:cTn id="31" dur="500"/>
+                                        <p:tgtEl>
+                                          <p:spTgt spid="3">
+                                            <p:txEl>
+                                              <p:pRg st="6" end="6"/>
+                                            </p:txEl>
+                                          </p:spTgt>
+                                        </p:tgtEl>
+                                      </p:cBhvr>
+                                    </p:animEffect>
+                                  </p:childTnLst>
+                                </p:cTn>
+                              </p:par>
+                            </p:childTnLst>
+                          </p:cTn>
+                        </p:par>
+                      </p:childTnLst>
+                    </p:cTn>
+                  </p:par>
+                  <p:par>
+                    <p:cTn id="32" fill="hold">
+                      <p:stCondLst>
+                        <p:cond delay="indefinite"/>
+                      </p:stCondLst>
+                      <p:childTnLst>
+                        <p:par>
+                          <p:cTn id="33" fill="hold">
+                            <p:stCondLst>
+                              <p:cond delay="0"/>
+                            </p:stCondLst>
+                            <p:childTnLst>
+                              <p:par>
+                                <p:cTn id="34" presetID="10" presetClass="entr" presetSubtype="0" fill="hold" grpId="0" nodeType="clickEffect">
+                                  <p:stCondLst>
+                                    <p:cond delay="0"/>
+                                  </p:stCondLst>
+                                  <p:childTnLst>
+                                    <p:set>
+                                      <p:cBhvr>
+                                        <p:cTn id="35" dur="1" fill="hold">
+                                          <p:stCondLst>
+                                            <p:cond delay="0"/>
+                                          </p:stCondLst>
+                                        </p:cTn>
+                                        <p:tgtEl>
+                                          <p:spTgt spid="3">
+                                            <p:txEl>
+                                              <p:pRg st="7" end="7"/>
+                                            </p:txEl>
+                                          </p:spTgt>
+                                        </p:tgtEl>
+                                        <p:attrNameLst>
+                                          <p:attrName>style.visibility</p:attrName>
+                                        </p:attrNameLst>
+                                      </p:cBhvr>
+                                      <p:to>
+                                        <p:strVal val="visible"/>
+                                      </p:to>
+                                    </p:set>
+                                    <p:animEffect transition="in" filter="fade">
+                                      <p:cBhvr>
+                                        <p:cTn id="36" dur="500"/>
+                                        <p:tgtEl>
+                                          <p:spTgt spid="3">
+                                            <p:txEl>
+                                              <p:pRg st="7" end="7"/>
+                                            </p:txEl>
+                                          </p:spTgt>
+                                        </p:tgtEl>
+                                      </p:cBhvr>
+                                    </p:animEffect>
+                                  </p:childTnLst>
+                                </p:cTn>
+                              </p:par>
+                            </p:childTnLst>
+                          </p:cTn>
+                        </p:par>
+                      </p:childTnLst>
+                    </p:cTn>
+                  </p:par>
+                  <p:par>
+                    <p:cTn id="37" fill="hold">
+                      <p:stCondLst>
+                        <p:cond delay="indefinite"/>
+                      </p:stCondLst>
+                      <p:childTnLst>
+                        <p:par>
+                          <p:cTn id="38" fill="hold">
+                            <p:stCondLst>
+                              <p:cond delay="0"/>
+                            </p:stCondLst>
+                            <p:childTnLst>
+                              <p:par>
+                                <p:cTn id="39" presetID="10" presetClass="entr" presetSubtype="0" fill="hold" grpId="0" nodeType="clickEffect">
+                                  <p:stCondLst>
+                                    <p:cond delay="0"/>
+                                  </p:stCondLst>
+                                  <p:childTnLst>
+                                    <p:set>
+                                      <p:cBhvr>
+                                        <p:cTn id="40" dur="1" fill="hold">
+                                          <p:stCondLst>
+                                            <p:cond delay="0"/>
+                                          </p:stCondLst>
+                                        </p:cTn>
+                                        <p:tgtEl>
+                                          <p:spTgt spid="3">
+                                            <p:txEl>
+                                              <p:pRg st="8" end="8"/>
+                                            </p:txEl>
+                                          </p:spTgt>
+                                        </p:tgtEl>
+                                        <p:attrNameLst>
+                                          <p:attrName>style.visibility</p:attrName>
+                                        </p:attrNameLst>
+                                      </p:cBhvr>
+                                      <p:to>
+                                        <p:strVal val="visible"/>
+                                      </p:to>
+                                    </p:set>
+                                    <p:animEffect transition="in" filter="fade">
+                                      <p:cBhvr>
+                                        <p:cTn id="41" dur="500"/>
+                                        <p:tgtEl>
+                                          <p:spTgt spid="3">
+                                            <p:txEl>
+                                              <p:pRg st="8" end="8"/>
+                                            </p:txEl>
+                                          </p:spTgt>
+                                        </p:tgtEl>
+                                      </p:cBhvr>
+                                    </p:animEffect>
+                                  </p:childTnLst>
+                                </p:cTn>
+                              </p:par>
+                            </p:childTnLst>
+                          </p:cTn>
+                        </p:par>
+                      </p:childTnLst>
+                    </p:cTn>
+                  </p:par>
+                  <p:par>
+                    <p:cTn id="42" fill="hold">
+                      <p:stCondLst>
+                        <p:cond delay="indefinite"/>
+                      </p:stCondLst>
+                      <p:childTnLst>
+                        <p:par>
+                          <p:cTn id="43" fill="hold">
+                            <p:stCondLst>
+                              <p:cond delay="0"/>
+                            </p:stCondLst>
+                            <p:childTnLst>
+                              <p:par>
+                                <p:cTn id="44" presetID="10" presetClass="entr" presetSubtype="0" fill="hold" grpId="0" nodeType="clickEffect">
+                                  <p:stCondLst>
+                                    <p:cond delay="0"/>
+                                  </p:stCondLst>
+                                  <p:childTnLst>
+                                    <p:set>
+                                      <p:cBhvr>
+                                        <p:cTn id="45" dur="1" fill="hold">
+                                          <p:stCondLst>
+                                            <p:cond delay="0"/>
+                                          </p:stCondLst>
+                                        </p:cTn>
+                                        <p:tgtEl>
+                                          <p:spTgt spid="3">
+                                            <p:txEl>
+                                              <p:pRg st="9" end="9"/>
+                                            </p:txEl>
+                                          </p:spTgt>
+                                        </p:tgtEl>
+                                        <p:attrNameLst>
+                                          <p:attrName>style.visibility</p:attrName>
+                                        </p:attrNameLst>
+                                      </p:cBhvr>
+                                      <p:to>
+                                        <p:strVal val="visible"/>
+                                      </p:to>
+                                    </p:set>
+                                    <p:animEffect transition="in" filter="fade">
+                                      <p:cBhvr>
+                                        <p:cTn id="46" dur="500"/>
+                                        <p:tgtEl>
+                                          <p:spTgt spid="3">
+                                            <p:txEl>
+                                              <p:pRg st="9" end="9"/>
+                                            </p:txEl>
+                                          </p:spTgt>
+                                        </p:tgtEl>
+                                      </p:cBhvr>
+                                    </p:animEffect>
+                                  </p:childTnLst>
+                                </p:cTn>
+                              </p:par>
+                            </p:childTnLst>
+                          </p:cTn>
+                        </p:par>
+                      </p:childTnLst>
+                    </p:cTn>
+                  </p:par>
+                </p:childTnLst>
+              </p:cTn>
+              <p:prevCondLst>
+                <p:cond evt="onPrev" delay="0">
+                  <p:tgtEl>
+                    <p:sldTgt/>
+                  </p:tgtEl>
+                </p:cond>
+              </p:prevCondLst>
+              <p:nextCondLst>
+                <p:cond evt="onNext" delay="0">
+                  <p:tgtEl>
+                    <p:sldTgt/>
+                  </p:tgtEl>
+                </p:cond>
+              </p:nextCondLst>
+            </p:seq>
+          </p:childTnLst>
+        </p:cTn>
+      </p:par>
+    </p:tnLst>
+    <p:bldLst>
+      <p:bldP spid="3" grpId="0" build="p"/>
+    </p:bldLst>
+  </p:timing>
+</p:sld>
+</file>
+
+<file path=ppt/slides/slide3.xml><?xml version="1.0" encoding="utf-8"?>
+<p:sld xmlns:a="http://schemas.openxmlformats.org/drawingml/2006/main" xmlns:r="http://schemas.openxmlformats.org/officeDocument/2006/relationships" xmlns:p="http://schemas.openxmlformats.org/presentationml/2006/main">
+  <p:cSld>
+    <p:spTree>
+      <p:nvGrpSpPr>
+        <p:cNvPr id="1" name=""/>
+        <p:cNvGrpSpPr/>
+        <p:nvPr/>
+      </p:nvGrpSpPr>
+      <p:grpSpPr>
+        <a:xfrm>
+          <a:off x="0" y="0"/>
+          <a:ext cx="0" cy="0"/>
+          <a:chOff x="0" y="0"/>
+          <a:chExt cx="0" cy="0"/>
+        </a:xfrm>
+      </p:grpSpPr>
+      <p:sp>
+        <p:nvSpPr>
+          <p:cNvPr id="2" name="Title 1"/>
+          <p:cNvSpPr>
+            <a:spLocks noGrp="1"/>
+          </p:cNvSpPr>
+          <p:nvPr>
+            <p:ph type="title"/>
+          </p:nvPr>
+        </p:nvSpPr>
+        <p:spPr/>
+        <p:txBody>
+          <a:bodyPr/>
+          <a:lstStyle/>
+          <a:p>
+            <a:r>
+              <a:rPr lang="en-US" sz="2400" dirty="0" smtClean="0"/>
+              <a:t>I started with something and then it became something else.</a:t>
+            </a:r>
+            <a:br>
+              <a:rPr lang="en-US" sz="2400" dirty="0" smtClean="0"/>
+            </a:br>
+            <a:r>
+              <a:rPr lang="en-US" sz="2400" dirty="0" smtClean="0"/>
+              <a:t>-</a:t>
+            </a:r>
+            <a:r>
+              <a:rPr lang="en-US" sz="2400" dirty="0" err="1" smtClean="0"/>
+              <a:t>picaso</a:t>
+            </a:r>
+            <a:endParaRPr lang="en-US" sz="2400" dirty="0"/>
+          </a:p>
+        </p:txBody>
+      </p:sp>
+      <p:sp>
+        <p:nvSpPr>
+          <p:cNvPr id="3" name="Text Placeholder 2"/>
+          <p:cNvSpPr>
+            <a:spLocks noGrp="1"/>
+          </p:cNvSpPr>
+          <p:nvPr>
+            <p:ph type="body" idx="1"/>
+          </p:nvPr>
+        </p:nvSpPr>
+        <p:spPr/>
+        <p:txBody>
+          <a:bodyPr/>
+          <a:lstStyle/>
+          <a:p>
+            <a:r>
+              <a:rPr lang="en-US" dirty="0" smtClean="0"/>
+              <a:t>Every developers time and life is important. We also think, how to make it better </a:t>
+            </a:r>
+            <a:r>
+              <a:rPr lang="en-US" smtClean="0"/>
+              <a:t>and efficient.</a:t>
+            </a:r>
+            <a:endParaRPr lang="en-US" dirty="0"/>
+          </a:p>
+        </p:txBody>
+      </p:sp>
+    </p:spTree>
+    <p:extLst>
+      <p:ext uri="{BB962C8B-B14F-4D97-AF65-F5344CB8AC3E}">
+        <p14:creationId xmlns:p14="http://schemas.microsoft.com/office/powerpoint/2010/main" val="3729954932"/>
+      </p:ext>
+    </p:extLst>
+  </p:cSld>
+  <p:clrMapOvr>
+    <a:masterClrMapping/>
+  </p:clrMapOvr>
+  <mc:AlternateContent xmlns:mc="http://schemas.openxmlformats.org/markup-compatibility/2006">
+    <mc:Choice xmlns:p14="http://schemas.microsoft.com/office/powerpoint/2010/main" Requires="p14">
+      <p:transition spd="med" p14:dur="700">
+        <p:fade/>
+      </p:transition>
+    </mc:Choice>
+    <mc:Fallback>
+      <p:transition spd="med">
+        <p:fade/>
+      </p:transition>
+    </mc:Fallback>
+  </mc:AlternateContent>
+  <p:timing>
+    <p:tnLst>
+      <p:par>
+        <p:cTn id="1" dur="indefinite" restart="never" nodeType="tmRoot">
+          <p:childTnLst>
+            <p:seq concurrent="1" nextAc="seek">
+              <p:cTn id="2" dur="indefinite" nodeType="mainSeq">
+                <p:childTnLst>
+                  <p:par>
+                    <p:cTn id="3" fill="hold">
+                      <p:stCondLst>
+                        <p:cond delay="indefinite"/>
+                      </p:stCondLst>
+                      <p:childTnLst>
+                        <p:par>
+                          <p:cTn id="4" fill="hold">
+                            <p:stCondLst>
+                              <p:cond delay="0"/>
+                            </p:stCondLst>
+                            <p:childTnLst>
+                              <p:par>
+                                <p:cTn id="5" presetID="10" presetClass="entr" presetSubtype="0" fill="hold" grpId="0" nodeType="clickEffect">
+                                  <p:stCondLst>
+                                    <p:cond delay="0"/>
+                                  </p:stCondLst>
+                                  <p:childTnLst>
+                                    <p:set>
+                                      <p:cBhvr>
+                                        <p:cTn id="6" dur="1" fill="hold">
+                                          <p:stCondLst>
+                                            <p:cond delay="0"/>
+                                          </p:stCondLst>
+                                        </p:cTn>
+                                        <p:tgtEl>
+                                          <p:spTgt spid="2"/>
+                                        </p:tgtEl>
+                                        <p:attrNameLst>
+                                          <p:attrName>style.visibility</p:attrName>
+                                        </p:attrNameLst>
+                                      </p:cBhvr>
+                                      <p:to>
+                                        <p:strVal val="visible"/>
+                                      </p:to>
+                                    </p:set>
+                                    <p:animEffect transition="in" filter="fade">
+                                      <p:cBhvr>
+                                        <p:cTn id="7" dur="500"/>
+                                        <p:tgtEl>
+                                          <p:spTgt spid="2"/>
+                                        </p:tgtEl>
+                                      </p:cBhvr>
+                                    </p:animEffect>
+                                  </p:childTnLst>
+                                </p:cTn>
+                              </p:par>
+                            </p:childTnLst>
+                          </p:cTn>
+                        </p:par>
+                      </p:childTnLst>
+                    </p:cTn>
+                  </p:par>
+                </p:childTnLst>
+              </p:cTn>
+              <p:prevCondLst>
+                <p:cond evt="onPrev" delay="0">
+                  <p:tgtEl>
+                    <p:sldTgt/>
+                  </p:tgtEl>
+                </p:cond>
+              </p:prevCondLst>
+              <p:nextCondLst>
+                <p:cond evt="onNext" delay="0">
+                  <p:tgtEl>
+                    <p:sldTgt/>
+                  </p:tgtEl>
+                </p:cond>
+              </p:nextCondLst>
+            </p:seq>
+          </p:childTnLst>
+        </p:cTn>
+      </p:par>
+    </p:tnLst>
+    <p:bldLst>
+      <p:bldP spid="2" grpId="0"/>
+    </p:bldLst>
+  </p:timing>
+</p:sld>
+</file>
+
+<file path=ppt/slides/slide4.xml><?xml version="1.0" encoding="utf-8"?>
+<p:sld xmlns:a="http://schemas.openxmlformats.org/drawingml/2006/main" xmlns:r="http://schemas.openxmlformats.org/officeDocument/2006/relationships" xmlns:p="http://schemas.openxmlformats.org/presentationml/2006/main">
+  <p:cSld>
+    <p:spTree>
+      <p:nvGrpSpPr>
+        <p:cNvPr id="1" name=""/>
+        <p:cNvGrpSpPr/>
+        <p:nvPr/>
+      </p:nvGrpSpPr>
+      <p:grpSpPr>
+        <a:xfrm>
+          <a:off x="0" y="0"/>
+          <a:ext cx="0" cy="0"/>
+          <a:chOff x="0" y="0"/>
+          <a:chExt cx="0" cy="0"/>
+        </a:xfrm>
+      </p:grpSpPr>
+      <p:sp>
+        <p:nvSpPr>
+          <p:cNvPr id="2" name="Title 1"/>
+          <p:cNvSpPr>
+            <a:spLocks noGrp="1"/>
+          </p:cNvSpPr>
+          <p:nvPr>
+            <p:ph type="title"/>
+          </p:nvPr>
+        </p:nvSpPr>
+        <p:spPr/>
+        <p:txBody>
+          <a:bodyPr/>
+          <a:lstStyle/>
+          <a:p>
+            <a:r>
+              <a:rPr lang="en-US" dirty="0" smtClean="0"/>
+              <a:t>ASP.NET MVC</a:t>
+            </a:r>
+            <a:endParaRPr lang="en-US" dirty="0"/>
+          </a:p>
+        </p:txBody>
+      </p:sp>
+      <p:sp>
+        <p:nvSpPr>
+          <p:cNvPr id="4" name="Text Placeholder 3"/>
+          <p:cNvSpPr>
+            <a:spLocks noGrp="1"/>
+          </p:cNvSpPr>
+          <p:nvPr>
+            <p:ph type="body" sz="half" idx="2"/>
+          </p:nvPr>
+        </p:nvSpPr>
+        <p:spPr/>
+        <p:txBody>
+          <a:bodyPr/>
+          <a:lstStyle/>
+          <a:p>
+            <a:endParaRPr lang="en-US"/>
+          </a:p>
+        </p:txBody>
+      </p:sp>
+      <p:graphicFrame>
+        <p:nvGraphicFramePr>
+          <p:cNvPr id="5" name="Diagram 4"/>
+          <p:cNvGraphicFramePr/>
+          <p:nvPr>
+            <p:extLst>
+              <p:ext uri="{D42A27DB-BD31-4B8C-83A1-F6EECF244321}">
+                <p14:modId xmlns:p14="http://schemas.microsoft.com/office/powerpoint/2010/main" val="1420428949"/>
+              </p:ext>
+            </p:extLst>
+          </p:nvPr>
+        </p:nvGraphicFramePr>
+        <p:xfrm>
+          <a:off x="2032000" y="719666"/>
+          <a:ext cx="7073363" cy="3395133"/>
+        </p:xfrm>
+        <a:graphic>
+          <a:graphicData uri="http://schemas.openxmlformats.org/drawingml/2006/diagram">
+            <dgm:relIds xmlns:dgm="http://schemas.openxmlformats.org/drawingml/2006/diagram" xmlns:r="http://schemas.openxmlformats.org/officeDocument/2006/relationships" r:dm="rId2" r:lo="rId3" r:qs="rId4" r:cs="rId5"/>
+          </a:graphicData>
+        </a:graphic>
+      </p:graphicFrame>
+    </p:spTree>
+    <p:extLst>
+      <p:ext uri="{BB962C8B-B14F-4D97-AF65-F5344CB8AC3E}">
+        <p14:creationId xmlns:p14="http://schemas.microsoft.com/office/powerpoint/2010/main" val="3032521776"/>
+      </p:ext>
+    </p:extLst>
+  </p:cSld>
+  <p:clrMapOvr>
+    <a:masterClrMapping/>
+  </p:clrMapOvr>
+  <p:timing>
+    <p:tnLst>
+      <p:par>
+        <p:cTn id="1" dur="indefinite" restart="never" nodeType="tmRoot"/>
+      </p:par>
+    </p:tnLst>
+  </p:timing>
+</p:sld>
+</file>
+
+<file path=ppt/slides/slide5.xml><?xml version="1.0" encoding="utf-8"?>
+<p:sld xmlns:a="http://schemas.openxmlformats.org/drawingml/2006/main" xmlns:r="http://schemas.openxmlformats.org/officeDocument/2006/relationships" xmlns:p="http://schemas.openxmlformats.org/presentationml/2006/main">
+  <p:cSld>
+    <p:spTree>
+      <p:nvGrpSpPr>
+        <p:cNvPr id="1" name=""/>
+        <p:cNvGrpSpPr/>
+        <p:nvPr/>
+      </p:nvGrpSpPr>
+      <p:grpSpPr>
+        <a:xfrm>
+          <a:off x="0" y="0"/>
+          <a:ext cx="0" cy="0"/>
+          <a:chOff x="0" y="0"/>
+          <a:chExt cx="0" cy="0"/>
+        </a:xfrm>
+      </p:grpSpPr>
+      <p:sp>
+        <p:nvSpPr>
+          <p:cNvPr id="2" name="Title 1"/>
+          <p:cNvSpPr>
+            <a:spLocks noGrp="1"/>
+          </p:cNvSpPr>
+          <p:nvPr>
+            <p:ph type="title"/>
+          </p:nvPr>
+        </p:nvSpPr>
+        <p:spPr/>
+        <p:txBody>
+          <a:bodyPr/>
+          <a:lstStyle/>
+          <a:p>
+            <a:r>
+              <a:rPr lang="en-US" dirty="0" smtClean="0"/>
+              <a:t>Developers can work with database in 3 ways.</a:t>
+            </a:r>
+            <a:endParaRPr lang="en-US" dirty="0"/>
+          </a:p>
+        </p:txBody>
+      </p:sp>
+      <p:sp>
+        <p:nvSpPr>
+          <p:cNvPr id="3" name="Text Placeholder 2"/>
+          <p:cNvSpPr>
+            <a:spLocks noGrp="1"/>
+          </p:cNvSpPr>
+          <p:nvPr>
+            <p:ph type="body" sz="half" idx="13"/>
+          </p:nvPr>
+        </p:nvSpPr>
+        <p:spPr/>
+        <p:txBody>
+          <a:bodyPr/>
+          <a:lstStyle/>
+          <a:p>
+            <a:r>
+              <a:rPr lang="en-US" dirty="0" smtClean="0"/>
+              <a:t>Code First (by Default)</a:t>
+            </a:r>
+            <a:endParaRPr lang="en-US" dirty="0"/>
+          </a:p>
+        </p:txBody>
+      </p:sp>
+      <p:sp>
+        <p:nvSpPr>
+          <p:cNvPr id="4" name="Text Placeholder 3"/>
+          <p:cNvSpPr>
+            <a:spLocks noGrp="1"/>
+          </p:cNvSpPr>
+          <p:nvPr>
+            <p:ph type="body" sz="half" idx="2"/>
+          </p:nvPr>
+        </p:nvSpPr>
+        <p:spPr/>
+        <p:txBody>
+          <a:bodyPr/>
+          <a:lstStyle/>
+          <a:p>
+            <a:r>
+              <a:rPr lang="en-US" dirty="0" smtClean="0"/>
+              <a:t>Code First, Database First, Model First</a:t>
+            </a:r>
+            <a:endParaRPr lang="en-US" dirty="0"/>
+          </a:p>
+        </p:txBody>
+      </p:sp>
+    </p:spTree>
+    <p:extLst>
+      <p:ext uri="{BB962C8B-B14F-4D97-AF65-F5344CB8AC3E}">
+        <p14:creationId xmlns:p14="http://schemas.microsoft.com/office/powerpoint/2010/main" val="2085489012"/>
+      </p:ext>
+    </p:extLst>
+  </p:cSld>
+  <p:clrMapOvr>
+    <a:masterClrMapping/>
+  </p:clrMapOvr>
+  <mc:AlternateContent xmlns:mc="http://schemas.openxmlformats.org/markup-compatibility/2006" xmlns:p14="http://schemas.microsoft.com/office/powerpoint/2010/main">
+    <mc:Choice Requires="p14">
+      <p:transition spd="slow" p14:dur="3400">
+        <p14:reveal/>
+      </p:transition>
+    </mc:Choice>
+    <mc:Fallback xmlns="">
+      <p:transition spd="slow">
+        <p:fade/>
+      </p:transition>
+    </mc:Fallback>
+  </mc:AlternateContent>
+  <p:timing>
+    <p:tnLst>
+      <p:par>
+        <p:cTn id="1" dur="indefinite" restart="never" nodeType="tmRoot"/>
+      </p:par>
+    </p:tnLst>
+  </p:timing>
+</p:sld>
+</file>
+
+<file path=ppt/slides/slide6.xml><?xml version="1.0" encoding="utf-8"?>
+<p:sld xmlns:a="http://schemas.openxmlformats.org/drawingml/2006/main" xmlns:r="http://schemas.openxmlformats.org/officeDocument/2006/relationships" xmlns:p="http://schemas.openxmlformats.org/presentationml/2006/main">
+  <p:cSld>
+    <p:spTree>
+      <p:nvGrpSpPr>
+        <p:cNvPr id="1" name=""/>
+        <p:cNvGrpSpPr/>
+        <p:nvPr/>
+      </p:nvGrpSpPr>
+      <p:grpSpPr>
+        <a:xfrm>
+          <a:off x="0" y="0"/>
+          <a:ext cx="0" cy="0"/>
+          <a:chOff x="0" y="0"/>
+          <a:chExt cx="0" cy="0"/>
+        </a:xfrm>
+      </p:grpSpPr>
+      <p:sp>
+        <p:nvSpPr>
+          <p:cNvPr id="2" name="Title 1"/>
+          <p:cNvSpPr>
+            <a:spLocks noGrp="1"/>
+          </p:cNvSpPr>
+          <p:nvPr>
+            <p:ph type="title"/>
+          </p:nvPr>
+        </p:nvSpPr>
+        <p:spPr/>
+        <p:txBody>
+          <a:bodyPr/>
+          <a:lstStyle/>
+          <a:p>
+            <a:r>
+              <a:rPr lang="en-US" dirty="0" smtClean="0"/>
+              <a:t>Code First(Pros)</a:t>
+            </a:r>
+            <a:endParaRPr lang="en-US" dirty="0"/>
+          </a:p>
+        </p:txBody>
+      </p:sp>
+      <p:sp>
+        <p:nvSpPr>
+          <p:cNvPr id="3" name="Text Placeholder 2"/>
+          <p:cNvSpPr>
+            <a:spLocks noGrp="1"/>
+          </p:cNvSpPr>
+          <p:nvPr>
+            <p:ph type="body" idx="1"/>
+          </p:nvPr>
+        </p:nvSpPr>
+        <p:spPr>
+          <a:xfrm>
+            <a:off x="6895559" y="1545465"/>
+            <a:ext cx="3757545" cy="4494727"/>
+          </a:xfrm>
+        </p:spPr>
+        <p:txBody>
+          <a:bodyPr anchor="t"/>
+          <a:lstStyle/>
+          <a:p>
+            <a:pPr marL="457200" indent="-457200">
+              <a:buFont typeface="+mj-lt"/>
+              <a:buAutoNum type="arabicPeriod"/>
+            </a:pPr>
+            <a:r>
+              <a:rPr lang="en-US" dirty="0" smtClean="0"/>
+              <a:t>Portable</a:t>
+            </a:r>
+          </a:p>
+          <a:p>
+            <a:pPr marL="457200" indent="-457200">
+              <a:buFont typeface="+mj-lt"/>
+              <a:buAutoNum type="arabicPeriod"/>
+            </a:pPr>
+            <a:r>
+              <a:rPr lang="en-US" dirty="0" smtClean="0"/>
+              <a:t>Doesn’t need much database logic</a:t>
+            </a:r>
+          </a:p>
+          <a:p>
+            <a:pPr marL="457200" indent="-457200">
+              <a:buFont typeface="+mj-lt"/>
+              <a:buAutoNum type="arabicPeriod"/>
+            </a:pPr>
+            <a:r>
+              <a:rPr lang="en-US" dirty="0" smtClean="0"/>
+              <a:t>Codes fan out everywhere</a:t>
+            </a:r>
+          </a:p>
+          <a:p>
+            <a:pPr marL="457200" indent="-457200">
+              <a:buFont typeface="+mj-lt"/>
+              <a:buAutoNum type="arabicPeriod"/>
+            </a:pPr>
+            <a:endParaRPr lang="en-US" dirty="0"/>
+          </a:p>
+        </p:txBody>
+      </p:sp>
+    </p:spTree>
+    <p:extLst>
+      <p:ext uri="{BB962C8B-B14F-4D97-AF65-F5344CB8AC3E}">
+        <p14:creationId xmlns:p14="http://schemas.microsoft.com/office/powerpoint/2010/main" val="3459876694"/>
+      </p:ext>
+    </p:extLst>
+  </p:cSld>
+  <p:clrMapOvr>
+    <a:masterClrMapping/>
+  </p:clrMapOvr>
+  <p:transition spd="med">
+    <p:pull/>
+  </p:transition>
+  <p:timing>
+    <p:tnLst>
+      <p:par>
+        <p:cTn id="1" dur="indefinite" restart="never" nodeType="tmRoot"/>
+      </p:par>
+    </p:tnLst>
+  </p:timing>
+</p:sld>
+</file>
+
+<file path=ppt/slides/slide7.xml><?xml version="1.0" encoding="utf-8"?>
+<p:sld xmlns:a="http://schemas.openxmlformats.org/drawingml/2006/main" xmlns:r="http://schemas.openxmlformats.org/officeDocument/2006/relationships" xmlns:p="http://schemas.openxmlformats.org/presentationml/2006/main">
+  <p:cSld>
+    <p:spTree>
+      <p:nvGrpSpPr>
+        <p:cNvPr id="1" name=""/>
+        <p:cNvGrpSpPr/>
+        <p:nvPr/>
+      </p:nvGrpSpPr>
+      <p:grpSpPr>
+        <a:xfrm>
+          <a:off x="0" y="0"/>
+          <a:ext cx="0" cy="0"/>
+          <a:chOff x="0" y="0"/>
+          <a:chExt cx="0" cy="0"/>
+        </a:xfrm>
+      </p:grpSpPr>
+      <p:sp>
+        <p:nvSpPr>
+          <p:cNvPr id="2" name="Title 1"/>
+          <p:cNvSpPr>
+            <a:spLocks noGrp="1"/>
+          </p:cNvSpPr>
+          <p:nvPr>
+            <p:ph type="title"/>
+          </p:nvPr>
+        </p:nvSpPr>
+        <p:spPr/>
+        <p:txBody>
+          <a:bodyPr/>
+          <a:lstStyle/>
+          <a:p>
+            <a:r>
+              <a:rPr lang="en-US" dirty="0" smtClean="0"/>
+              <a:t>Code First(Cons)</a:t>
+            </a:r>
+            <a:endParaRPr lang="en-US" dirty="0"/>
+          </a:p>
+        </p:txBody>
+      </p:sp>
+      <p:sp>
+        <p:nvSpPr>
+          <p:cNvPr id="3" name="Text Placeholder 2"/>
+          <p:cNvSpPr>
+            <a:spLocks noGrp="1"/>
+          </p:cNvSpPr>
+          <p:nvPr>
+            <p:ph type="body" idx="1"/>
+          </p:nvPr>
+        </p:nvSpPr>
+        <p:spPr>
+          <a:xfrm>
+            <a:off x="6895559" y="1545465"/>
+            <a:ext cx="3757545" cy="4494727"/>
+          </a:xfrm>
+        </p:spPr>
+        <p:txBody>
+          <a:bodyPr anchor="t"/>
+          <a:lstStyle/>
+          <a:p>
+            <a:pPr marL="457200" indent="-457200">
+              <a:buFont typeface="+mj-lt"/>
+              <a:buAutoNum type="arabicPeriod"/>
+            </a:pPr>
+            <a:r>
+              <a:rPr lang="en-US" dirty="0" smtClean="0"/>
+              <a:t>Need to write a lot of code.</a:t>
+            </a:r>
+          </a:p>
+          <a:p>
+            <a:pPr marL="457200" indent="-457200">
+              <a:buFont typeface="+mj-lt"/>
+              <a:buAutoNum type="arabicPeriod"/>
+            </a:pPr>
+            <a:r>
+              <a:rPr lang="en-US" dirty="0" smtClean="0"/>
+              <a:t>Hard to change data-types in future.</a:t>
+            </a:r>
+          </a:p>
+          <a:p>
+            <a:pPr marL="457200" indent="-457200">
+              <a:buFont typeface="+mj-lt"/>
+              <a:buAutoNum type="arabicPeriod"/>
+            </a:pPr>
+            <a:r>
+              <a:rPr lang="en-US" dirty="0" smtClean="0"/>
+              <a:t>Database doesn’t optimize much.</a:t>
+            </a:r>
+          </a:p>
+          <a:p>
+            <a:pPr marL="457200" indent="-457200">
+              <a:buFont typeface="+mj-lt"/>
+              <a:buAutoNum type="arabicPeriod"/>
+            </a:pPr>
+            <a:endParaRPr lang="en-US" dirty="0"/>
+          </a:p>
+        </p:txBody>
+      </p:sp>
+    </p:spTree>
+    <p:extLst>
+      <p:ext uri="{BB962C8B-B14F-4D97-AF65-F5344CB8AC3E}">
+        <p14:creationId xmlns:p14="http://schemas.microsoft.com/office/powerpoint/2010/main" val="2276903395"/>
+      </p:ext>
+    </p:extLst>
+  </p:cSld>
+  <p:clrMapOvr>
+    <a:masterClrMapping/>
+  </p:clrMapOvr>
+  <p:transition spd="med">
+    <p:pull/>
+  </p:transition>
+  <p:timing>
+    <p:tnLst>
+      <p:par>
+        <p:cTn id="1" dur="indefinite" restart="never" nodeType="tmRoot"/>
+      </p:par>
+    </p:tnLst>
+  </p:timing>
+</p:sld>
+</file>
+
+<file path=ppt/slides/slide8.xml><?xml version="1.0" encoding="utf-8"?>
+<p:sld xmlns:a="http://schemas.openxmlformats.org/drawingml/2006/main" xmlns:r="http://schemas.openxmlformats.org/officeDocument/2006/relationships" xmlns:p="http://schemas.openxmlformats.org/presentationml/2006/main">
+  <p:cSld>
+    <p:spTree>
+      <p:nvGrpSpPr>
+        <p:cNvPr id="1" name=""/>
+        <p:cNvGrpSpPr/>
+        <p:nvPr/>
+      </p:nvGrpSpPr>
+      <p:grpSpPr>
+        <a:xfrm>
+          <a:off x="0" y="0"/>
+          <a:ext cx="0" cy="0"/>
+          <a:chOff x="0" y="0"/>
+          <a:chExt cx="0" cy="0"/>
+        </a:xfrm>
+      </p:grpSpPr>
+      <p:sp>
+        <p:nvSpPr>
+          <p:cNvPr id="2" name="Title 1"/>
+          <p:cNvSpPr>
+            <a:spLocks noGrp="1"/>
+          </p:cNvSpPr>
+          <p:nvPr>
+            <p:ph type="title"/>
+          </p:nvPr>
+        </p:nvSpPr>
+        <p:spPr/>
+        <p:txBody>
+          <a:bodyPr/>
+          <a:lstStyle/>
+          <a:p>
+            <a:r>
+              <a:rPr lang="en-US" dirty="0" smtClean="0"/>
+              <a:t>DB First(Pros)</a:t>
+            </a:r>
+            <a:endParaRPr lang="en-US" dirty="0"/>
+          </a:p>
+        </p:txBody>
+      </p:sp>
+      <p:sp>
+        <p:nvSpPr>
+          <p:cNvPr id="3" name="Text Placeholder 2"/>
+          <p:cNvSpPr>
+            <a:spLocks noGrp="1"/>
+          </p:cNvSpPr>
+          <p:nvPr>
+            <p:ph type="body" idx="1"/>
+          </p:nvPr>
+        </p:nvSpPr>
+        <p:spPr>
+          <a:xfrm>
+            <a:off x="6895559" y="1545465"/>
+            <a:ext cx="3757545" cy="4494727"/>
+          </a:xfrm>
+        </p:spPr>
+        <p:txBody>
+          <a:bodyPr anchor="t"/>
+          <a:lstStyle/>
+          <a:p>
+            <a:pPr marL="457200" indent="-457200">
+              <a:buFont typeface="+mj-lt"/>
+              <a:buAutoNum type="arabicPeriod"/>
+            </a:pPr>
+            <a:r>
+              <a:rPr lang="en-US" dirty="0" smtClean="0"/>
+              <a:t>Write less</a:t>
+            </a:r>
+          </a:p>
+          <a:p>
+            <a:pPr marL="457200" indent="-457200">
+              <a:buFont typeface="+mj-lt"/>
+              <a:buAutoNum type="arabicPeriod"/>
+            </a:pPr>
+            <a:r>
+              <a:rPr lang="en-US" dirty="0" smtClean="0"/>
+              <a:t>Efficient database design</a:t>
+            </a:r>
+          </a:p>
+          <a:p>
+            <a:pPr marL="457200" indent="-457200">
+              <a:buFont typeface="+mj-lt"/>
+              <a:buAutoNum type="arabicPeriod"/>
+            </a:pPr>
+            <a:r>
+              <a:rPr lang="en-US" dirty="0" smtClean="0"/>
+              <a:t>Very much rapid development</a:t>
+            </a:r>
+          </a:p>
+          <a:p>
+            <a:pPr marL="457200" indent="-457200">
+              <a:buFont typeface="+mj-lt"/>
+              <a:buAutoNum type="arabicPeriod"/>
+            </a:pPr>
+            <a:endParaRPr lang="en-US" dirty="0" smtClean="0"/>
+          </a:p>
+          <a:p>
+            <a:pPr marL="457200" indent="-457200">
+              <a:buFont typeface="+mj-lt"/>
+              <a:buAutoNum type="arabicPeriod"/>
+            </a:pPr>
+            <a:endParaRPr lang="en-US" dirty="0"/>
+          </a:p>
+        </p:txBody>
+      </p:sp>
+    </p:spTree>
+    <p:extLst>
+      <p:ext uri="{BB962C8B-B14F-4D97-AF65-F5344CB8AC3E}">
+        <p14:creationId xmlns:p14="http://schemas.microsoft.com/office/powerpoint/2010/main" val="368854359"/>
+      </p:ext>
+    </p:extLst>
+  </p:cSld>
+  <p:clrMapOvr>
+    <a:masterClrMapping/>
+  </p:clrMapOvr>
+  <p:transition spd="med">
+    <p:pull/>
+  </p:transition>
+  <p:timing>
+    <p:tnLst>
+      <p:par>
+        <p:cTn id="1" dur="indefinite" restart="never" nodeType="tmRoot"/>
+      </p:par>
+    </p:tnLst>
+  </p:timing>
+</p:sld>
+</file>
+
+<file path=ppt/slides/slide9.xml><?xml version="1.0" encoding="utf-8"?>
+<p:sld xmlns:a="http://schemas.openxmlformats.org/drawingml/2006/main" xmlns:r="http://schemas.openxmlformats.org/officeDocument/2006/relationships" xmlns:p="http://schemas.openxmlformats.org/presentationml/2006/main">
+  <p:cSld>
+    <p:spTree>
+      <p:nvGrpSpPr>
+        <p:cNvPr id="1" name=""/>
+        <p:cNvGrpSpPr/>
+        <p:nvPr/>
+      </p:nvGrpSpPr>
+      <p:grpSpPr>
+        <a:xfrm>
+          <a:off x="0" y="0"/>
+          <a:ext cx="0" cy="0"/>
+          <a:chOff x="0" y="0"/>
+          <a:chExt cx="0" cy="0"/>
+        </a:xfrm>
+      </p:grpSpPr>
+      <p:sp>
+        <p:nvSpPr>
+          <p:cNvPr id="2" name="Title 1"/>
+          <p:cNvSpPr>
+            <a:spLocks noGrp="1"/>
+          </p:cNvSpPr>
+          <p:nvPr>
+            <p:ph type="title"/>
+          </p:nvPr>
+        </p:nvSpPr>
+        <p:spPr/>
+        <p:txBody>
+          <a:bodyPr/>
+          <a:lstStyle/>
+          <a:p>
+            <a:r>
+              <a:rPr lang="en-US" dirty="0" smtClean="0"/>
+              <a:t>DB First(Cons)</a:t>
+            </a:r>
+            <a:endParaRPr lang="en-US" dirty="0"/>
+          </a:p>
+        </p:txBody>
+      </p:sp>
+      <p:sp>
+        <p:nvSpPr>
+          <p:cNvPr id="3" name="Text Placeholder 2"/>
+          <p:cNvSpPr>
+            <a:spLocks noGrp="1"/>
+          </p:cNvSpPr>
+          <p:nvPr>
+            <p:ph type="body" idx="1"/>
+          </p:nvPr>
+        </p:nvSpPr>
+        <p:spPr>
+          <a:xfrm>
+            <a:off x="6895559" y="1545465"/>
+            <a:ext cx="3757545" cy="4494727"/>
+          </a:xfrm>
+        </p:spPr>
+        <p:txBody>
+          <a:bodyPr anchor="t"/>
+          <a:lstStyle/>
+          <a:p>
+            <a:pPr marL="457200" indent="-457200">
+              <a:buFont typeface="+mj-lt"/>
+              <a:buAutoNum type="arabicPeriod"/>
+            </a:pPr>
+            <a:r>
+              <a:rPr lang="en-US" dirty="0" smtClean="0"/>
+              <a:t>Not portable.</a:t>
+            </a:r>
+          </a:p>
+          <a:p>
+            <a:pPr marL="457200" indent="-457200">
+              <a:buFont typeface="+mj-lt"/>
+              <a:buAutoNum type="arabicPeriod"/>
+            </a:pPr>
+            <a:r>
+              <a:rPr lang="en-US" dirty="0" smtClean="0"/>
+              <a:t>Codes doesn’t fan out.</a:t>
+            </a:r>
+          </a:p>
+          <a:p>
+            <a:pPr marL="457200" indent="-457200">
+              <a:buFont typeface="+mj-lt"/>
+              <a:buAutoNum type="arabicPeriod"/>
+            </a:pPr>
+            <a:r>
+              <a:rPr lang="en-US" dirty="0" smtClean="0"/>
+              <a:t>Changing in relationship takes time to sync.</a:t>
+            </a:r>
+          </a:p>
+          <a:p>
+            <a:pPr marL="457200" indent="-457200">
+              <a:buFont typeface="+mj-lt"/>
+              <a:buAutoNum type="arabicPeriod"/>
+            </a:pPr>
+            <a:endParaRPr lang="en-US" dirty="0" smtClean="0"/>
+          </a:p>
+          <a:p>
+            <a:pPr marL="457200" indent="-457200">
+              <a:buFont typeface="+mj-lt"/>
+              <a:buAutoNum type="arabicPeriod"/>
+            </a:pPr>
+            <a:endParaRPr lang="en-US" dirty="0"/>
+          </a:p>
+        </p:txBody>
+      </p:sp>
+    </p:spTree>
+    <p:extLst>
+      <p:ext uri="{BB962C8B-B14F-4D97-AF65-F5344CB8AC3E}">
+        <p14:creationId xmlns:p14="http://schemas.microsoft.com/office/powerpoint/2010/main" val="1676203180"/>
+      </p:ext>
+    </p:extLst>
+  </p:cSld>
+  <p:clrMapOvr>
+    <a:masterClrMapping/>
+  </p:clrMapOvr>
+  <p:transition spd="med">
+    <p:pull/>
+  </p:transition>
   <p:timing>
     <p:tnLst>
       <p:par>
